--- a/src/숙제/d20200929/장동진/예약 시스템.pptx
+++ b/src/숙제/d20200929/장동진/예약 시스템.pptx
@@ -5,27 +5,28 @@
     <p:sldMasterId id="2147483648" r:id="rId1"/>
   </p:sldMasterIdLst>
   <p:notesMasterIdLst>
-    <p:notesMasterId r:id="rId20"/>
+    <p:notesMasterId r:id="rId21"/>
   </p:notesMasterIdLst>
   <p:sldIdLst>
     <p:sldId id="256" r:id="rId2"/>
     <p:sldId id="257" r:id="rId3"/>
     <p:sldId id="259" r:id="rId4"/>
-    <p:sldId id="287" r:id="rId5"/>
-    <p:sldId id="283" r:id="rId6"/>
-    <p:sldId id="299" r:id="rId7"/>
-    <p:sldId id="295" r:id="rId8"/>
-    <p:sldId id="304" r:id="rId9"/>
-    <p:sldId id="300" r:id="rId10"/>
-    <p:sldId id="291" r:id="rId11"/>
-    <p:sldId id="290" r:id="rId12"/>
-    <p:sldId id="298" r:id="rId13"/>
-    <p:sldId id="280" r:id="rId14"/>
-    <p:sldId id="301" r:id="rId15"/>
-    <p:sldId id="302" r:id="rId16"/>
-    <p:sldId id="296" r:id="rId17"/>
-    <p:sldId id="270" r:id="rId18"/>
-    <p:sldId id="303" r:id="rId19"/>
+    <p:sldId id="308" r:id="rId5"/>
+    <p:sldId id="309" r:id="rId6"/>
+    <p:sldId id="311" r:id="rId7"/>
+    <p:sldId id="310" r:id="rId8"/>
+    <p:sldId id="287" r:id="rId9"/>
+    <p:sldId id="283" r:id="rId10"/>
+    <p:sldId id="307" r:id="rId11"/>
+    <p:sldId id="304" r:id="rId12"/>
+    <p:sldId id="291" r:id="rId13"/>
+    <p:sldId id="290" r:id="rId14"/>
+    <p:sldId id="280" r:id="rId15"/>
+    <p:sldId id="301" r:id="rId16"/>
+    <p:sldId id="302" r:id="rId17"/>
+    <p:sldId id="296" r:id="rId18"/>
+    <p:sldId id="270" r:id="rId19"/>
+    <p:sldId id="303" r:id="rId20"/>
   </p:sldIdLst>
   <p:sldSz cx="18288000" cy="10287000"/>
   <p:notesSz cx="10287000" cy="18288000"/>
@@ -146,11 +147,7 @@
 <file path=ppt/commentAuthors.xml><?xml version="1.0" encoding="utf-8"?>
 <p:cmAuthorLst xmlns:a="http://schemas.openxmlformats.org/drawingml/2006/main" xmlns:r="http://schemas.openxmlformats.org/officeDocument/2006/relationships" xmlns:p="http://schemas.openxmlformats.org/presentationml/2006/main">
   <p:cmAuthor id="1" name="Windows 사용자" initials="W사" lastIdx="1" clrIdx="0">
-    <p:extLst>
-      <p:ext uri="{19B8F6BF-5375-455C-9EA6-DF929625EA0E}">
-        <p15:presenceInfo xmlns:p15="http://schemas.microsoft.com/office/powerpoint/2012/main" userId="8eef1c6eada1f995" providerId="Windows Live"/>
-      </p:ext>
-    </p:extLst>
+    <p:extLst/>
   </p:cmAuthor>
 </p:cmAuthorLst>
 </file>
@@ -237,7 +234,7 @@
           <a:p>
             <a:fld id="{F1FE0931-50DD-47BE-B09E-A7E538225212}" type="datetimeFigureOut">
               <a:rPr lang="ko-KR" altLang="en-US" smtClean="0"/>
-              <a:t>2020-10-04</a:t>
+              <a:t>2020-10-05</a:t>
             </a:fld>
             <a:endParaRPr lang="ko-KR" altLang="en-US"/>
           </a:p>
@@ -549,7 +546,7 @@
           <a:bodyPr/>
           <a:lstStyle/>
           <a:p>
-            <a:endParaRPr lang="ko-KR" altLang="en-US"/>
+            <a:endParaRPr lang="ko-KR" altLang="en-US" dirty="0"/>
           </a:p>
         </p:txBody>
       </p:sp>
@@ -570,7 +567,7 @@
           <a:p>
             <a:fld id="{4146F9DB-9B1D-4ECA-A1F4-E9FA816B7163}" type="slidenum">
               <a:rPr lang="ko-KR" altLang="en-US" smtClean="0"/>
-              <a:t>10</a:t>
+              <a:t>4</a:t>
             </a:fld>
             <a:endParaRPr lang="ko-KR" altLang="en-US"/>
           </a:p>
@@ -579,7 +576,7 @@
     </p:spTree>
     <p:extLst>
       <p:ext uri="{BB962C8B-B14F-4D97-AF65-F5344CB8AC3E}">
-        <p14:creationId xmlns:p14="http://schemas.microsoft.com/office/powerpoint/2010/main" val="1828848464"/>
+        <p14:creationId xmlns:p14="http://schemas.microsoft.com/office/powerpoint/2010/main" val="3331898233"/>
       </p:ext>
     </p:extLst>
   </p:cSld>
@@ -633,7 +630,7 @@
           <a:bodyPr/>
           <a:lstStyle/>
           <a:p>
-            <a:endParaRPr lang="ko-KR" altLang="en-US"/>
+            <a:endParaRPr lang="ko-KR" altLang="en-US" dirty="0"/>
           </a:p>
         </p:txBody>
       </p:sp>
@@ -654,7 +651,343 @@
           <a:p>
             <a:fld id="{4146F9DB-9B1D-4ECA-A1F4-E9FA816B7163}" type="slidenum">
               <a:rPr lang="ko-KR" altLang="en-US" smtClean="0"/>
-              <a:t>11</a:t>
+              <a:t>5</a:t>
+            </a:fld>
+            <a:endParaRPr lang="ko-KR" altLang="en-US"/>
+          </a:p>
+        </p:txBody>
+      </p:sp>
+    </p:spTree>
+    <p:extLst>
+      <p:ext uri="{BB962C8B-B14F-4D97-AF65-F5344CB8AC3E}">
+        <p14:creationId xmlns:p14="http://schemas.microsoft.com/office/powerpoint/2010/main" val="4046942399"/>
+      </p:ext>
+    </p:extLst>
+  </p:cSld>
+  <p:clrMapOvr>
+    <a:masterClrMapping/>
+  </p:clrMapOvr>
+</p:notes>
+</file>
+
+<file path=ppt/notesSlides/notesSlide3.xml><?xml version="1.0" encoding="utf-8"?>
+<p:notes xmlns:a="http://schemas.openxmlformats.org/drawingml/2006/main" xmlns:r="http://schemas.openxmlformats.org/officeDocument/2006/relationships" xmlns:p="http://schemas.openxmlformats.org/presentationml/2006/main">
+  <p:cSld>
+    <p:spTree>
+      <p:nvGrpSpPr>
+        <p:cNvPr id="1" name=""/>
+        <p:cNvGrpSpPr/>
+        <p:nvPr/>
+      </p:nvGrpSpPr>
+      <p:grpSpPr>
+        <a:xfrm>
+          <a:off x="0" y="0"/>
+          <a:ext cx="0" cy="0"/>
+          <a:chOff x="0" y="0"/>
+          <a:chExt cx="0" cy="0"/>
+        </a:xfrm>
+      </p:grpSpPr>
+      <p:sp>
+        <p:nvSpPr>
+          <p:cNvPr id="2" name="슬라이드 이미지 개체 틀 1"/>
+          <p:cNvSpPr>
+            <a:spLocks noGrp="1" noRot="1" noChangeAspect="1"/>
+          </p:cNvSpPr>
+          <p:nvPr>
+            <p:ph type="sldImg"/>
+          </p:nvPr>
+        </p:nvSpPr>
+        <p:spPr/>
+      </p:sp>
+      <p:sp>
+        <p:nvSpPr>
+          <p:cNvPr id="3" name="슬라이드 노트 개체 틀 2"/>
+          <p:cNvSpPr>
+            <a:spLocks noGrp="1"/>
+          </p:cNvSpPr>
+          <p:nvPr>
+            <p:ph type="body" idx="1"/>
+          </p:nvPr>
+        </p:nvSpPr>
+        <p:spPr/>
+        <p:txBody>
+          <a:bodyPr/>
+          <a:lstStyle/>
+          <a:p>
+            <a:endParaRPr lang="ko-KR" altLang="en-US" dirty="0"/>
+          </a:p>
+        </p:txBody>
+      </p:sp>
+      <p:sp>
+        <p:nvSpPr>
+          <p:cNvPr id="4" name="슬라이드 번호 개체 틀 3"/>
+          <p:cNvSpPr>
+            <a:spLocks noGrp="1"/>
+          </p:cNvSpPr>
+          <p:nvPr>
+            <p:ph type="sldNum" sz="quarter" idx="10"/>
+          </p:nvPr>
+        </p:nvSpPr>
+        <p:spPr/>
+        <p:txBody>
+          <a:bodyPr/>
+          <a:lstStyle/>
+          <a:p>
+            <a:fld id="{4146F9DB-9B1D-4ECA-A1F4-E9FA816B7163}" type="slidenum">
+              <a:rPr lang="ko-KR" altLang="en-US" smtClean="0"/>
+              <a:t>6</a:t>
+            </a:fld>
+            <a:endParaRPr lang="ko-KR" altLang="en-US"/>
+          </a:p>
+        </p:txBody>
+      </p:sp>
+    </p:spTree>
+    <p:extLst>
+      <p:ext uri="{BB962C8B-B14F-4D97-AF65-F5344CB8AC3E}">
+        <p14:creationId xmlns:p14="http://schemas.microsoft.com/office/powerpoint/2010/main" val="1220217951"/>
+      </p:ext>
+    </p:extLst>
+  </p:cSld>
+  <p:clrMapOvr>
+    <a:masterClrMapping/>
+  </p:clrMapOvr>
+</p:notes>
+</file>
+
+<file path=ppt/notesSlides/notesSlide4.xml><?xml version="1.0" encoding="utf-8"?>
+<p:notes xmlns:a="http://schemas.openxmlformats.org/drawingml/2006/main" xmlns:r="http://schemas.openxmlformats.org/officeDocument/2006/relationships" xmlns:p="http://schemas.openxmlformats.org/presentationml/2006/main">
+  <p:cSld>
+    <p:spTree>
+      <p:nvGrpSpPr>
+        <p:cNvPr id="1" name=""/>
+        <p:cNvGrpSpPr/>
+        <p:nvPr/>
+      </p:nvGrpSpPr>
+      <p:grpSpPr>
+        <a:xfrm>
+          <a:off x="0" y="0"/>
+          <a:ext cx="0" cy="0"/>
+          <a:chOff x="0" y="0"/>
+          <a:chExt cx="0" cy="0"/>
+        </a:xfrm>
+      </p:grpSpPr>
+      <p:sp>
+        <p:nvSpPr>
+          <p:cNvPr id="2" name="슬라이드 이미지 개체 틀 1"/>
+          <p:cNvSpPr>
+            <a:spLocks noGrp="1" noRot="1" noChangeAspect="1"/>
+          </p:cNvSpPr>
+          <p:nvPr>
+            <p:ph type="sldImg"/>
+          </p:nvPr>
+        </p:nvSpPr>
+        <p:spPr/>
+      </p:sp>
+      <p:sp>
+        <p:nvSpPr>
+          <p:cNvPr id="3" name="슬라이드 노트 개체 틀 2"/>
+          <p:cNvSpPr>
+            <a:spLocks noGrp="1"/>
+          </p:cNvSpPr>
+          <p:nvPr>
+            <p:ph type="body" idx="1"/>
+          </p:nvPr>
+        </p:nvSpPr>
+        <p:spPr/>
+        <p:txBody>
+          <a:bodyPr/>
+          <a:lstStyle/>
+          <a:p>
+            <a:endParaRPr lang="ko-KR" altLang="en-US" dirty="0"/>
+          </a:p>
+        </p:txBody>
+      </p:sp>
+      <p:sp>
+        <p:nvSpPr>
+          <p:cNvPr id="4" name="슬라이드 번호 개체 틀 3"/>
+          <p:cNvSpPr>
+            <a:spLocks noGrp="1"/>
+          </p:cNvSpPr>
+          <p:nvPr>
+            <p:ph type="sldNum" sz="quarter" idx="10"/>
+          </p:nvPr>
+        </p:nvSpPr>
+        <p:spPr/>
+        <p:txBody>
+          <a:bodyPr/>
+          <a:lstStyle/>
+          <a:p>
+            <a:fld id="{4146F9DB-9B1D-4ECA-A1F4-E9FA816B7163}" type="slidenum">
+              <a:rPr lang="ko-KR" altLang="en-US" smtClean="0"/>
+              <a:t>7</a:t>
+            </a:fld>
+            <a:endParaRPr lang="ko-KR" altLang="en-US"/>
+          </a:p>
+        </p:txBody>
+      </p:sp>
+    </p:spTree>
+    <p:extLst>
+      <p:ext uri="{BB962C8B-B14F-4D97-AF65-F5344CB8AC3E}">
+        <p14:creationId xmlns:p14="http://schemas.microsoft.com/office/powerpoint/2010/main" val="2125463887"/>
+      </p:ext>
+    </p:extLst>
+  </p:cSld>
+  <p:clrMapOvr>
+    <a:masterClrMapping/>
+  </p:clrMapOvr>
+</p:notes>
+</file>
+
+<file path=ppt/notesSlides/notesSlide5.xml><?xml version="1.0" encoding="utf-8"?>
+<p:notes xmlns:a="http://schemas.openxmlformats.org/drawingml/2006/main" xmlns:r="http://schemas.openxmlformats.org/officeDocument/2006/relationships" xmlns:p="http://schemas.openxmlformats.org/presentationml/2006/main">
+  <p:cSld>
+    <p:spTree>
+      <p:nvGrpSpPr>
+        <p:cNvPr id="1" name=""/>
+        <p:cNvGrpSpPr/>
+        <p:nvPr/>
+      </p:nvGrpSpPr>
+      <p:grpSpPr>
+        <a:xfrm>
+          <a:off x="0" y="0"/>
+          <a:ext cx="0" cy="0"/>
+          <a:chOff x="0" y="0"/>
+          <a:chExt cx="0" cy="0"/>
+        </a:xfrm>
+      </p:grpSpPr>
+      <p:sp>
+        <p:nvSpPr>
+          <p:cNvPr id="2" name="슬라이드 이미지 개체 틀 1"/>
+          <p:cNvSpPr>
+            <a:spLocks noGrp="1" noRot="1" noChangeAspect="1"/>
+          </p:cNvSpPr>
+          <p:nvPr>
+            <p:ph type="sldImg"/>
+          </p:nvPr>
+        </p:nvSpPr>
+        <p:spPr/>
+      </p:sp>
+      <p:sp>
+        <p:nvSpPr>
+          <p:cNvPr id="3" name="슬라이드 노트 개체 틀 2"/>
+          <p:cNvSpPr>
+            <a:spLocks noGrp="1"/>
+          </p:cNvSpPr>
+          <p:nvPr>
+            <p:ph type="body" idx="1"/>
+          </p:nvPr>
+        </p:nvSpPr>
+        <p:spPr/>
+        <p:txBody>
+          <a:bodyPr/>
+          <a:lstStyle/>
+          <a:p>
+            <a:endParaRPr lang="ko-KR" altLang="en-US"/>
+          </a:p>
+        </p:txBody>
+      </p:sp>
+      <p:sp>
+        <p:nvSpPr>
+          <p:cNvPr id="4" name="슬라이드 번호 개체 틀 3"/>
+          <p:cNvSpPr>
+            <a:spLocks noGrp="1"/>
+          </p:cNvSpPr>
+          <p:nvPr>
+            <p:ph type="sldNum" sz="quarter" idx="10"/>
+          </p:nvPr>
+        </p:nvSpPr>
+        <p:spPr/>
+        <p:txBody>
+          <a:bodyPr/>
+          <a:lstStyle/>
+          <a:p>
+            <a:fld id="{4146F9DB-9B1D-4ECA-A1F4-E9FA816B7163}" type="slidenum">
+              <a:rPr lang="ko-KR" altLang="en-US" smtClean="0"/>
+              <a:t>12</a:t>
+            </a:fld>
+            <a:endParaRPr lang="ko-KR" altLang="en-US"/>
+          </a:p>
+        </p:txBody>
+      </p:sp>
+    </p:spTree>
+    <p:extLst>
+      <p:ext uri="{BB962C8B-B14F-4D97-AF65-F5344CB8AC3E}">
+        <p14:creationId xmlns:p14="http://schemas.microsoft.com/office/powerpoint/2010/main" val="1828848464"/>
+      </p:ext>
+    </p:extLst>
+  </p:cSld>
+  <p:clrMapOvr>
+    <a:masterClrMapping/>
+  </p:clrMapOvr>
+</p:notes>
+</file>
+
+<file path=ppt/notesSlides/notesSlide6.xml><?xml version="1.0" encoding="utf-8"?>
+<p:notes xmlns:a="http://schemas.openxmlformats.org/drawingml/2006/main" xmlns:r="http://schemas.openxmlformats.org/officeDocument/2006/relationships" xmlns:p="http://schemas.openxmlformats.org/presentationml/2006/main">
+  <p:cSld>
+    <p:spTree>
+      <p:nvGrpSpPr>
+        <p:cNvPr id="1" name=""/>
+        <p:cNvGrpSpPr/>
+        <p:nvPr/>
+      </p:nvGrpSpPr>
+      <p:grpSpPr>
+        <a:xfrm>
+          <a:off x="0" y="0"/>
+          <a:ext cx="0" cy="0"/>
+          <a:chOff x="0" y="0"/>
+          <a:chExt cx="0" cy="0"/>
+        </a:xfrm>
+      </p:grpSpPr>
+      <p:sp>
+        <p:nvSpPr>
+          <p:cNvPr id="2" name="슬라이드 이미지 개체 틀 1"/>
+          <p:cNvSpPr>
+            <a:spLocks noGrp="1" noRot="1" noChangeAspect="1"/>
+          </p:cNvSpPr>
+          <p:nvPr>
+            <p:ph type="sldImg"/>
+          </p:nvPr>
+        </p:nvSpPr>
+        <p:spPr/>
+      </p:sp>
+      <p:sp>
+        <p:nvSpPr>
+          <p:cNvPr id="3" name="슬라이드 노트 개체 틀 2"/>
+          <p:cNvSpPr>
+            <a:spLocks noGrp="1"/>
+          </p:cNvSpPr>
+          <p:nvPr>
+            <p:ph type="body" idx="1"/>
+          </p:nvPr>
+        </p:nvSpPr>
+        <p:spPr/>
+        <p:txBody>
+          <a:bodyPr/>
+          <a:lstStyle/>
+          <a:p>
+            <a:endParaRPr lang="ko-KR" altLang="en-US" dirty="0"/>
+          </a:p>
+        </p:txBody>
+      </p:sp>
+      <p:sp>
+        <p:nvSpPr>
+          <p:cNvPr id="4" name="슬라이드 번호 개체 틀 3"/>
+          <p:cNvSpPr>
+            <a:spLocks noGrp="1"/>
+          </p:cNvSpPr>
+          <p:nvPr>
+            <p:ph type="sldNum" sz="quarter" idx="10"/>
+          </p:nvPr>
+        </p:nvSpPr>
+        <p:spPr/>
+        <p:txBody>
+          <a:bodyPr/>
+          <a:lstStyle/>
+          <a:p>
+            <a:fld id="{4146F9DB-9B1D-4ECA-A1F4-E9FA816B7163}" type="slidenum">
+              <a:rPr lang="ko-KR" altLang="en-US" smtClean="0"/>
+              <a:t>13</a:t>
             </a:fld>
             <a:endParaRPr lang="ko-KR" altLang="en-US"/>
           </a:p>
@@ -854,7 +1187,7 @@
           <a:p>
             <a:fld id="{F8166F1F-CE9B-4651-A6AA-CD717754106B}" type="datetimeFigureOut">
               <a:rPr lang="en-US" smtClean="0"/>
-              <a:t>10/4/2020</a:t>
+              <a:t>10/5/2020</a:t>
             </a:fld>
             <a:endParaRPr lang="en-US"/>
           </a:p>
@@ -1019,7 +1352,7 @@
           <a:p>
             <a:fld id="{A76116CE-C4A3-4A05-B2D7-7C2E9A889C0F}" type="datetimeFigureOut">
               <a:rPr lang="en-US" smtClean="0"/>
-              <a:t>10/4/2020</a:t>
+              <a:t>10/5/2020</a:t>
             </a:fld>
             <a:endParaRPr lang="en-US"/>
           </a:p>
@@ -1194,7 +1527,7 @@
           <a:p>
             <a:fld id="{A76116CE-C4A3-4A05-B2D7-7C2E9A889C0F}" type="datetimeFigureOut">
               <a:rPr lang="en-US" smtClean="0"/>
-              <a:t>10/4/2020</a:t>
+              <a:t>10/5/2020</a:t>
             </a:fld>
             <a:endParaRPr lang="en-US"/>
           </a:p>
@@ -1361,7 +1694,7 @@
           <a:p>
             <a:fld id="{A76116CE-C4A3-4A05-B2D7-7C2E9A889C0F}" type="datetimeFigureOut">
               <a:rPr lang="en-US" smtClean="0"/>
-              <a:t>10/4/2020</a:t>
+              <a:t>10/5/2020</a:t>
             </a:fld>
             <a:endParaRPr lang="en-US"/>
           </a:p>
@@ -1602,7 +1935,7 @@
           <a:p>
             <a:fld id="{A76116CE-C4A3-4A05-B2D7-7C2E9A889C0F}" type="datetimeFigureOut">
               <a:rPr lang="en-US" smtClean="0"/>
-              <a:t>10/4/2020</a:t>
+              <a:t>10/5/2020</a:t>
             </a:fld>
             <a:endParaRPr lang="en-US"/>
           </a:p>
@@ -1885,7 +2218,7 @@
           <a:p>
             <a:fld id="{A76116CE-C4A3-4A05-B2D7-7C2E9A889C0F}" type="datetimeFigureOut">
               <a:rPr lang="en-US" smtClean="0"/>
-              <a:t>10/4/2020</a:t>
+              <a:t>10/5/2020</a:t>
             </a:fld>
             <a:endParaRPr lang="en-US"/>
           </a:p>
@@ -2302,7 +2635,7 @@
           <a:p>
             <a:fld id="{A76116CE-C4A3-4A05-B2D7-7C2E9A889C0F}" type="datetimeFigureOut">
               <a:rPr lang="en-US" smtClean="0"/>
-              <a:t>10/4/2020</a:t>
+              <a:t>10/5/2020</a:t>
             </a:fld>
             <a:endParaRPr lang="en-US"/>
           </a:p>
@@ -2415,7 +2748,7 @@
           <a:p>
             <a:fld id="{A76116CE-C4A3-4A05-B2D7-7C2E9A889C0F}" type="datetimeFigureOut">
               <a:rPr lang="en-US" smtClean="0"/>
-              <a:t>10/4/2020</a:t>
+              <a:t>10/5/2020</a:t>
             </a:fld>
             <a:endParaRPr lang="en-US"/>
           </a:p>
@@ -2505,7 +2838,7 @@
           <a:p>
             <a:fld id="{A76116CE-C4A3-4A05-B2D7-7C2E9A889C0F}" type="datetimeFigureOut">
               <a:rPr lang="en-US" smtClean="0"/>
-              <a:t>10/4/2020</a:t>
+              <a:t>10/5/2020</a:t>
             </a:fld>
             <a:endParaRPr lang="en-US"/>
           </a:p>
@@ -2777,7 +3110,7 @@
           <a:p>
             <a:fld id="{A76116CE-C4A3-4A05-B2D7-7C2E9A889C0F}" type="datetimeFigureOut">
               <a:rPr lang="en-US" smtClean="0"/>
-              <a:t>10/4/2020</a:t>
+              <a:t>10/5/2020</a:t>
             </a:fld>
             <a:endParaRPr lang="en-US"/>
           </a:p>
@@ -3025,7 +3358,7 @@
           <a:p>
             <a:fld id="{A76116CE-C4A3-4A05-B2D7-7C2E9A889C0F}" type="datetimeFigureOut">
               <a:rPr lang="en-US" smtClean="0"/>
-              <a:t>10/4/2020</a:t>
+              <a:t>10/5/2020</a:t>
             </a:fld>
             <a:endParaRPr lang="en-US"/>
           </a:p>
@@ -3233,7 +3566,7 @@
           <a:p>
             <a:fld id="{F8166F1F-CE9B-4651-A6AA-CD717754106B}" type="datetimeFigureOut">
               <a:rPr lang="en-US" smtClean="0"/>
-              <a:t>10/4/2020</a:t>
+              <a:t>10/5/2020</a:t>
             </a:fld>
             <a:endParaRPr lang="en-US"/>
           </a:p>
@@ -3794,6 +4127,1464 @@
         </p:nvGrpSpPr>
         <p:grpSpPr>
           <a:xfrm>
+            <a:off x="1248279" y="2918150"/>
+            <a:ext cx="512444" cy="91380"/>
+            <a:chOff x="1248279" y="2918150"/>
+            <a:chExt cx="512444" cy="91380"/>
+          </a:xfrm>
+        </p:grpSpPr>
+        <p:pic>
+          <p:nvPicPr>
+            <p:cNvPr id="8" name="Object 7"/>
+            <p:cNvPicPr>
+              <a:picLocks noChangeAspect="1"/>
+            </p:cNvPicPr>
+            <p:nvPr/>
+          </p:nvPicPr>
+          <p:blipFill>
+            <a:blip r:embed="rId2" cstate="print"/>
+            <a:stretch>
+              <a:fillRect/>
+            </a:stretch>
+          </p:blipFill>
+          <p:spPr>
+            <a:xfrm>
+              <a:off x="1248279" y="2918150"/>
+              <a:ext cx="512444" cy="91380"/>
+            </a:xfrm>
+            <a:prstGeom prst="rect">
+              <a:avLst/>
+            </a:prstGeom>
+          </p:spPr>
+        </p:pic>
+      </p:grpSp>
+      <p:sp>
+        <p:nvSpPr>
+          <p:cNvPr id="3" name="TextBox 2"/>
+          <p:cNvSpPr txBox="1"/>
+          <p:nvPr/>
+        </p:nvSpPr>
+        <p:spPr>
+          <a:xfrm>
+            <a:off x="1102864" y="1460837"/>
+            <a:ext cx="7050536" cy="1015663"/>
+          </a:xfrm>
+          <a:prstGeom prst="rect">
+            <a:avLst/>
+          </a:prstGeom>
+          <a:noFill/>
+        </p:spPr>
+        <p:txBody>
+          <a:bodyPr wrap="square" rtlCol="0">
+            <a:spAutoFit/>
+          </a:bodyPr>
+          <a:lstStyle/>
+          <a:p>
+            <a:r>
+              <a:rPr lang="ko-KR" altLang="en-US" sz="6000" dirty="0" smtClean="0">
+                <a:latin typeface="HY견고딕" panose="02030600000101010101" pitchFamily="18" charset="-127"/>
+                <a:ea typeface="HY견고딕" panose="02030600000101010101" pitchFamily="18" charset="-127"/>
+              </a:rPr>
+              <a:t>예상 </a:t>
+            </a:r>
+            <a:r>
+              <a:rPr lang="ko-KR" altLang="en-US" sz="6000" dirty="0" smtClean="0">
+                <a:solidFill>
+                  <a:srgbClr val="8DCD47"/>
+                </a:solidFill>
+                <a:latin typeface="HY견고딕" panose="02030600000101010101" pitchFamily="18" charset="-127"/>
+                <a:ea typeface="HY견고딕" panose="02030600000101010101" pitchFamily="18" charset="-127"/>
+              </a:rPr>
+              <a:t>디자인</a:t>
+            </a:r>
+            <a:endParaRPr lang="ko-KR" altLang="en-US" sz="6000" dirty="0">
+              <a:solidFill>
+                <a:srgbClr val="8DCD47"/>
+              </a:solidFill>
+              <a:latin typeface="HY견고딕" panose="02030600000101010101" pitchFamily="18" charset="-127"/>
+              <a:ea typeface="HY견고딕" panose="02030600000101010101" pitchFamily="18" charset="-127"/>
+            </a:endParaRPr>
+          </a:p>
+        </p:txBody>
+      </p:sp>
+      <p:pic>
+        <p:nvPicPr>
+          <p:cNvPr id="17" name="그림 16"/>
+          <p:cNvPicPr>
+            <a:picLocks noChangeAspect="1"/>
+          </p:cNvPicPr>
+          <p:nvPr/>
+        </p:nvPicPr>
+        <p:blipFill>
+          <a:blip r:embed="rId3">
+            <a:extLst>
+              <a:ext uri="{28A0092B-C50C-407E-A947-70E740481C1C}">
+                <a14:useLocalDpi xmlns:a14="http://schemas.microsoft.com/office/drawing/2010/main" val="0"/>
+              </a:ext>
+            </a:extLst>
+          </a:blip>
+          <a:stretch>
+            <a:fillRect/>
+          </a:stretch>
+        </p:blipFill>
+        <p:spPr>
+          <a:xfrm>
+            <a:off x="14630400" y="9029700"/>
+            <a:ext cx="2895600" cy="489292"/>
+          </a:xfrm>
+          <a:prstGeom prst="rect">
+            <a:avLst/>
+          </a:prstGeom>
+        </p:spPr>
+      </p:pic>
+      <p:pic>
+        <p:nvPicPr>
+          <p:cNvPr id="19" name="Object 6"/>
+          <p:cNvPicPr>
+            <a:picLocks noChangeAspect="1"/>
+          </p:cNvPicPr>
+          <p:nvPr/>
+        </p:nvPicPr>
+        <p:blipFill>
+          <a:blip r:embed="rId4" cstate="print"/>
+          <a:stretch>
+            <a:fillRect/>
+          </a:stretch>
+        </p:blipFill>
+        <p:spPr>
+          <a:xfrm>
+            <a:off x="1247795" y="1247814"/>
+            <a:ext cx="1457143" cy="314286"/>
+          </a:xfrm>
+          <a:prstGeom prst="rect">
+            <a:avLst/>
+          </a:prstGeom>
+        </p:spPr>
+      </p:pic>
+      <p:pic>
+        <p:nvPicPr>
+          <p:cNvPr id="2" name="그림 1"/>
+          <p:cNvPicPr>
+            <a:picLocks noChangeAspect="1"/>
+          </p:cNvPicPr>
+          <p:nvPr/>
+        </p:nvPicPr>
+        <p:blipFill>
+          <a:blip r:embed="rId5">
+            <a:extLst>
+              <a:ext uri="{28A0092B-C50C-407E-A947-70E740481C1C}">
+                <a14:useLocalDpi xmlns:a14="http://schemas.microsoft.com/office/drawing/2010/main" val="0"/>
+              </a:ext>
+            </a:extLst>
+          </a:blip>
+          <a:stretch>
+            <a:fillRect/>
+          </a:stretch>
+        </p:blipFill>
+        <p:spPr>
+          <a:xfrm>
+            <a:off x="0" y="0"/>
+            <a:ext cx="18288000" cy="10286999"/>
+          </a:xfrm>
+          <a:prstGeom prst="rect">
+            <a:avLst/>
+          </a:prstGeom>
+        </p:spPr>
+      </p:pic>
+      <p:pic>
+        <p:nvPicPr>
+          <p:cNvPr id="13" name="그림 12"/>
+          <p:cNvPicPr>
+            <a:picLocks noChangeAspect="1"/>
+          </p:cNvPicPr>
+          <p:nvPr/>
+        </p:nvPicPr>
+        <p:blipFill>
+          <a:blip r:embed="rId6">
+            <a:extLst>
+              <a:ext uri="{28A0092B-C50C-407E-A947-70E740481C1C}">
+                <a14:useLocalDpi xmlns:a14="http://schemas.microsoft.com/office/drawing/2010/main" val="0"/>
+              </a:ext>
+            </a:extLst>
+          </a:blip>
+          <a:stretch>
+            <a:fillRect/>
+          </a:stretch>
+        </p:blipFill>
+        <p:spPr>
+          <a:xfrm>
+            <a:off x="1521831" y="9274346"/>
+            <a:ext cx="15470769" cy="745954"/>
+          </a:xfrm>
+          <a:prstGeom prst="rect">
+            <a:avLst/>
+          </a:prstGeom>
+        </p:spPr>
+      </p:pic>
+      <p:sp>
+        <p:nvSpPr>
+          <p:cNvPr id="14" name="모서리가 둥근 직사각형 13"/>
+          <p:cNvSpPr/>
+          <p:nvPr/>
+        </p:nvSpPr>
+        <p:spPr>
+          <a:xfrm>
+            <a:off x="14994281" y="9274346"/>
+            <a:ext cx="1769719" cy="745954"/>
+          </a:xfrm>
+          <a:prstGeom prst="roundRect">
+            <a:avLst/>
+          </a:prstGeom>
+          <a:solidFill>
+            <a:schemeClr val="bg1">
+              <a:lumMod val="85000"/>
+            </a:schemeClr>
+          </a:solidFill>
+          <a:ln>
+            <a:solidFill>
+              <a:schemeClr val="bg1">
+                <a:lumMod val="65000"/>
+              </a:schemeClr>
+            </a:solidFill>
+          </a:ln>
+        </p:spPr>
+        <p:style>
+          <a:lnRef idx="2">
+            <a:schemeClr val="accent1">
+              <a:shade val="50000"/>
+            </a:schemeClr>
+          </a:lnRef>
+          <a:fillRef idx="1">
+            <a:schemeClr val="accent1"/>
+          </a:fillRef>
+          <a:effectRef idx="0">
+            <a:schemeClr val="accent1"/>
+          </a:effectRef>
+          <a:fontRef idx="minor">
+            <a:schemeClr val="lt1"/>
+          </a:fontRef>
+        </p:style>
+        <p:txBody>
+          <a:bodyPr rtlCol="0" anchor="ctr"/>
+          <a:lstStyle/>
+          <a:p>
+            <a:pPr algn="ctr"/>
+            <a:r>
+              <a:rPr lang="ko-KR" altLang="en-US" dirty="0" smtClean="0">
+                <a:solidFill>
+                  <a:schemeClr val="tx1">
+                    <a:lumMod val="50000"/>
+                    <a:lumOff val="50000"/>
+                  </a:schemeClr>
+                </a:solidFill>
+                <a:latin typeface="맑은 고딕" panose="020B0503020000020004" pitchFamily="50" charset="-127"/>
+                <a:ea typeface="맑은 고딕" panose="020B0503020000020004" pitchFamily="50" charset="-127"/>
+              </a:rPr>
+              <a:t>관리자 모드</a:t>
+            </a:r>
+            <a:endParaRPr lang="ko-KR" altLang="en-US" dirty="0">
+              <a:solidFill>
+                <a:schemeClr val="tx1">
+                  <a:lumMod val="50000"/>
+                  <a:lumOff val="50000"/>
+                </a:schemeClr>
+              </a:solidFill>
+              <a:latin typeface="맑은 고딕" panose="020B0503020000020004" pitchFamily="50" charset="-127"/>
+              <a:ea typeface="맑은 고딕" panose="020B0503020000020004" pitchFamily="50" charset="-127"/>
+            </a:endParaRPr>
+          </a:p>
+        </p:txBody>
+      </p:sp>
+      <p:pic>
+        <p:nvPicPr>
+          <p:cNvPr id="7" name="그림 6"/>
+          <p:cNvPicPr>
+            <a:picLocks noChangeAspect="1"/>
+          </p:cNvPicPr>
+          <p:nvPr/>
+        </p:nvPicPr>
+        <p:blipFill>
+          <a:blip r:embed="rId7">
+            <a:extLst>
+              <a:ext uri="{28A0092B-C50C-407E-A947-70E740481C1C}">
+                <a14:useLocalDpi xmlns:a14="http://schemas.microsoft.com/office/drawing/2010/main" val="0"/>
+              </a:ext>
+            </a:extLst>
+          </a:blip>
+          <a:stretch>
+            <a:fillRect/>
+          </a:stretch>
+        </p:blipFill>
+        <p:spPr>
+          <a:xfrm>
+            <a:off x="7010400" y="4076700"/>
+            <a:ext cx="4419600" cy="457200"/>
+          </a:xfrm>
+          <a:prstGeom prst="rect">
+            <a:avLst/>
+          </a:prstGeom>
+        </p:spPr>
+      </p:pic>
+      <p:sp>
+        <p:nvSpPr>
+          <p:cNvPr id="23" name="TextBox 22"/>
+          <p:cNvSpPr txBox="1"/>
+          <p:nvPr/>
+        </p:nvSpPr>
+        <p:spPr>
+          <a:xfrm>
+            <a:off x="5446131" y="9037099"/>
+            <a:ext cx="7584069" cy="923330"/>
+          </a:xfrm>
+          <a:prstGeom prst="rect">
+            <a:avLst/>
+          </a:prstGeom>
+          <a:noFill/>
+        </p:spPr>
+        <p:txBody>
+          <a:bodyPr wrap="square" rtlCol="0">
+            <a:spAutoFit/>
+          </a:bodyPr>
+          <a:lstStyle/>
+          <a:p>
+            <a:r>
+              <a:rPr lang="ko-KR" altLang="en-US" dirty="0">
+                <a:latin typeface="굴림체" panose="020B0609000101010101" pitchFamily="49" charset="-127"/>
+                <a:ea typeface="굴림체" panose="020B0609000101010101" pitchFamily="49" charset="-127"/>
+              </a:rPr>
+              <a:t/>
+            </a:r>
+            <a:br>
+              <a:rPr lang="ko-KR" altLang="en-US" dirty="0">
+                <a:latin typeface="굴림체" panose="020B0609000101010101" pitchFamily="49" charset="-127"/>
+                <a:ea typeface="굴림체" panose="020B0609000101010101" pitchFamily="49" charset="-127"/>
+              </a:rPr>
+            </a:br>
+            <a:r>
+              <a:rPr lang="ko-KR" altLang="en-US" b="1" dirty="0">
+                <a:solidFill>
+                  <a:schemeClr val="tx1">
+                    <a:lumMod val="65000"/>
+                    <a:lumOff val="35000"/>
+                  </a:schemeClr>
+                </a:solidFill>
+                <a:latin typeface="굴림체" panose="020B0609000101010101" pitchFamily="49" charset="-127"/>
+                <a:ea typeface="굴림체" panose="020B0609000101010101" pitchFamily="49" charset="-127"/>
+              </a:rPr>
+              <a:t>서울특별시 서초구 서초동 </a:t>
+            </a:r>
+            <a:r>
+              <a:rPr lang="en-US" altLang="ko-KR" b="1" dirty="0">
+                <a:solidFill>
+                  <a:schemeClr val="tx1">
+                    <a:lumMod val="65000"/>
+                    <a:lumOff val="35000"/>
+                  </a:schemeClr>
+                </a:solidFill>
+                <a:latin typeface="굴림체" panose="020B0609000101010101" pitchFamily="49" charset="-127"/>
+                <a:ea typeface="굴림체" panose="020B0609000101010101" pitchFamily="49" charset="-127"/>
+              </a:rPr>
+              <a:t>1303-37 </a:t>
+            </a:r>
+            <a:r>
+              <a:rPr lang="ko-KR" altLang="en-US" b="1" dirty="0">
+                <a:solidFill>
+                  <a:schemeClr val="tx1">
+                    <a:lumMod val="65000"/>
+                    <a:lumOff val="35000"/>
+                  </a:schemeClr>
+                </a:solidFill>
+                <a:latin typeface="굴림체" panose="020B0609000101010101" pitchFamily="49" charset="-127"/>
+                <a:ea typeface="굴림체" panose="020B0609000101010101" pitchFamily="49" charset="-127"/>
+              </a:rPr>
+              <a:t>서초</a:t>
+            </a:r>
+            <a:r>
+              <a:rPr lang="en-US" altLang="ko-KR" b="1" dirty="0">
+                <a:solidFill>
+                  <a:schemeClr val="tx1">
+                    <a:lumMod val="65000"/>
+                    <a:lumOff val="35000"/>
+                  </a:schemeClr>
+                </a:solidFill>
+                <a:latin typeface="굴림체" panose="020B0609000101010101" pitchFamily="49" charset="-127"/>
+                <a:ea typeface="굴림체" panose="020B0609000101010101" pitchFamily="49" charset="-127"/>
+              </a:rPr>
+              <a:t>W</a:t>
+            </a:r>
+            <a:r>
+              <a:rPr lang="ko-KR" altLang="en-US" b="1" dirty="0">
+                <a:solidFill>
+                  <a:schemeClr val="tx1">
+                    <a:lumMod val="65000"/>
+                    <a:lumOff val="35000"/>
+                  </a:schemeClr>
+                </a:solidFill>
+                <a:latin typeface="굴림체" panose="020B0609000101010101" pitchFamily="49" charset="-127"/>
+                <a:ea typeface="굴림체" panose="020B0609000101010101" pitchFamily="49" charset="-127"/>
+              </a:rPr>
+              <a:t>타워 </a:t>
+            </a:r>
+            <a:r>
+              <a:rPr lang="en-US" altLang="ko-KR" b="1" dirty="0">
+                <a:solidFill>
+                  <a:schemeClr val="tx1">
+                    <a:lumMod val="65000"/>
+                    <a:lumOff val="35000"/>
+                  </a:schemeClr>
+                </a:solidFill>
+                <a:latin typeface="굴림체" panose="020B0609000101010101" pitchFamily="49" charset="-127"/>
+                <a:ea typeface="굴림체" panose="020B0609000101010101" pitchFamily="49" charset="-127"/>
+              </a:rPr>
+              <a:t>13</a:t>
+            </a:r>
+            <a:r>
+              <a:rPr lang="ko-KR" altLang="en-US" b="1" dirty="0">
+                <a:solidFill>
+                  <a:schemeClr val="tx1">
+                    <a:lumMod val="65000"/>
+                    <a:lumOff val="35000"/>
+                  </a:schemeClr>
+                </a:solidFill>
+                <a:latin typeface="굴림체" panose="020B0609000101010101" pitchFamily="49" charset="-127"/>
+                <a:ea typeface="굴림체" panose="020B0609000101010101" pitchFamily="49" charset="-127"/>
+              </a:rPr>
+              <a:t>층  </a:t>
+            </a:r>
+            <a:r>
+              <a:rPr lang="en-US" altLang="ko-KR" b="1" dirty="0">
+                <a:solidFill>
+                  <a:schemeClr val="tx1">
+                    <a:lumMod val="65000"/>
+                    <a:lumOff val="35000"/>
+                  </a:schemeClr>
+                </a:solidFill>
+                <a:latin typeface="굴림체" panose="020B0609000101010101" pitchFamily="49" charset="-127"/>
+                <a:ea typeface="굴림체" panose="020B0609000101010101" pitchFamily="49" charset="-127"/>
+              </a:rPr>
+              <a:t>T. 1544-8147</a:t>
+            </a:r>
+            <a:r>
+              <a:rPr lang="ko-KR" altLang="en-US" b="1" dirty="0">
+                <a:solidFill>
+                  <a:schemeClr val="tx1">
+                    <a:lumMod val="65000"/>
+                    <a:lumOff val="35000"/>
+                  </a:schemeClr>
+                </a:solidFill>
+                <a:latin typeface="굴림체" panose="020B0609000101010101" pitchFamily="49" charset="-127"/>
+                <a:ea typeface="굴림체" panose="020B0609000101010101" pitchFamily="49" charset="-127"/>
+              </a:rPr>
+              <a:t>     </a:t>
+            </a:r>
+            <a:endParaRPr lang="en-US" altLang="ko-KR" b="1" dirty="0">
+              <a:solidFill>
+                <a:schemeClr val="tx1">
+                  <a:lumMod val="65000"/>
+                  <a:lumOff val="35000"/>
+                </a:schemeClr>
+              </a:solidFill>
+              <a:latin typeface="굴림체" panose="020B0609000101010101" pitchFamily="49" charset="-127"/>
+              <a:ea typeface="굴림체" panose="020B0609000101010101" pitchFamily="49" charset="-127"/>
+            </a:endParaRPr>
+          </a:p>
+          <a:p>
+            <a:r>
+              <a:rPr lang="en-US" altLang="ko-KR" b="1" dirty="0">
+                <a:solidFill>
+                  <a:schemeClr val="tx1">
+                    <a:lumMod val="65000"/>
+                    <a:lumOff val="35000"/>
+                  </a:schemeClr>
+                </a:solidFill>
+                <a:latin typeface="굴림체" panose="020B0609000101010101" pitchFamily="49" charset="-127"/>
+                <a:ea typeface="굴림체" panose="020B0609000101010101" pitchFamily="49" charset="-127"/>
+              </a:rPr>
+              <a:t>Copyright by EZEN. All rights reserved.</a:t>
+            </a:r>
+            <a:endParaRPr lang="ko-KR" altLang="en-US" b="1" dirty="0">
+              <a:solidFill>
+                <a:schemeClr val="tx1">
+                  <a:lumMod val="65000"/>
+                  <a:lumOff val="35000"/>
+                </a:schemeClr>
+              </a:solidFill>
+              <a:latin typeface="굴림체" panose="020B0609000101010101" pitchFamily="49" charset="-127"/>
+              <a:ea typeface="굴림체" panose="020B0609000101010101" pitchFamily="49" charset="-127"/>
+            </a:endParaRPr>
+          </a:p>
+        </p:txBody>
+      </p:sp>
+      <p:sp>
+        <p:nvSpPr>
+          <p:cNvPr id="16" name="모서리가 둥근 직사각형 15"/>
+          <p:cNvSpPr/>
+          <p:nvPr/>
+        </p:nvSpPr>
+        <p:spPr>
+          <a:xfrm>
+            <a:off x="15146679" y="564967"/>
+            <a:ext cx="1464922" cy="454220"/>
+          </a:xfrm>
+          <a:prstGeom prst="roundRect">
+            <a:avLst/>
+          </a:prstGeom>
+          <a:solidFill>
+            <a:schemeClr val="bg1">
+              <a:lumMod val="85000"/>
+            </a:schemeClr>
+          </a:solidFill>
+          <a:ln>
+            <a:solidFill>
+              <a:schemeClr val="bg1">
+                <a:lumMod val="65000"/>
+              </a:schemeClr>
+            </a:solidFill>
+          </a:ln>
+        </p:spPr>
+        <p:style>
+          <a:lnRef idx="2">
+            <a:schemeClr val="accent1">
+              <a:shade val="50000"/>
+            </a:schemeClr>
+          </a:lnRef>
+          <a:fillRef idx="1">
+            <a:schemeClr val="accent1"/>
+          </a:fillRef>
+          <a:effectRef idx="0">
+            <a:schemeClr val="accent1"/>
+          </a:effectRef>
+          <a:fontRef idx="minor">
+            <a:schemeClr val="lt1"/>
+          </a:fontRef>
+        </p:style>
+        <p:txBody>
+          <a:bodyPr rtlCol="0" anchor="ctr"/>
+          <a:lstStyle/>
+          <a:p>
+            <a:pPr algn="ctr"/>
+            <a:r>
+              <a:rPr lang="ko-KR" altLang="en-US" dirty="0" smtClean="0">
+                <a:solidFill>
+                  <a:schemeClr val="tx1">
+                    <a:lumMod val="50000"/>
+                    <a:lumOff val="50000"/>
+                  </a:schemeClr>
+                </a:solidFill>
+                <a:latin typeface="맑은 고딕" panose="020B0503020000020004" pitchFamily="50" charset="-127"/>
+                <a:ea typeface="맑은 고딕" panose="020B0503020000020004" pitchFamily="50" charset="-127"/>
+              </a:rPr>
+              <a:t>회원가입</a:t>
+            </a:r>
+            <a:endParaRPr lang="ko-KR" altLang="en-US" dirty="0">
+              <a:solidFill>
+                <a:schemeClr val="tx1">
+                  <a:lumMod val="50000"/>
+                  <a:lumOff val="50000"/>
+                </a:schemeClr>
+              </a:solidFill>
+              <a:latin typeface="맑은 고딕" panose="020B0503020000020004" pitchFamily="50" charset="-127"/>
+              <a:ea typeface="맑은 고딕" panose="020B0503020000020004" pitchFamily="50" charset="-127"/>
+            </a:endParaRPr>
+          </a:p>
+        </p:txBody>
+      </p:sp>
+      <p:sp>
+        <p:nvSpPr>
+          <p:cNvPr id="18" name="모서리가 둥근 직사각형 17"/>
+          <p:cNvSpPr/>
+          <p:nvPr/>
+        </p:nvSpPr>
+        <p:spPr>
+          <a:xfrm>
+            <a:off x="13145291" y="564967"/>
+            <a:ext cx="1485110" cy="454220"/>
+          </a:xfrm>
+          <a:prstGeom prst="roundRect">
+            <a:avLst/>
+          </a:prstGeom>
+          <a:solidFill>
+            <a:schemeClr val="bg1">
+              <a:lumMod val="85000"/>
+            </a:schemeClr>
+          </a:solidFill>
+          <a:ln>
+            <a:solidFill>
+              <a:schemeClr val="bg1">
+                <a:lumMod val="65000"/>
+              </a:schemeClr>
+            </a:solidFill>
+          </a:ln>
+        </p:spPr>
+        <p:style>
+          <a:lnRef idx="2">
+            <a:schemeClr val="accent1">
+              <a:shade val="50000"/>
+            </a:schemeClr>
+          </a:lnRef>
+          <a:fillRef idx="1">
+            <a:schemeClr val="accent1"/>
+          </a:fillRef>
+          <a:effectRef idx="0">
+            <a:schemeClr val="accent1"/>
+          </a:effectRef>
+          <a:fontRef idx="minor">
+            <a:schemeClr val="lt1"/>
+          </a:fontRef>
+        </p:style>
+        <p:txBody>
+          <a:bodyPr rtlCol="0" anchor="ctr"/>
+          <a:lstStyle/>
+          <a:p>
+            <a:pPr algn="ctr"/>
+            <a:r>
+              <a:rPr lang="ko-KR" altLang="en-US" dirty="0" smtClean="0">
+                <a:solidFill>
+                  <a:schemeClr val="tx1">
+                    <a:lumMod val="50000"/>
+                    <a:lumOff val="50000"/>
+                  </a:schemeClr>
+                </a:solidFill>
+                <a:latin typeface="맑은 고딕" panose="020B0503020000020004" pitchFamily="50" charset="-127"/>
+                <a:ea typeface="맑은 고딕" panose="020B0503020000020004" pitchFamily="50" charset="-127"/>
+              </a:rPr>
+              <a:t>로그인</a:t>
+            </a:r>
+            <a:endParaRPr lang="ko-KR" altLang="en-US" dirty="0">
+              <a:solidFill>
+                <a:schemeClr val="tx1">
+                  <a:lumMod val="50000"/>
+                  <a:lumOff val="50000"/>
+                </a:schemeClr>
+              </a:solidFill>
+              <a:latin typeface="맑은 고딕" panose="020B0503020000020004" pitchFamily="50" charset="-127"/>
+              <a:ea typeface="맑은 고딕" panose="020B0503020000020004" pitchFamily="50" charset="-127"/>
+            </a:endParaRPr>
+          </a:p>
+        </p:txBody>
+      </p:sp>
+      <p:pic>
+        <p:nvPicPr>
+          <p:cNvPr id="5" name="그림 4"/>
+          <p:cNvPicPr>
+            <a:picLocks noChangeAspect="1"/>
+          </p:cNvPicPr>
+          <p:nvPr/>
+        </p:nvPicPr>
+        <p:blipFill>
+          <a:blip r:embed="rId8">
+            <a:extLst>
+              <a:ext uri="{28A0092B-C50C-407E-A947-70E740481C1C}">
+                <a14:useLocalDpi xmlns:a14="http://schemas.microsoft.com/office/drawing/2010/main" val="0"/>
+              </a:ext>
+            </a:extLst>
+          </a:blip>
+          <a:stretch>
+            <a:fillRect/>
+          </a:stretch>
+        </p:blipFill>
+        <p:spPr>
+          <a:xfrm>
+            <a:off x="1371444" y="564967"/>
+            <a:ext cx="2362356" cy="615794"/>
+          </a:xfrm>
+          <a:prstGeom prst="rect">
+            <a:avLst/>
+          </a:prstGeom>
+        </p:spPr>
+      </p:pic>
+      <p:pic>
+        <p:nvPicPr>
+          <p:cNvPr id="4" name="그림 3"/>
+          <p:cNvPicPr>
+            <a:picLocks noChangeAspect="1"/>
+          </p:cNvPicPr>
+          <p:nvPr/>
+        </p:nvPicPr>
+        <p:blipFill>
+          <a:blip r:embed="rId9">
+            <a:extLst>
+              <a:ext uri="{28A0092B-C50C-407E-A947-70E740481C1C}">
+                <a14:useLocalDpi xmlns:a14="http://schemas.microsoft.com/office/drawing/2010/main" val="0"/>
+              </a:ext>
+            </a:extLst>
+          </a:blip>
+          <a:stretch>
+            <a:fillRect/>
+          </a:stretch>
+        </p:blipFill>
+        <p:spPr>
+          <a:xfrm>
+            <a:off x="1513710" y="454310"/>
+            <a:ext cx="1762890" cy="650590"/>
+          </a:xfrm>
+          <a:prstGeom prst="rect">
+            <a:avLst/>
+          </a:prstGeom>
+        </p:spPr>
+      </p:pic>
+    </p:spTree>
+    <p:extLst>
+      <p:ext uri="{BB962C8B-B14F-4D97-AF65-F5344CB8AC3E}">
+        <p14:creationId xmlns:p14="http://schemas.microsoft.com/office/powerpoint/2010/main" val="2175671110"/>
+      </p:ext>
+    </p:extLst>
+  </p:cSld>
+  <p:clrMapOvr>
+    <a:masterClrMapping/>
+  </p:clrMapOvr>
+  <p:transition spd="slow">
+    <p:wipe dir="r"/>
+  </p:transition>
+  <p:timing>
+    <p:tnLst>
+      <p:par>
+        <p:cTn id="1" dur="indefinite" restart="never" nodeType="tmRoot"/>
+      </p:par>
+    </p:tnLst>
+  </p:timing>
+</p:sld>
+</file>
+
+<file path=ppt/slides/slide11.xml><?xml version="1.0" encoding="utf-8"?>
+<p:sld xmlns:a="http://schemas.openxmlformats.org/drawingml/2006/main" xmlns:r="http://schemas.openxmlformats.org/officeDocument/2006/relationships" xmlns:p="http://schemas.openxmlformats.org/presentationml/2006/main">
+  <p:cSld>
+    <p:bg>
+      <p:bgPr>
+        <a:solidFill>
+          <a:srgbClr val="F6F6F6"/>
+        </a:solidFill>
+        <a:effectLst/>
+      </p:bgPr>
+    </p:bg>
+    <p:spTree>
+      <p:nvGrpSpPr>
+        <p:cNvPr id="1" name=""/>
+        <p:cNvGrpSpPr/>
+        <p:nvPr/>
+      </p:nvGrpSpPr>
+      <p:grpSpPr>
+        <a:xfrm>
+          <a:off x="0" y="0"/>
+          <a:ext cx="0" cy="0"/>
+          <a:chOff x="0" y="0"/>
+          <a:chExt cx="0" cy="0"/>
+        </a:xfrm>
+      </p:grpSpPr>
+      <p:grpSp>
+        <p:nvGrpSpPr>
+          <p:cNvPr id="1002" name="그룹 1002"/>
+          <p:cNvGrpSpPr/>
+          <p:nvPr/>
+        </p:nvGrpSpPr>
+        <p:grpSpPr>
+          <a:xfrm>
+            <a:off x="1248279" y="2918150"/>
+            <a:ext cx="512444" cy="91380"/>
+            <a:chOff x="1248279" y="2918150"/>
+            <a:chExt cx="512444" cy="91380"/>
+          </a:xfrm>
+        </p:grpSpPr>
+        <p:pic>
+          <p:nvPicPr>
+            <p:cNvPr id="8" name="Object 7"/>
+            <p:cNvPicPr>
+              <a:picLocks noChangeAspect="1"/>
+            </p:cNvPicPr>
+            <p:nvPr/>
+          </p:nvPicPr>
+          <p:blipFill>
+            <a:blip r:embed="rId2" cstate="print"/>
+            <a:stretch>
+              <a:fillRect/>
+            </a:stretch>
+          </p:blipFill>
+          <p:spPr>
+            <a:xfrm>
+              <a:off x="1248279" y="2918150"/>
+              <a:ext cx="512444" cy="91380"/>
+            </a:xfrm>
+            <a:prstGeom prst="rect">
+              <a:avLst/>
+            </a:prstGeom>
+          </p:spPr>
+        </p:pic>
+      </p:grpSp>
+      <p:sp>
+        <p:nvSpPr>
+          <p:cNvPr id="3" name="TextBox 2"/>
+          <p:cNvSpPr txBox="1"/>
+          <p:nvPr/>
+        </p:nvSpPr>
+        <p:spPr>
+          <a:xfrm>
+            <a:off x="1102864" y="1460837"/>
+            <a:ext cx="7050536" cy="1015663"/>
+          </a:xfrm>
+          <a:prstGeom prst="rect">
+            <a:avLst/>
+          </a:prstGeom>
+          <a:noFill/>
+        </p:spPr>
+        <p:txBody>
+          <a:bodyPr wrap="square" rtlCol="0">
+            <a:spAutoFit/>
+          </a:bodyPr>
+          <a:lstStyle/>
+          <a:p>
+            <a:r>
+              <a:rPr lang="ko-KR" altLang="en-US" sz="6000" dirty="0" smtClean="0">
+                <a:latin typeface="HY견고딕" panose="02030600000101010101" pitchFamily="18" charset="-127"/>
+                <a:ea typeface="HY견고딕" panose="02030600000101010101" pitchFamily="18" charset="-127"/>
+              </a:rPr>
+              <a:t>예상 </a:t>
+            </a:r>
+            <a:r>
+              <a:rPr lang="ko-KR" altLang="en-US" sz="6000" dirty="0" smtClean="0">
+                <a:solidFill>
+                  <a:srgbClr val="8DCD47"/>
+                </a:solidFill>
+                <a:latin typeface="HY견고딕" panose="02030600000101010101" pitchFamily="18" charset="-127"/>
+                <a:ea typeface="HY견고딕" panose="02030600000101010101" pitchFamily="18" charset="-127"/>
+              </a:rPr>
+              <a:t>디자인</a:t>
+            </a:r>
+            <a:endParaRPr lang="ko-KR" altLang="en-US" sz="6000" dirty="0">
+              <a:solidFill>
+                <a:srgbClr val="8DCD47"/>
+              </a:solidFill>
+              <a:latin typeface="HY견고딕" panose="02030600000101010101" pitchFamily="18" charset="-127"/>
+              <a:ea typeface="HY견고딕" panose="02030600000101010101" pitchFamily="18" charset="-127"/>
+            </a:endParaRPr>
+          </a:p>
+        </p:txBody>
+      </p:sp>
+      <p:pic>
+        <p:nvPicPr>
+          <p:cNvPr id="17" name="그림 16"/>
+          <p:cNvPicPr>
+            <a:picLocks noChangeAspect="1"/>
+          </p:cNvPicPr>
+          <p:nvPr/>
+        </p:nvPicPr>
+        <p:blipFill>
+          <a:blip r:embed="rId3">
+            <a:extLst>
+              <a:ext uri="{28A0092B-C50C-407E-A947-70E740481C1C}">
+                <a14:useLocalDpi xmlns:a14="http://schemas.microsoft.com/office/drawing/2010/main" val="0"/>
+              </a:ext>
+            </a:extLst>
+          </a:blip>
+          <a:stretch>
+            <a:fillRect/>
+          </a:stretch>
+        </p:blipFill>
+        <p:spPr>
+          <a:xfrm>
+            <a:off x="14630400" y="9029700"/>
+            <a:ext cx="2895600" cy="489292"/>
+          </a:xfrm>
+          <a:prstGeom prst="rect">
+            <a:avLst/>
+          </a:prstGeom>
+        </p:spPr>
+      </p:pic>
+      <p:pic>
+        <p:nvPicPr>
+          <p:cNvPr id="19" name="Object 6"/>
+          <p:cNvPicPr>
+            <a:picLocks noChangeAspect="1"/>
+          </p:cNvPicPr>
+          <p:nvPr/>
+        </p:nvPicPr>
+        <p:blipFill>
+          <a:blip r:embed="rId4" cstate="print"/>
+          <a:stretch>
+            <a:fillRect/>
+          </a:stretch>
+        </p:blipFill>
+        <p:spPr>
+          <a:xfrm>
+            <a:off x="1247795" y="1247814"/>
+            <a:ext cx="1457143" cy="314286"/>
+          </a:xfrm>
+          <a:prstGeom prst="rect">
+            <a:avLst/>
+          </a:prstGeom>
+        </p:spPr>
+      </p:pic>
+      <p:pic>
+        <p:nvPicPr>
+          <p:cNvPr id="2" name="그림 1"/>
+          <p:cNvPicPr>
+            <a:picLocks noChangeAspect="1"/>
+          </p:cNvPicPr>
+          <p:nvPr/>
+        </p:nvPicPr>
+        <p:blipFill>
+          <a:blip r:embed="rId5">
+            <a:extLst>
+              <a:ext uri="{28A0092B-C50C-407E-A947-70E740481C1C}">
+                <a14:useLocalDpi xmlns:a14="http://schemas.microsoft.com/office/drawing/2010/main" val="0"/>
+              </a:ext>
+            </a:extLst>
+          </a:blip>
+          <a:stretch>
+            <a:fillRect/>
+          </a:stretch>
+        </p:blipFill>
+        <p:spPr>
+          <a:xfrm>
+            <a:off x="0" y="0"/>
+            <a:ext cx="18288000" cy="10286999"/>
+          </a:xfrm>
+          <a:prstGeom prst="rect">
+            <a:avLst/>
+          </a:prstGeom>
+        </p:spPr>
+      </p:pic>
+      <p:pic>
+        <p:nvPicPr>
+          <p:cNvPr id="13" name="그림 12"/>
+          <p:cNvPicPr>
+            <a:picLocks noChangeAspect="1"/>
+          </p:cNvPicPr>
+          <p:nvPr/>
+        </p:nvPicPr>
+        <p:blipFill>
+          <a:blip r:embed="rId6">
+            <a:extLst>
+              <a:ext uri="{28A0092B-C50C-407E-A947-70E740481C1C}">
+                <a14:useLocalDpi xmlns:a14="http://schemas.microsoft.com/office/drawing/2010/main" val="0"/>
+              </a:ext>
+            </a:extLst>
+          </a:blip>
+          <a:stretch>
+            <a:fillRect/>
+          </a:stretch>
+        </p:blipFill>
+        <p:spPr>
+          <a:xfrm>
+            <a:off x="1521831" y="9274346"/>
+            <a:ext cx="15470769" cy="745954"/>
+          </a:xfrm>
+          <a:prstGeom prst="rect">
+            <a:avLst/>
+          </a:prstGeom>
+        </p:spPr>
+      </p:pic>
+      <p:sp>
+        <p:nvSpPr>
+          <p:cNvPr id="14" name="모서리가 둥근 직사각형 13"/>
+          <p:cNvSpPr/>
+          <p:nvPr/>
+        </p:nvSpPr>
+        <p:spPr>
+          <a:xfrm>
+            <a:off x="14994281" y="9274346"/>
+            <a:ext cx="1769719" cy="745954"/>
+          </a:xfrm>
+          <a:prstGeom prst="roundRect">
+            <a:avLst/>
+          </a:prstGeom>
+          <a:solidFill>
+            <a:schemeClr val="bg1">
+              <a:lumMod val="85000"/>
+            </a:schemeClr>
+          </a:solidFill>
+          <a:ln>
+            <a:solidFill>
+              <a:schemeClr val="bg1">
+                <a:lumMod val="65000"/>
+              </a:schemeClr>
+            </a:solidFill>
+          </a:ln>
+        </p:spPr>
+        <p:style>
+          <a:lnRef idx="2">
+            <a:schemeClr val="accent1">
+              <a:shade val="50000"/>
+            </a:schemeClr>
+          </a:lnRef>
+          <a:fillRef idx="1">
+            <a:schemeClr val="accent1"/>
+          </a:fillRef>
+          <a:effectRef idx="0">
+            <a:schemeClr val="accent1"/>
+          </a:effectRef>
+          <a:fontRef idx="minor">
+            <a:schemeClr val="lt1"/>
+          </a:fontRef>
+        </p:style>
+        <p:txBody>
+          <a:bodyPr rtlCol="0" anchor="ctr"/>
+          <a:lstStyle/>
+          <a:p>
+            <a:pPr algn="ctr"/>
+            <a:r>
+              <a:rPr lang="ko-KR" altLang="en-US" dirty="0" smtClean="0">
+                <a:solidFill>
+                  <a:schemeClr val="tx1">
+                    <a:lumMod val="50000"/>
+                    <a:lumOff val="50000"/>
+                  </a:schemeClr>
+                </a:solidFill>
+                <a:latin typeface="맑은 고딕" panose="020B0503020000020004" pitchFamily="50" charset="-127"/>
+                <a:ea typeface="맑은 고딕" panose="020B0503020000020004" pitchFamily="50" charset="-127"/>
+              </a:rPr>
+              <a:t>관리자 모드</a:t>
+            </a:r>
+            <a:endParaRPr lang="ko-KR" altLang="en-US" dirty="0">
+              <a:solidFill>
+                <a:schemeClr val="tx1">
+                  <a:lumMod val="50000"/>
+                  <a:lumOff val="50000"/>
+                </a:schemeClr>
+              </a:solidFill>
+              <a:latin typeface="맑은 고딕" panose="020B0503020000020004" pitchFamily="50" charset="-127"/>
+              <a:ea typeface="맑은 고딕" panose="020B0503020000020004" pitchFamily="50" charset="-127"/>
+            </a:endParaRPr>
+          </a:p>
+        </p:txBody>
+      </p:sp>
+      <p:pic>
+        <p:nvPicPr>
+          <p:cNvPr id="7" name="그림 6"/>
+          <p:cNvPicPr>
+            <a:picLocks noChangeAspect="1"/>
+          </p:cNvPicPr>
+          <p:nvPr/>
+        </p:nvPicPr>
+        <p:blipFill>
+          <a:blip r:embed="rId7">
+            <a:extLst>
+              <a:ext uri="{28A0092B-C50C-407E-A947-70E740481C1C}">
+                <a14:useLocalDpi xmlns:a14="http://schemas.microsoft.com/office/drawing/2010/main" val="0"/>
+              </a:ext>
+            </a:extLst>
+          </a:blip>
+          <a:stretch>
+            <a:fillRect/>
+          </a:stretch>
+        </p:blipFill>
+        <p:spPr>
+          <a:xfrm>
+            <a:off x="7010400" y="4076700"/>
+            <a:ext cx="4419600" cy="457200"/>
+          </a:xfrm>
+          <a:prstGeom prst="rect">
+            <a:avLst/>
+          </a:prstGeom>
+        </p:spPr>
+      </p:pic>
+      <p:sp>
+        <p:nvSpPr>
+          <p:cNvPr id="23" name="TextBox 22"/>
+          <p:cNvSpPr txBox="1"/>
+          <p:nvPr/>
+        </p:nvSpPr>
+        <p:spPr>
+          <a:xfrm>
+            <a:off x="5446131" y="9029700"/>
+            <a:ext cx="7584069" cy="923330"/>
+          </a:xfrm>
+          <a:prstGeom prst="rect">
+            <a:avLst/>
+          </a:prstGeom>
+          <a:noFill/>
+        </p:spPr>
+        <p:txBody>
+          <a:bodyPr wrap="square" rtlCol="0">
+            <a:spAutoFit/>
+          </a:bodyPr>
+          <a:lstStyle/>
+          <a:p>
+            <a:r>
+              <a:rPr lang="ko-KR" altLang="en-US" dirty="0">
+                <a:latin typeface="굴림체" panose="020B0609000101010101" pitchFamily="49" charset="-127"/>
+                <a:ea typeface="굴림체" panose="020B0609000101010101" pitchFamily="49" charset="-127"/>
+              </a:rPr>
+              <a:t/>
+            </a:r>
+            <a:br>
+              <a:rPr lang="ko-KR" altLang="en-US" dirty="0">
+                <a:latin typeface="굴림체" panose="020B0609000101010101" pitchFamily="49" charset="-127"/>
+                <a:ea typeface="굴림체" panose="020B0609000101010101" pitchFamily="49" charset="-127"/>
+              </a:rPr>
+            </a:br>
+            <a:r>
+              <a:rPr lang="ko-KR" altLang="en-US" b="1" dirty="0">
+                <a:solidFill>
+                  <a:schemeClr val="tx1">
+                    <a:lumMod val="65000"/>
+                    <a:lumOff val="35000"/>
+                  </a:schemeClr>
+                </a:solidFill>
+                <a:latin typeface="굴림체" panose="020B0609000101010101" pitchFamily="49" charset="-127"/>
+                <a:ea typeface="굴림체" panose="020B0609000101010101" pitchFamily="49" charset="-127"/>
+              </a:rPr>
+              <a:t>서울특별시 서초구 서초동 </a:t>
+            </a:r>
+            <a:r>
+              <a:rPr lang="en-US" altLang="ko-KR" b="1" dirty="0">
+                <a:solidFill>
+                  <a:schemeClr val="tx1">
+                    <a:lumMod val="65000"/>
+                    <a:lumOff val="35000"/>
+                  </a:schemeClr>
+                </a:solidFill>
+                <a:latin typeface="굴림체" panose="020B0609000101010101" pitchFamily="49" charset="-127"/>
+                <a:ea typeface="굴림체" panose="020B0609000101010101" pitchFamily="49" charset="-127"/>
+              </a:rPr>
+              <a:t>1303-37 </a:t>
+            </a:r>
+            <a:r>
+              <a:rPr lang="ko-KR" altLang="en-US" b="1" dirty="0">
+                <a:solidFill>
+                  <a:schemeClr val="tx1">
+                    <a:lumMod val="65000"/>
+                    <a:lumOff val="35000"/>
+                  </a:schemeClr>
+                </a:solidFill>
+                <a:latin typeface="굴림체" panose="020B0609000101010101" pitchFamily="49" charset="-127"/>
+                <a:ea typeface="굴림체" panose="020B0609000101010101" pitchFamily="49" charset="-127"/>
+              </a:rPr>
+              <a:t>서초</a:t>
+            </a:r>
+            <a:r>
+              <a:rPr lang="en-US" altLang="ko-KR" b="1" dirty="0">
+                <a:solidFill>
+                  <a:schemeClr val="tx1">
+                    <a:lumMod val="65000"/>
+                    <a:lumOff val="35000"/>
+                  </a:schemeClr>
+                </a:solidFill>
+                <a:latin typeface="굴림체" panose="020B0609000101010101" pitchFamily="49" charset="-127"/>
+                <a:ea typeface="굴림체" panose="020B0609000101010101" pitchFamily="49" charset="-127"/>
+              </a:rPr>
+              <a:t>W</a:t>
+            </a:r>
+            <a:r>
+              <a:rPr lang="ko-KR" altLang="en-US" b="1" dirty="0">
+                <a:solidFill>
+                  <a:schemeClr val="tx1">
+                    <a:lumMod val="65000"/>
+                    <a:lumOff val="35000"/>
+                  </a:schemeClr>
+                </a:solidFill>
+                <a:latin typeface="굴림체" panose="020B0609000101010101" pitchFamily="49" charset="-127"/>
+                <a:ea typeface="굴림체" panose="020B0609000101010101" pitchFamily="49" charset="-127"/>
+              </a:rPr>
+              <a:t>타워 </a:t>
+            </a:r>
+            <a:r>
+              <a:rPr lang="en-US" altLang="ko-KR" b="1" dirty="0">
+                <a:solidFill>
+                  <a:schemeClr val="tx1">
+                    <a:lumMod val="65000"/>
+                    <a:lumOff val="35000"/>
+                  </a:schemeClr>
+                </a:solidFill>
+                <a:latin typeface="굴림체" panose="020B0609000101010101" pitchFamily="49" charset="-127"/>
+                <a:ea typeface="굴림체" panose="020B0609000101010101" pitchFamily="49" charset="-127"/>
+              </a:rPr>
+              <a:t>13</a:t>
+            </a:r>
+            <a:r>
+              <a:rPr lang="ko-KR" altLang="en-US" b="1" dirty="0">
+                <a:solidFill>
+                  <a:schemeClr val="tx1">
+                    <a:lumMod val="65000"/>
+                    <a:lumOff val="35000"/>
+                  </a:schemeClr>
+                </a:solidFill>
+                <a:latin typeface="굴림체" panose="020B0609000101010101" pitchFamily="49" charset="-127"/>
+                <a:ea typeface="굴림체" panose="020B0609000101010101" pitchFamily="49" charset="-127"/>
+              </a:rPr>
+              <a:t>층  </a:t>
+            </a:r>
+            <a:r>
+              <a:rPr lang="en-US" altLang="ko-KR" b="1" dirty="0">
+                <a:solidFill>
+                  <a:schemeClr val="tx1">
+                    <a:lumMod val="65000"/>
+                    <a:lumOff val="35000"/>
+                  </a:schemeClr>
+                </a:solidFill>
+                <a:latin typeface="굴림체" panose="020B0609000101010101" pitchFamily="49" charset="-127"/>
+                <a:ea typeface="굴림체" panose="020B0609000101010101" pitchFamily="49" charset="-127"/>
+              </a:rPr>
+              <a:t>T. 1544-8147</a:t>
+            </a:r>
+            <a:r>
+              <a:rPr lang="ko-KR" altLang="en-US" b="1" dirty="0">
+                <a:solidFill>
+                  <a:schemeClr val="tx1">
+                    <a:lumMod val="65000"/>
+                    <a:lumOff val="35000"/>
+                  </a:schemeClr>
+                </a:solidFill>
+                <a:latin typeface="굴림체" panose="020B0609000101010101" pitchFamily="49" charset="-127"/>
+                <a:ea typeface="굴림체" panose="020B0609000101010101" pitchFamily="49" charset="-127"/>
+              </a:rPr>
+              <a:t>     </a:t>
+            </a:r>
+            <a:endParaRPr lang="en-US" altLang="ko-KR" b="1" dirty="0">
+              <a:solidFill>
+                <a:schemeClr val="tx1">
+                  <a:lumMod val="65000"/>
+                  <a:lumOff val="35000"/>
+                </a:schemeClr>
+              </a:solidFill>
+              <a:latin typeface="굴림체" panose="020B0609000101010101" pitchFamily="49" charset="-127"/>
+              <a:ea typeface="굴림체" panose="020B0609000101010101" pitchFamily="49" charset="-127"/>
+            </a:endParaRPr>
+          </a:p>
+          <a:p>
+            <a:r>
+              <a:rPr lang="en-US" altLang="ko-KR" b="1" dirty="0">
+                <a:solidFill>
+                  <a:schemeClr val="tx1">
+                    <a:lumMod val="65000"/>
+                    <a:lumOff val="35000"/>
+                  </a:schemeClr>
+                </a:solidFill>
+                <a:latin typeface="굴림체" panose="020B0609000101010101" pitchFamily="49" charset="-127"/>
+                <a:ea typeface="굴림체" panose="020B0609000101010101" pitchFamily="49" charset="-127"/>
+              </a:rPr>
+              <a:t>Copyright by EZEN. All rights reserved.</a:t>
+            </a:r>
+            <a:endParaRPr lang="ko-KR" altLang="en-US" b="1" dirty="0">
+              <a:solidFill>
+                <a:schemeClr val="tx1">
+                  <a:lumMod val="65000"/>
+                  <a:lumOff val="35000"/>
+                </a:schemeClr>
+              </a:solidFill>
+              <a:latin typeface="굴림체" panose="020B0609000101010101" pitchFamily="49" charset="-127"/>
+              <a:ea typeface="굴림체" panose="020B0609000101010101" pitchFamily="49" charset="-127"/>
+            </a:endParaRPr>
+          </a:p>
+        </p:txBody>
+      </p:sp>
+      <p:sp>
+        <p:nvSpPr>
+          <p:cNvPr id="15" name="TextBox 14"/>
+          <p:cNvSpPr txBox="1"/>
+          <p:nvPr/>
+        </p:nvSpPr>
+        <p:spPr>
+          <a:xfrm>
+            <a:off x="13411200" y="610969"/>
+            <a:ext cx="1170710" cy="646331"/>
+          </a:xfrm>
+          <a:prstGeom prst="rect">
+            <a:avLst/>
+          </a:prstGeom>
+          <a:noFill/>
+        </p:spPr>
+        <p:txBody>
+          <a:bodyPr wrap="square" rtlCol="0">
+            <a:spAutoFit/>
+          </a:bodyPr>
+          <a:lstStyle/>
+          <a:p>
+            <a:r>
+              <a:rPr lang="ko-KR" altLang="en-US" b="1" dirty="0" smtClean="0"/>
+              <a:t>장동진님</a:t>
+            </a:r>
+            <a:r>
+              <a:rPr lang="ko-KR" altLang="en-US" dirty="0" smtClean="0"/>
+              <a:t> </a:t>
+            </a:r>
+            <a:r>
+              <a:rPr lang="en-US" altLang="ko-KR" dirty="0" smtClean="0"/>
+              <a:t>	</a:t>
+            </a:r>
+            <a:endParaRPr lang="ko-KR" altLang="en-US" dirty="0"/>
+          </a:p>
+        </p:txBody>
+      </p:sp>
+      <p:sp>
+        <p:nvSpPr>
+          <p:cNvPr id="20" name="모서리가 둥근 직사각형 19"/>
+          <p:cNvSpPr/>
+          <p:nvPr/>
+        </p:nvSpPr>
+        <p:spPr>
+          <a:xfrm>
+            <a:off x="15480957" y="637741"/>
+            <a:ext cx="1295400" cy="304800"/>
+          </a:xfrm>
+          <a:prstGeom prst="roundRect">
+            <a:avLst/>
+          </a:prstGeom>
+          <a:solidFill>
+            <a:schemeClr val="bg1">
+              <a:lumMod val="85000"/>
+            </a:schemeClr>
+          </a:solidFill>
+          <a:ln>
+            <a:noFill/>
+          </a:ln>
+        </p:spPr>
+        <p:style>
+          <a:lnRef idx="2">
+            <a:schemeClr val="accent1">
+              <a:shade val="50000"/>
+            </a:schemeClr>
+          </a:lnRef>
+          <a:fillRef idx="1">
+            <a:schemeClr val="accent1"/>
+          </a:fillRef>
+          <a:effectRef idx="0">
+            <a:schemeClr val="accent1"/>
+          </a:effectRef>
+          <a:fontRef idx="minor">
+            <a:schemeClr val="lt1"/>
+          </a:fontRef>
+        </p:style>
+        <p:txBody>
+          <a:bodyPr rtlCol="0" anchor="ctr"/>
+          <a:lstStyle/>
+          <a:p>
+            <a:pPr algn="ctr"/>
+            <a:r>
+              <a:rPr lang="ko-KR" altLang="en-US" dirty="0" smtClean="0">
+                <a:solidFill>
+                  <a:schemeClr val="bg1"/>
+                </a:solidFill>
+                <a:latin typeface="맑은 고딕" panose="020B0503020000020004" pitchFamily="50" charset="-127"/>
+                <a:ea typeface="맑은 고딕" panose="020B0503020000020004" pitchFamily="50" charset="-127"/>
+              </a:rPr>
+              <a:t>로그아웃</a:t>
+            </a:r>
+            <a:endParaRPr lang="ko-KR" altLang="en-US" dirty="0">
+              <a:solidFill>
+                <a:schemeClr val="bg1"/>
+              </a:solidFill>
+              <a:latin typeface="맑은 고딕" panose="020B0503020000020004" pitchFamily="50" charset="-127"/>
+              <a:ea typeface="맑은 고딕" panose="020B0503020000020004" pitchFamily="50" charset="-127"/>
+            </a:endParaRPr>
+          </a:p>
+        </p:txBody>
+      </p:sp>
+      <p:pic>
+        <p:nvPicPr>
+          <p:cNvPr id="16" name="그림 15"/>
+          <p:cNvPicPr>
+            <a:picLocks noChangeAspect="1"/>
+          </p:cNvPicPr>
+          <p:nvPr/>
+        </p:nvPicPr>
+        <p:blipFill>
+          <a:blip r:embed="rId8">
+            <a:extLst>
+              <a:ext uri="{28A0092B-C50C-407E-A947-70E740481C1C}">
+                <a14:useLocalDpi xmlns:a14="http://schemas.microsoft.com/office/drawing/2010/main" val="0"/>
+              </a:ext>
+            </a:extLst>
+          </a:blip>
+          <a:stretch>
+            <a:fillRect/>
+          </a:stretch>
+        </p:blipFill>
+        <p:spPr>
+          <a:xfrm>
+            <a:off x="1371444" y="564967"/>
+            <a:ext cx="2362356" cy="615794"/>
+          </a:xfrm>
+          <a:prstGeom prst="rect">
+            <a:avLst/>
+          </a:prstGeom>
+        </p:spPr>
+      </p:pic>
+      <p:pic>
+        <p:nvPicPr>
+          <p:cNvPr id="21" name="그림 20"/>
+          <p:cNvPicPr>
+            <a:picLocks noChangeAspect="1"/>
+          </p:cNvPicPr>
+          <p:nvPr/>
+        </p:nvPicPr>
+        <p:blipFill>
+          <a:blip r:embed="rId9">
+            <a:extLst>
+              <a:ext uri="{28A0092B-C50C-407E-A947-70E740481C1C}">
+                <a14:useLocalDpi xmlns:a14="http://schemas.microsoft.com/office/drawing/2010/main" val="0"/>
+              </a:ext>
+            </a:extLst>
+          </a:blip>
+          <a:stretch>
+            <a:fillRect/>
+          </a:stretch>
+        </p:blipFill>
+        <p:spPr>
+          <a:xfrm>
+            <a:off x="1513710" y="454310"/>
+            <a:ext cx="1762890" cy="650590"/>
+          </a:xfrm>
+          <a:prstGeom prst="rect">
+            <a:avLst/>
+          </a:prstGeom>
+        </p:spPr>
+      </p:pic>
+    </p:spTree>
+    <p:extLst>
+      <p:ext uri="{BB962C8B-B14F-4D97-AF65-F5344CB8AC3E}">
+        <p14:creationId xmlns:p14="http://schemas.microsoft.com/office/powerpoint/2010/main" val="2478336286"/>
+      </p:ext>
+    </p:extLst>
+  </p:cSld>
+  <p:clrMapOvr>
+    <a:masterClrMapping/>
+  </p:clrMapOvr>
+  <p:transition spd="slow">
+    <p:wipe dir="r"/>
+  </p:transition>
+  <p:timing>
+    <p:tnLst>
+      <p:par>
+        <p:cTn id="1" dur="indefinite" restart="never" nodeType="tmRoot"/>
+      </p:par>
+    </p:tnLst>
+  </p:timing>
+</p:sld>
+</file>
+
+<file path=ppt/slides/slide12.xml><?xml version="1.0" encoding="utf-8"?>
+<p:sld xmlns:a="http://schemas.openxmlformats.org/drawingml/2006/main" xmlns:r="http://schemas.openxmlformats.org/officeDocument/2006/relationships" xmlns:p="http://schemas.openxmlformats.org/presentationml/2006/main">
+  <p:cSld>
+    <p:bg>
+      <p:bgPr>
+        <a:solidFill>
+          <a:srgbClr val="F6F6F6"/>
+        </a:solidFill>
+        <a:effectLst/>
+      </p:bgPr>
+    </p:bg>
+    <p:spTree>
+      <p:nvGrpSpPr>
+        <p:cNvPr id="1" name=""/>
+        <p:cNvGrpSpPr/>
+        <p:nvPr/>
+      </p:nvGrpSpPr>
+      <p:grpSpPr>
+        <a:xfrm>
+          <a:off x="0" y="0"/>
+          <a:ext cx="0" cy="0"/>
+          <a:chOff x="0" y="0"/>
+          <a:chExt cx="0" cy="0"/>
+        </a:xfrm>
+      </p:grpSpPr>
+      <p:grpSp>
+        <p:nvGrpSpPr>
+          <p:cNvPr id="1002" name="그룹 1002"/>
+          <p:cNvGrpSpPr/>
+          <p:nvPr/>
+        </p:nvGrpSpPr>
+        <p:grpSpPr>
+          <a:xfrm>
             <a:off x="1172079" y="2918150"/>
             <a:ext cx="512444" cy="91380"/>
             <a:chOff x="1248279" y="2918150"/>
@@ -5380,6 +7171,66 @@
           </a:p>
         </p:txBody>
       </p:sp>
+      <p:pic>
+        <p:nvPicPr>
+          <p:cNvPr id="41" name="그림 40"/>
+          <p:cNvPicPr>
+            <a:picLocks noChangeAspect="1"/>
+          </p:cNvPicPr>
+          <p:nvPr/>
+        </p:nvPicPr>
+        <p:blipFill>
+          <a:blip r:embed="rId13">
+            <a:extLst>
+              <a:ext uri="{28A0092B-C50C-407E-A947-70E740481C1C}">
+                <a14:useLocalDpi xmlns:a14="http://schemas.microsoft.com/office/drawing/2010/main" val="0"/>
+              </a:ext>
+            </a:extLst>
+          </a:blip>
+          <a:stretch>
+            <a:fillRect/>
+          </a:stretch>
+        </p:blipFill>
+        <p:spPr>
+          <a:xfrm>
+            <a:off x="1444102" y="387779"/>
+            <a:ext cx="2362356" cy="615794"/>
+          </a:xfrm>
+          <a:prstGeom prst="rect">
+            <a:avLst/>
+          </a:prstGeom>
+        </p:spPr>
+      </p:pic>
+      <p:pic>
+        <p:nvPicPr>
+          <p:cNvPr id="44" name="그림 43"/>
+          <p:cNvPicPr>
+            <a:picLocks noChangeAspect="1"/>
+          </p:cNvPicPr>
+          <p:nvPr/>
+        </p:nvPicPr>
+        <p:blipFill>
+          <a:blip r:embed="rId14">
+            <a:extLst>
+              <a:ext uri="{28A0092B-C50C-407E-A947-70E740481C1C}">
+                <a14:useLocalDpi xmlns:a14="http://schemas.microsoft.com/office/drawing/2010/main" val="0"/>
+              </a:ext>
+            </a:extLst>
+          </a:blip>
+          <a:stretch>
+            <a:fillRect/>
+          </a:stretch>
+        </p:blipFill>
+        <p:spPr>
+          <a:xfrm>
+            <a:off x="1524000" y="342900"/>
+            <a:ext cx="1762890" cy="650590"/>
+          </a:xfrm>
+          <a:prstGeom prst="rect">
+            <a:avLst/>
+          </a:prstGeom>
+        </p:spPr>
+      </p:pic>
     </p:spTree>
     <p:extLst>
       <p:ext uri="{BB962C8B-B14F-4D97-AF65-F5344CB8AC3E}">
@@ -5403,7 +7254,7 @@
 </p:sld>
 </file>
 
-<file path=ppt/slides/slide11.xml><?xml version="1.0" encoding="utf-8"?>
+<file path=ppt/slides/slide13.xml><?xml version="1.0" encoding="utf-8"?>
 <p:sld xmlns:a="http://schemas.openxmlformats.org/drawingml/2006/main" xmlns:r="http://schemas.openxmlformats.org/officeDocument/2006/relationships" xmlns:p="http://schemas.openxmlformats.org/presentationml/2006/main">
   <p:cSld>
     <p:spTree>
@@ -7365,6 +9216,66 @@
           </a:p>
         </p:txBody>
       </p:sp>
+      <p:pic>
+        <p:nvPicPr>
+          <p:cNvPr id="44" name="그림 43"/>
+          <p:cNvPicPr>
+            <a:picLocks noChangeAspect="1"/>
+          </p:cNvPicPr>
+          <p:nvPr/>
+        </p:nvPicPr>
+        <p:blipFill>
+          <a:blip r:embed="rId13">
+            <a:extLst>
+              <a:ext uri="{28A0092B-C50C-407E-A947-70E740481C1C}">
+                <a14:useLocalDpi xmlns:a14="http://schemas.microsoft.com/office/drawing/2010/main" val="0"/>
+              </a:ext>
+            </a:extLst>
+          </a:blip>
+          <a:stretch>
+            <a:fillRect/>
+          </a:stretch>
+        </p:blipFill>
+        <p:spPr>
+          <a:xfrm>
+            <a:off x="1386797" y="342900"/>
+            <a:ext cx="2362356" cy="615794"/>
+          </a:xfrm>
+          <a:prstGeom prst="rect">
+            <a:avLst/>
+          </a:prstGeom>
+        </p:spPr>
+      </p:pic>
+      <p:pic>
+        <p:nvPicPr>
+          <p:cNvPr id="45" name="그림 44"/>
+          <p:cNvPicPr>
+            <a:picLocks noChangeAspect="1"/>
+          </p:cNvPicPr>
+          <p:nvPr/>
+        </p:nvPicPr>
+        <p:blipFill>
+          <a:blip r:embed="rId14">
+            <a:extLst>
+              <a:ext uri="{28A0092B-C50C-407E-A947-70E740481C1C}">
+                <a14:useLocalDpi xmlns:a14="http://schemas.microsoft.com/office/drawing/2010/main" val="0"/>
+              </a:ext>
+            </a:extLst>
+          </a:blip>
+          <a:stretch>
+            <a:fillRect/>
+          </a:stretch>
+        </p:blipFill>
+        <p:spPr>
+          <a:xfrm>
+            <a:off x="1524000" y="342900"/>
+            <a:ext cx="1762890" cy="650590"/>
+          </a:xfrm>
+          <a:prstGeom prst="rect">
+            <a:avLst/>
+          </a:prstGeom>
+        </p:spPr>
+      </p:pic>
     </p:spTree>
     <p:extLst>
       <p:ext uri="{BB962C8B-B14F-4D97-AF65-F5344CB8AC3E}">
@@ -7397,131 +9308,7 @@
 </p:sld>
 </file>
 
-<file path=ppt/slides/slide12.xml><?xml version="1.0" encoding="utf-8"?>
-<p:sld xmlns:a="http://schemas.openxmlformats.org/drawingml/2006/main" xmlns:r="http://schemas.openxmlformats.org/officeDocument/2006/relationships" xmlns:p="http://schemas.openxmlformats.org/presentationml/2006/main">
-  <p:cSld>
-    <p:spTree>
-      <p:nvGrpSpPr>
-        <p:cNvPr id="1" name=""/>
-        <p:cNvGrpSpPr/>
-        <p:nvPr/>
-      </p:nvGrpSpPr>
-      <p:grpSpPr>
-        <a:xfrm>
-          <a:off x="0" y="0"/>
-          <a:ext cx="0" cy="0"/>
-          <a:chOff x="0" y="0"/>
-          <a:chExt cx="0" cy="0"/>
-        </a:xfrm>
-      </p:grpSpPr>
-      <p:grpSp>
-        <p:nvGrpSpPr>
-          <p:cNvPr id="4" name="그룹 3"/>
-          <p:cNvGrpSpPr/>
-          <p:nvPr/>
-        </p:nvGrpSpPr>
-        <p:grpSpPr>
-          <a:xfrm>
-            <a:off x="0" y="13249"/>
-            <a:ext cx="18425886" cy="10273751"/>
-            <a:chOff x="0" y="13249"/>
-            <a:chExt cx="18425886" cy="10273751"/>
-          </a:xfrm>
-        </p:grpSpPr>
-        <p:pic>
-          <p:nvPicPr>
-            <p:cNvPr id="5" name="그림 4"/>
-            <p:cNvPicPr>
-              <a:picLocks noChangeAspect="1"/>
-            </p:cNvPicPr>
-            <p:nvPr/>
-          </p:nvPicPr>
-          <p:blipFill>
-            <a:blip r:embed="rId2">
-              <a:extLst>
-                <a:ext uri="{28A0092B-C50C-407E-A947-70E740481C1C}">
-                  <a14:useLocalDpi xmlns:a14="http://schemas.microsoft.com/office/drawing/2010/main" val="0"/>
-                </a:ext>
-              </a:extLst>
-            </a:blip>
-            <a:stretch>
-              <a:fillRect/>
-            </a:stretch>
-          </p:blipFill>
-          <p:spPr>
-            <a:xfrm>
-              <a:off x="0" y="13249"/>
-              <a:ext cx="18425886" cy="10273751"/>
-            </a:xfrm>
-            <a:prstGeom prst="rect">
-              <a:avLst/>
-            </a:prstGeom>
-          </p:spPr>
-        </p:pic>
-        <p:pic>
-          <p:nvPicPr>
-            <p:cNvPr id="6" name="그림 5"/>
-            <p:cNvPicPr>
-              <a:picLocks noChangeAspect="1"/>
-            </p:cNvPicPr>
-            <p:nvPr/>
-          </p:nvPicPr>
-          <p:blipFill>
-            <a:blip r:embed="rId3">
-              <a:extLst>
-                <a:ext uri="{28A0092B-C50C-407E-A947-70E740481C1C}">
-                  <a14:useLocalDpi xmlns:a14="http://schemas.microsoft.com/office/drawing/2010/main" val="0"/>
-                </a:ext>
-              </a:extLst>
-            </a:blip>
-            <a:stretch>
-              <a:fillRect/>
-            </a:stretch>
-          </p:blipFill>
-          <p:spPr>
-            <a:xfrm>
-              <a:off x="1738086" y="1667328"/>
-              <a:ext cx="11371076" cy="3389993"/>
-            </a:xfrm>
-            <a:prstGeom prst="rect">
-              <a:avLst/>
-            </a:prstGeom>
-          </p:spPr>
-        </p:pic>
-      </p:grpSp>
-    </p:spTree>
-    <p:extLst>
-      <p:ext uri="{BB962C8B-B14F-4D97-AF65-F5344CB8AC3E}">
-        <p14:creationId xmlns:p14="http://schemas.microsoft.com/office/powerpoint/2010/main" val="840271469"/>
-      </p:ext>
-    </p:extLst>
-  </p:cSld>
-  <p:clrMapOvr>
-    <a:masterClrMapping/>
-  </p:clrMapOvr>
-  <mc:AlternateContent xmlns:mc="http://schemas.openxmlformats.org/markup-compatibility/2006" xmlns:p14="http://schemas.microsoft.com/office/powerpoint/2010/main">
-    <mc:Choice Requires="p14">
-      <p:transition spd="med" p14:dur="700">
-        <p:fade/>
-      </p:transition>
-    </mc:Choice>
-    <mc:Fallback xmlns="">
-      <p:transition spd="med">
-        <p:fade/>
-      </p:transition>
-    </mc:Fallback>
-  </mc:AlternateContent>
-  <p:timing>
-    <p:tnLst>
-      <p:par>
-        <p:cTn id="1" dur="indefinite" restart="never" nodeType="tmRoot"/>
-      </p:par>
-    </p:tnLst>
-  </p:timing>
-</p:sld>
-</file>
-
-<file path=ppt/slides/slide13.xml><?xml version="1.0" encoding="utf-8"?>
+<file path=ppt/slides/slide14.xml><?xml version="1.0" encoding="utf-8"?>
 <p:sld xmlns:a="http://schemas.openxmlformats.org/drawingml/2006/main" xmlns:r="http://schemas.openxmlformats.org/officeDocument/2006/relationships" xmlns:p="http://schemas.openxmlformats.org/presentationml/2006/main">
   <p:cSld>
     <p:bg>
@@ -11784,6 +13571,66 @@
           </a:p>
         </p:txBody>
       </p:sp>
+      <p:pic>
+        <p:nvPicPr>
+          <p:cNvPr id="133" name="그림 132"/>
+          <p:cNvPicPr>
+            <a:picLocks noChangeAspect="1"/>
+          </p:cNvPicPr>
+          <p:nvPr/>
+        </p:nvPicPr>
+        <p:blipFill>
+          <a:blip r:embed="rId17">
+            <a:extLst>
+              <a:ext uri="{28A0092B-C50C-407E-A947-70E740481C1C}">
+                <a14:useLocalDpi xmlns:a14="http://schemas.microsoft.com/office/drawing/2010/main" val="0"/>
+              </a:ext>
+            </a:extLst>
+          </a:blip>
+          <a:stretch>
+            <a:fillRect/>
+          </a:stretch>
+        </p:blipFill>
+        <p:spPr>
+          <a:xfrm>
+            <a:off x="1399833" y="465179"/>
+            <a:ext cx="2362356" cy="615794"/>
+          </a:xfrm>
+          <a:prstGeom prst="rect">
+            <a:avLst/>
+          </a:prstGeom>
+        </p:spPr>
+      </p:pic>
+      <p:pic>
+        <p:nvPicPr>
+          <p:cNvPr id="136" name="그림 135"/>
+          <p:cNvPicPr>
+            <a:picLocks noChangeAspect="1"/>
+          </p:cNvPicPr>
+          <p:nvPr/>
+        </p:nvPicPr>
+        <p:blipFill>
+          <a:blip r:embed="rId18">
+            <a:extLst>
+              <a:ext uri="{28A0092B-C50C-407E-A947-70E740481C1C}">
+                <a14:useLocalDpi xmlns:a14="http://schemas.microsoft.com/office/drawing/2010/main" val="0"/>
+              </a:ext>
+            </a:extLst>
+          </a:blip>
+          <a:stretch>
+            <a:fillRect/>
+          </a:stretch>
+        </p:blipFill>
+        <p:spPr>
+          <a:xfrm>
+            <a:off x="1524000" y="342900"/>
+            <a:ext cx="1762890" cy="650590"/>
+          </a:xfrm>
+          <a:prstGeom prst="rect">
+            <a:avLst/>
+          </a:prstGeom>
+        </p:spPr>
+      </p:pic>
     </p:spTree>
     <p:extLst>
       <p:ext uri="{BB962C8B-B14F-4D97-AF65-F5344CB8AC3E}">
@@ -11807,7 +13654,7 @@
 </p:sld>
 </file>
 
-<file path=ppt/slides/slide14.xml><?xml version="1.0" encoding="utf-8"?>
+<file path=ppt/slides/slide15.xml><?xml version="1.0" encoding="utf-8"?>
 <p:sld xmlns:a="http://schemas.openxmlformats.org/drawingml/2006/main" xmlns:r="http://schemas.openxmlformats.org/officeDocument/2006/relationships" xmlns:p="http://schemas.openxmlformats.org/presentationml/2006/main">
   <p:cSld>
     <p:bg>
@@ -11939,7 +13786,7 @@
       </p:pic>
       <p:pic>
         <p:nvPicPr>
-          <p:cNvPr id="14" name="그림 13"/>
+          <p:cNvPr id="15" name="그림 14"/>
           <p:cNvPicPr>
             <a:picLocks noChangeAspect="1"/>
           </p:cNvPicPr>
@@ -11959,36 +13806,6 @@
         </p:blipFill>
         <p:spPr>
           <a:xfrm>
-            <a:off x="1828801" y="419100"/>
-            <a:ext cx="1752599" cy="562053"/>
-          </a:xfrm>
-          <a:prstGeom prst="rect">
-            <a:avLst/>
-          </a:prstGeom>
-        </p:spPr>
-      </p:pic>
-      <p:pic>
-        <p:nvPicPr>
-          <p:cNvPr id="15" name="그림 14"/>
-          <p:cNvPicPr>
-            <a:picLocks noChangeAspect="1"/>
-          </p:cNvPicPr>
-          <p:nvPr/>
-        </p:nvPicPr>
-        <p:blipFill>
-          <a:blip r:embed="rId6">
-            <a:extLst>
-              <a:ext uri="{28A0092B-C50C-407E-A947-70E740481C1C}">
-                <a14:useLocalDpi xmlns:a14="http://schemas.microsoft.com/office/drawing/2010/main" val="0"/>
-              </a:ext>
-            </a:extLst>
-          </a:blip>
-          <a:stretch>
-            <a:fillRect/>
-          </a:stretch>
-        </p:blipFill>
-        <p:spPr>
-          <a:xfrm>
             <a:off x="15024335" y="495300"/>
             <a:ext cx="948637" cy="520423"/>
           </a:xfrm>
@@ -12006,7 +13823,7 @@
           <p:nvPr/>
         </p:nvPicPr>
         <p:blipFill>
-          <a:blip r:embed="rId7">
+          <a:blip r:embed="rId6">
             <a:extLst>
               <a:ext uri="{28A0092B-C50C-407E-A947-70E740481C1C}">
                 <a14:useLocalDpi xmlns:a14="http://schemas.microsoft.com/office/drawing/2010/main" val="0"/>
@@ -12255,6 +14072,82 @@
           <p:nvPr/>
         </p:nvPicPr>
         <p:blipFill>
+          <a:blip r:embed="rId6">
+            <a:extLst>
+              <a:ext uri="{28A0092B-C50C-407E-A947-70E740481C1C}">
+                <a14:useLocalDpi xmlns:a14="http://schemas.microsoft.com/office/drawing/2010/main" val="0"/>
+              </a:ext>
+            </a:extLst>
+          </a:blip>
+          <a:stretch>
+            <a:fillRect/>
+          </a:stretch>
+        </p:blipFill>
+        <p:spPr>
+          <a:xfrm>
+            <a:off x="4648200" y="600528"/>
+            <a:ext cx="2590800" cy="361952"/>
+          </a:xfrm>
+          <a:prstGeom prst="rect">
+            <a:avLst/>
+          </a:prstGeom>
+        </p:spPr>
+      </p:pic>
+      <p:sp>
+        <p:nvSpPr>
+          <p:cNvPr id="27" name="TextBox 26"/>
+          <p:cNvSpPr txBox="1"/>
+          <p:nvPr/>
+        </p:nvSpPr>
+        <p:spPr>
+          <a:xfrm>
+            <a:off x="4608288" y="507999"/>
+            <a:ext cx="2766620" cy="477054"/>
+          </a:xfrm>
+          <a:prstGeom prst="rect">
+            <a:avLst/>
+          </a:prstGeom>
+          <a:noFill/>
+        </p:spPr>
+        <p:txBody>
+          <a:bodyPr wrap="square" rtlCol="0">
+            <a:spAutoFit/>
+          </a:bodyPr>
+          <a:lstStyle/>
+          <a:p>
+            <a:r>
+              <a:rPr lang="ko-KR" altLang="en-US" sz="2500" b="1" dirty="0" smtClean="0">
+                <a:solidFill>
+                  <a:schemeClr val="bg1">
+                    <a:lumMod val="95000"/>
+                  </a:schemeClr>
+                </a:solidFill>
+                <a:latin typeface="굴림" panose="020B0600000101010101" pitchFamily="50" charset="-127"/>
+                <a:ea typeface="굴림" panose="020B0600000101010101" pitchFamily="50" charset="-127"/>
+              </a:rPr>
+              <a:t>강의실예약시스템</a:t>
+            </a:r>
+            <a:endParaRPr lang="ko-KR" altLang="en-US" sz="2500" b="1" dirty="0">
+              <a:solidFill>
+                <a:schemeClr val="bg1">
+                  <a:lumMod val="95000"/>
+                </a:schemeClr>
+              </a:solidFill>
+              <a:latin typeface="굴림" panose="020B0600000101010101" pitchFamily="50" charset="-127"/>
+              <a:ea typeface="굴림" panose="020B0600000101010101" pitchFamily="50" charset="-127"/>
+            </a:endParaRPr>
+          </a:p>
+        </p:txBody>
+      </p:sp>
+      <p:pic>
+        <p:nvPicPr>
+          <p:cNvPr id="28" name="그림 27"/>
+          <p:cNvPicPr>
+            <a:picLocks noChangeAspect="1"/>
+          </p:cNvPicPr>
+          <p:nvPr/>
+        </p:nvPicPr>
+        <p:blipFill>
           <a:blip r:embed="rId7">
             <a:extLst>
               <a:ext uri="{28A0092B-C50C-407E-A947-70E740481C1C}">
@@ -12268,63 +14161,17 @@
         </p:blipFill>
         <p:spPr>
           <a:xfrm>
-            <a:off x="4648200" y="600528"/>
-            <a:ext cx="2590800" cy="361952"/>
+            <a:off x="1521831" y="9274346"/>
+            <a:ext cx="15470769" cy="745954"/>
           </a:xfrm>
           <a:prstGeom prst="rect">
             <a:avLst/>
           </a:prstGeom>
         </p:spPr>
       </p:pic>
-      <p:sp>
-        <p:nvSpPr>
-          <p:cNvPr id="27" name="TextBox 26"/>
-          <p:cNvSpPr txBox="1"/>
-          <p:nvPr/>
-        </p:nvSpPr>
-        <p:spPr>
-          <a:xfrm>
-            <a:off x="4608288" y="507999"/>
-            <a:ext cx="2766620" cy="477054"/>
-          </a:xfrm>
-          <a:prstGeom prst="rect">
-            <a:avLst/>
-          </a:prstGeom>
-          <a:noFill/>
-        </p:spPr>
-        <p:txBody>
-          <a:bodyPr wrap="square" rtlCol="0">
-            <a:spAutoFit/>
-          </a:bodyPr>
-          <a:lstStyle/>
-          <a:p>
-            <a:r>
-              <a:rPr lang="ko-KR" altLang="en-US" sz="2500" b="1" dirty="0" smtClean="0">
-                <a:solidFill>
-                  <a:schemeClr val="bg1">
-                    <a:lumMod val="95000"/>
-                  </a:schemeClr>
-                </a:solidFill>
-                <a:latin typeface="굴림" panose="020B0600000101010101" pitchFamily="50" charset="-127"/>
-                <a:ea typeface="굴림" panose="020B0600000101010101" pitchFamily="50" charset="-127"/>
-              </a:rPr>
-              <a:t>강의실예약시스템</a:t>
-            </a:r>
-            <a:endParaRPr lang="ko-KR" altLang="en-US" sz="2500" b="1" dirty="0">
-              <a:solidFill>
-                <a:schemeClr val="bg1">
-                  <a:lumMod val="95000"/>
-                </a:schemeClr>
-              </a:solidFill>
-              <a:latin typeface="굴림" panose="020B0600000101010101" pitchFamily="50" charset="-127"/>
-              <a:ea typeface="굴림" panose="020B0600000101010101" pitchFamily="50" charset="-127"/>
-            </a:endParaRPr>
-          </a:p>
-        </p:txBody>
-      </p:sp>
       <p:pic>
         <p:nvPicPr>
-          <p:cNvPr id="28" name="그림 27"/>
+          <p:cNvPr id="4" name="그림 3"/>
           <p:cNvPicPr>
             <a:picLocks noChangeAspect="1"/>
           </p:cNvPicPr>
@@ -12344,36 +14191,6 @@
         </p:blipFill>
         <p:spPr>
           <a:xfrm>
-            <a:off x="1521831" y="9274346"/>
-            <a:ext cx="15470769" cy="745954"/>
-          </a:xfrm>
-          <a:prstGeom prst="rect">
-            <a:avLst/>
-          </a:prstGeom>
-        </p:spPr>
-      </p:pic>
-      <p:pic>
-        <p:nvPicPr>
-          <p:cNvPr id="4" name="그림 3"/>
-          <p:cNvPicPr>
-            <a:picLocks noChangeAspect="1"/>
-          </p:cNvPicPr>
-          <p:nvPr/>
-        </p:nvPicPr>
-        <p:blipFill>
-          <a:blip r:embed="rId9">
-            <a:extLst>
-              <a:ext uri="{28A0092B-C50C-407E-A947-70E740481C1C}">
-                <a14:useLocalDpi xmlns:a14="http://schemas.microsoft.com/office/drawing/2010/main" val="0"/>
-              </a:ext>
-            </a:extLst>
-          </a:blip>
-          <a:stretch>
-            <a:fillRect/>
-          </a:stretch>
-        </p:blipFill>
-        <p:spPr>
-          <a:xfrm>
             <a:off x="14312665" y="2657332"/>
             <a:ext cx="1841735" cy="352568"/>
           </a:xfrm>
@@ -12451,7 +14268,7 @@
             <p:nvPr/>
           </p:nvPicPr>
           <p:blipFill>
-            <a:blip r:embed="rId10">
+            <a:blip r:embed="rId9">
               <a:extLst>
                 <a:ext uri="{28A0092B-C50C-407E-A947-70E740481C1C}">
                   <a14:useLocalDpi xmlns:a14="http://schemas.microsoft.com/office/drawing/2010/main" val="0"/>
@@ -12620,7 +14437,7 @@
               <p:nvPr/>
             </p:nvPicPr>
             <p:blipFill>
-              <a:blip r:embed="rId11">
+              <a:blip r:embed="rId10">
                 <a:extLst>
                   <a:ext uri="{28A0092B-C50C-407E-A947-70E740481C1C}">
                     <a14:useLocalDpi xmlns:a14="http://schemas.microsoft.com/office/drawing/2010/main" val="0"/>
@@ -12743,7 +14560,7 @@
               <p:nvPr/>
             </p:nvPicPr>
             <p:blipFill>
-              <a:blip r:embed="rId11">
+              <a:blip r:embed="rId10">
                 <a:extLst>
                   <a:ext uri="{28A0092B-C50C-407E-A947-70E740481C1C}">
                     <a14:useLocalDpi xmlns:a14="http://schemas.microsoft.com/office/drawing/2010/main" val="0"/>
@@ -12866,7 +14683,7 @@
               <p:nvPr/>
             </p:nvPicPr>
             <p:blipFill>
-              <a:blip r:embed="rId11">
+              <a:blip r:embed="rId10">
                 <a:extLst>
                   <a:ext uri="{28A0092B-C50C-407E-A947-70E740481C1C}">
                     <a14:useLocalDpi xmlns:a14="http://schemas.microsoft.com/office/drawing/2010/main" val="0"/>
@@ -12898,6 +14715,36 @@
           <p:nvPr/>
         </p:nvPicPr>
         <p:blipFill>
+          <a:blip r:embed="rId11">
+            <a:extLst>
+              <a:ext uri="{28A0092B-C50C-407E-A947-70E740481C1C}">
+                <a14:useLocalDpi xmlns:a14="http://schemas.microsoft.com/office/drawing/2010/main" val="0"/>
+              </a:ext>
+            </a:extLst>
+          </a:blip>
+          <a:stretch>
+            <a:fillRect/>
+          </a:stretch>
+        </p:blipFill>
+        <p:spPr>
+          <a:xfrm>
+            <a:off x="13530293" y="5000960"/>
+            <a:ext cx="3353449" cy="1912705"/>
+          </a:xfrm>
+          <a:prstGeom prst="rect">
+            <a:avLst/>
+          </a:prstGeom>
+        </p:spPr>
+      </p:pic>
+      <p:pic>
+        <p:nvPicPr>
+          <p:cNvPr id="962" name="그림 961"/>
+          <p:cNvPicPr>
+            <a:picLocks noChangeAspect="1"/>
+          </p:cNvPicPr>
+          <p:nvPr/>
+        </p:nvPicPr>
+        <p:blipFill>
           <a:blip r:embed="rId12">
             <a:extLst>
               <a:ext uri="{28A0092B-C50C-407E-A947-70E740481C1C}">
@@ -12911,36 +14758,6 @@
         </p:blipFill>
         <p:spPr>
           <a:xfrm>
-            <a:off x="13530293" y="5000960"/>
-            <a:ext cx="3353449" cy="1912705"/>
-          </a:xfrm>
-          <a:prstGeom prst="rect">
-            <a:avLst/>
-          </a:prstGeom>
-        </p:spPr>
-      </p:pic>
-      <p:pic>
-        <p:nvPicPr>
-          <p:cNvPr id="962" name="그림 961"/>
-          <p:cNvPicPr>
-            <a:picLocks noChangeAspect="1"/>
-          </p:cNvPicPr>
-          <p:nvPr/>
-        </p:nvPicPr>
-        <p:blipFill>
-          <a:blip r:embed="rId13">
-            <a:extLst>
-              <a:ext uri="{28A0092B-C50C-407E-A947-70E740481C1C}">
-                <a14:useLocalDpi xmlns:a14="http://schemas.microsoft.com/office/drawing/2010/main" val="0"/>
-              </a:ext>
-            </a:extLst>
-          </a:blip>
-          <a:stretch>
-            <a:fillRect/>
-          </a:stretch>
-        </p:blipFill>
-        <p:spPr>
-          <a:xfrm>
             <a:off x="13562159" y="6911964"/>
             <a:ext cx="3292555" cy="1825867"/>
           </a:xfrm>
@@ -12958,7 +14775,7 @@
           <p:nvPr/>
         </p:nvPicPr>
         <p:blipFill>
-          <a:blip r:embed="rId14">
+          <a:blip r:embed="rId13">
             <a:extLst>
               <a:ext uri="{28A0092B-C50C-407E-A947-70E740481C1C}">
                 <a14:useLocalDpi xmlns:a14="http://schemas.microsoft.com/office/drawing/2010/main" val="0"/>
@@ -13227,7 +15044,7 @@
           <p:nvPr/>
         </p:nvPicPr>
         <p:blipFill>
-          <a:blip r:embed="rId15">
+          <a:blip r:embed="rId14">
             <a:extLst>
               <a:ext uri="{28A0092B-C50C-407E-A947-70E740481C1C}">
                 <a14:useLocalDpi xmlns:a14="http://schemas.microsoft.com/office/drawing/2010/main" val="0"/>
@@ -13251,6 +15068,756 @@
       <p:pic>
         <p:nvPicPr>
           <p:cNvPr id="42" name="그림 41"/>
+          <p:cNvPicPr>
+            <a:picLocks noChangeAspect="1"/>
+          </p:cNvPicPr>
+          <p:nvPr/>
+        </p:nvPicPr>
+        <p:blipFill>
+          <a:blip r:embed="rId14">
+            <a:extLst>
+              <a:ext uri="{28A0092B-C50C-407E-A947-70E740481C1C}">
+                <a14:useLocalDpi xmlns:a14="http://schemas.microsoft.com/office/drawing/2010/main" val="0"/>
+              </a:ext>
+            </a:extLst>
+          </a:blip>
+          <a:stretch>
+            <a:fillRect/>
+          </a:stretch>
+        </p:blipFill>
+        <p:spPr>
+          <a:xfrm>
+            <a:off x="7450397" y="2485972"/>
+            <a:ext cx="1151965" cy="323981"/>
+          </a:xfrm>
+          <a:prstGeom prst="rect">
+            <a:avLst/>
+          </a:prstGeom>
+        </p:spPr>
+      </p:pic>
+      <p:pic>
+        <p:nvPicPr>
+          <p:cNvPr id="43" name="그림 42"/>
+          <p:cNvPicPr>
+            <a:picLocks noChangeAspect="1"/>
+          </p:cNvPicPr>
+          <p:nvPr/>
+        </p:nvPicPr>
+        <p:blipFill>
+          <a:blip r:embed="rId14">
+            <a:extLst>
+              <a:ext uri="{28A0092B-C50C-407E-A947-70E740481C1C}">
+                <a14:useLocalDpi xmlns:a14="http://schemas.microsoft.com/office/drawing/2010/main" val="0"/>
+              </a:ext>
+            </a:extLst>
+          </a:blip>
+          <a:stretch>
+            <a:fillRect/>
+          </a:stretch>
+        </p:blipFill>
+        <p:spPr>
+          <a:xfrm>
+            <a:off x="1879934" y="2509272"/>
+            <a:ext cx="775115" cy="323981"/>
+          </a:xfrm>
+          <a:prstGeom prst="rect">
+            <a:avLst/>
+          </a:prstGeom>
+        </p:spPr>
+      </p:pic>
+      <p:pic>
+        <p:nvPicPr>
+          <p:cNvPr id="44" name="그림 43"/>
+          <p:cNvPicPr>
+            <a:picLocks noChangeAspect="1"/>
+          </p:cNvPicPr>
+          <p:nvPr/>
+        </p:nvPicPr>
+        <p:blipFill>
+          <a:blip r:embed="rId14">
+            <a:extLst>
+              <a:ext uri="{28A0092B-C50C-407E-A947-70E740481C1C}">
+                <a14:useLocalDpi xmlns:a14="http://schemas.microsoft.com/office/drawing/2010/main" val="0"/>
+              </a:ext>
+            </a:extLst>
+          </a:blip>
+          <a:stretch>
+            <a:fillRect/>
+          </a:stretch>
+        </p:blipFill>
+        <p:spPr>
+          <a:xfrm>
+            <a:off x="3083437" y="2554278"/>
+            <a:ext cx="1151965" cy="323981"/>
+          </a:xfrm>
+          <a:prstGeom prst="rect">
+            <a:avLst/>
+          </a:prstGeom>
+        </p:spPr>
+      </p:pic>
+      <p:pic>
+        <p:nvPicPr>
+          <p:cNvPr id="45" name="그림 44"/>
+          <p:cNvPicPr>
+            <a:picLocks noChangeAspect="1"/>
+          </p:cNvPicPr>
+          <p:nvPr/>
+        </p:nvPicPr>
+        <p:blipFill>
+          <a:blip r:embed="rId14">
+            <a:extLst>
+              <a:ext uri="{28A0092B-C50C-407E-A947-70E740481C1C}">
+                <a14:useLocalDpi xmlns:a14="http://schemas.microsoft.com/office/drawing/2010/main" val="0"/>
+              </a:ext>
+            </a:extLst>
+          </a:blip>
+          <a:stretch>
+            <a:fillRect/>
+          </a:stretch>
+        </p:blipFill>
+        <p:spPr>
+          <a:xfrm>
+            <a:off x="9696640" y="2545239"/>
+            <a:ext cx="1151965" cy="323981"/>
+          </a:xfrm>
+          <a:prstGeom prst="rect">
+            <a:avLst/>
+          </a:prstGeom>
+        </p:spPr>
+      </p:pic>
+      <p:pic>
+        <p:nvPicPr>
+          <p:cNvPr id="46" name="그림 45"/>
+          <p:cNvPicPr>
+            <a:picLocks noChangeAspect="1"/>
+          </p:cNvPicPr>
+          <p:nvPr/>
+        </p:nvPicPr>
+        <p:blipFill>
+          <a:blip r:embed="rId14">
+            <a:extLst>
+              <a:ext uri="{28A0092B-C50C-407E-A947-70E740481C1C}">
+                <a14:useLocalDpi xmlns:a14="http://schemas.microsoft.com/office/drawing/2010/main" val="0"/>
+              </a:ext>
+            </a:extLst>
+          </a:blip>
+          <a:stretch>
+            <a:fillRect/>
+          </a:stretch>
+        </p:blipFill>
+        <p:spPr>
+          <a:xfrm>
+            <a:off x="11678062" y="2525496"/>
+            <a:ext cx="775115" cy="323981"/>
+          </a:xfrm>
+          <a:prstGeom prst="rect">
+            <a:avLst/>
+          </a:prstGeom>
+        </p:spPr>
+      </p:pic>
+      <p:sp>
+        <p:nvSpPr>
+          <p:cNvPr id="6" name="TextBox 5"/>
+          <p:cNvSpPr txBox="1"/>
+          <p:nvPr/>
+        </p:nvSpPr>
+        <p:spPr>
+          <a:xfrm>
+            <a:off x="1916952" y="2523043"/>
+            <a:ext cx="826248" cy="323165"/>
+          </a:xfrm>
+          <a:prstGeom prst="rect">
+            <a:avLst/>
+          </a:prstGeom>
+          <a:noFill/>
+        </p:spPr>
+        <p:txBody>
+          <a:bodyPr wrap="square" rtlCol="0">
+            <a:spAutoFit/>
+          </a:bodyPr>
+          <a:lstStyle/>
+          <a:p>
+            <a:pPr algn="ctr"/>
+            <a:r>
+              <a:rPr lang="ko-KR" altLang="en-US" sz="1500" b="1" dirty="0" smtClean="0"/>
+              <a:t>순번</a:t>
+            </a:r>
+            <a:endParaRPr lang="ko-KR" altLang="en-US" sz="1500" b="1" dirty="0"/>
+          </a:p>
+        </p:txBody>
+      </p:sp>
+      <p:sp>
+        <p:nvSpPr>
+          <p:cNvPr id="48" name="TextBox 47"/>
+          <p:cNvSpPr txBox="1"/>
+          <p:nvPr/>
+        </p:nvSpPr>
+        <p:spPr>
+          <a:xfrm>
+            <a:off x="2745764" y="2533512"/>
+            <a:ext cx="1489638" cy="323165"/>
+          </a:xfrm>
+          <a:prstGeom prst="rect">
+            <a:avLst/>
+          </a:prstGeom>
+          <a:noFill/>
+        </p:spPr>
+        <p:txBody>
+          <a:bodyPr wrap="square" rtlCol="0">
+            <a:spAutoFit/>
+          </a:bodyPr>
+          <a:lstStyle/>
+          <a:p>
+            <a:pPr algn="ctr"/>
+            <a:r>
+              <a:rPr lang="ko-KR" altLang="en-US" sz="1500" b="1" dirty="0" smtClean="0"/>
+              <a:t>예약일자</a:t>
+            </a:r>
+            <a:endParaRPr lang="ko-KR" altLang="en-US" sz="1500" b="1" dirty="0"/>
+          </a:p>
+        </p:txBody>
+      </p:sp>
+      <p:sp>
+        <p:nvSpPr>
+          <p:cNvPr id="49" name="TextBox 48"/>
+          <p:cNvSpPr txBox="1"/>
+          <p:nvPr/>
+        </p:nvSpPr>
+        <p:spPr>
+          <a:xfrm>
+            <a:off x="4533813" y="2531357"/>
+            <a:ext cx="1489638" cy="323165"/>
+          </a:xfrm>
+          <a:prstGeom prst="rect">
+            <a:avLst/>
+          </a:prstGeom>
+          <a:noFill/>
+        </p:spPr>
+        <p:txBody>
+          <a:bodyPr wrap="square" rtlCol="0">
+            <a:spAutoFit/>
+          </a:bodyPr>
+          <a:lstStyle/>
+          <a:p>
+            <a:pPr algn="ctr"/>
+            <a:r>
+              <a:rPr lang="ko-KR" altLang="en-US" sz="1500" b="1" dirty="0" smtClean="0">
+                <a:solidFill>
+                  <a:schemeClr val="tx1">
+                    <a:lumMod val="85000"/>
+                    <a:lumOff val="15000"/>
+                  </a:schemeClr>
+                </a:solidFill>
+              </a:rPr>
+              <a:t>이용시간</a:t>
+            </a:r>
+            <a:endParaRPr lang="ko-KR" altLang="en-US" sz="1500" b="1" dirty="0">
+              <a:solidFill>
+                <a:schemeClr val="tx1">
+                  <a:lumMod val="85000"/>
+                  <a:lumOff val="15000"/>
+                </a:schemeClr>
+              </a:solidFill>
+            </a:endParaRPr>
+          </a:p>
+        </p:txBody>
+      </p:sp>
+      <p:sp>
+        <p:nvSpPr>
+          <p:cNvPr id="50" name="TextBox 49"/>
+          <p:cNvSpPr txBox="1"/>
+          <p:nvPr/>
+        </p:nvSpPr>
+        <p:spPr>
+          <a:xfrm>
+            <a:off x="7226954" y="2532927"/>
+            <a:ext cx="1489638" cy="323165"/>
+          </a:xfrm>
+          <a:prstGeom prst="rect">
+            <a:avLst/>
+          </a:prstGeom>
+          <a:noFill/>
+        </p:spPr>
+        <p:txBody>
+          <a:bodyPr wrap="square" rtlCol="0">
+            <a:spAutoFit/>
+          </a:bodyPr>
+          <a:lstStyle/>
+          <a:p>
+            <a:pPr algn="ctr"/>
+            <a:r>
+              <a:rPr lang="ko-KR" altLang="en-US" sz="1500" b="1" dirty="0" smtClean="0">
+                <a:solidFill>
+                  <a:schemeClr val="tx1">
+                    <a:lumMod val="85000"/>
+                    <a:lumOff val="15000"/>
+                  </a:schemeClr>
+                </a:solidFill>
+              </a:rPr>
+              <a:t>회의실정보</a:t>
+            </a:r>
+            <a:endParaRPr lang="ko-KR" altLang="en-US" sz="1500" b="1" dirty="0">
+              <a:solidFill>
+                <a:schemeClr val="tx1">
+                  <a:lumMod val="85000"/>
+                  <a:lumOff val="15000"/>
+                </a:schemeClr>
+              </a:solidFill>
+            </a:endParaRPr>
+          </a:p>
+        </p:txBody>
+      </p:sp>
+      <p:sp>
+        <p:nvSpPr>
+          <p:cNvPr id="51" name="TextBox 50"/>
+          <p:cNvSpPr txBox="1"/>
+          <p:nvPr/>
+        </p:nvSpPr>
+        <p:spPr>
+          <a:xfrm>
+            <a:off x="9614586" y="2525928"/>
+            <a:ext cx="1489638" cy="323165"/>
+          </a:xfrm>
+          <a:prstGeom prst="rect">
+            <a:avLst/>
+          </a:prstGeom>
+          <a:noFill/>
+        </p:spPr>
+        <p:txBody>
+          <a:bodyPr wrap="square" rtlCol="0">
+            <a:spAutoFit/>
+          </a:bodyPr>
+          <a:lstStyle/>
+          <a:p>
+            <a:pPr algn="ctr"/>
+            <a:r>
+              <a:rPr lang="ko-KR" altLang="en-US" sz="1500" b="1" dirty="0" smtClean="0">
+                <a:solidFill>
+                  <a:schemeClr val="tx1">
+                    <a:lumMod val="85000"/>
+                    <a:lumOff val="15000"/>
+                  </a:schemeClr>
+                </a:solidFill>
+              </a:rPr>
+              <a:t>예약자</a:t>
+            </a:r>
+            <a:endParaRPr lang="ko-KR" altLang="en-US" sz="1500" b="1" dirty="0">
+              <a:solidFill>
+                <a:schemeClr val="tx1">
+                  <a:lumMod val="85000"/>
+                  <a:lumOff val="15000"/>
+                </a:schemeClr>
+              </a:solidFill>
+            </a:endParaRPr>
+          </a:p>
+        </p:txBody>
+      </p:sp>
+      <p:sp>
+        <p:nvSpPr>
+          <p:cNvPr id="55" name="TextBox 54"/>
+          <p:cNvSpPr txBox="1"/>
+          <p:nvPr/>
+        </p:nvSpPr>
+        <p:spPr>
+          <a:xfrm>
+            <a:off x="11272510" y="2525928"/>
+            <a:ext cx="1489638" cy="323165"/>
+          </a:xfrm>
+          <a:prstGeom prst="rect">
+            <a:avLst/>
+          </a:prstGeom>
+          <a:noFill/>
+        </p:spPr>
+        <p:txBody>
+          <a:bodyPr wrap="square" rtlCol="0">
+            <a:spAutoFit/>
+          </a:bodyPr>
+          <a:lstStyle/>
+          <a:p>
+            <a:pPr algn="ctr"/>
+            <a:r>
+              <a:rPr lang="ko-KR" altLang="en-US" sz="1500" b="1" dirty="0" smtClean="0">
+                <a:solidFill>
+                  <a:schemeClr val="tx1">
+                    <a:lumMod val="85000"/>
+                    <a:lumOff val="15000"/>
+                  </a:schemeClr>
+                </a:solidFill>
+              </a:rPr>
+              <a:t>소속</a:t>
+            </a:r>
+            <a:endParaRPr lang="ko-KR" altLang="en-US" sz="1500" b="1" dirty="0">
+              <a:solidFill>
+                <a:schemeClr val="tx1">
+                  <a:lumMod val="85000"/>
+                  <a:lumOff val="15000"/>
+                </a:schemeClr>
+              </a:solidFill>
+            </a:endParaRPr>
+          </a:p>
+        </p:txBody>
+      </p:sp>
+      <p:sp>
+        <p:nvSpPr>
+          <p:cNvPr id="56" name="TextBox 55"/>
+          <p:cNvSpPr txBox="1"/>
+          <p:nvPr/>
+        </p:nvSpPr>
+        <p:spPr>
+          <a:xfrm>
+            <a:off x="7239000" y="2991535"/>
+            <a:ext cx="1489638" cy="323165"/>
+          </a:xfrm>
+          <a:prstGeom prst="rect">
+            <a:avLst/>
+          </a:prstGeom>
+          <a:noFill/>
+        </p:spPr>
+        <p:txBody>
+          <a:bodyPr wrap="square" rtlCol="0">
+            <a:spAutoFit/>
+          </a:bodyPr>
+          <a:lstStyle/>
+          <a:p>
+            <a:pPr algn="ctr"/>
+            <a:r>
+              <a:rPr lang="ko-KR" altLang="en-US" sz="1500" b="1" dirty="0" smtClean="0">
+                <a:solidFill>
+                  <a:schemeClr val="tx1">
+                    <a:lumMod val="85000"/>
+                    <a:lumOff val="15000"/>
+                  </a:schemeClr>
+                </a:solidFill>
+              </a:rPr>
+              <a:t>강남 </a:t>
+            </a:r>
+            <a:r>
+              <a:rPr lang="en-US" altLang="ko-KR" sz="1500" b="1" dirty="0" smtClean="0">
+                <a:solidFill>
+                  <a:schemeClr val="tx1">
+                    <a:lumMod val="85000"/>
+                    <a:lumOff val="15000"/>
+                  </a:schemeClr>
+                </a:solidFill>
+              </a:rPr>
+              <a:t>1 </a:t>
+            </a:r>
+            <a:r>
+              <a:rPr lang="ko-KR" altLang="en-US" sz="1500" b="1" dirty="0" smtClean="0">
+                <a:solidFill>
+                  <a:schemeClr val="tx1">
+                    <a:lumMod val="85000"/>
+                    <a:lumOff val="15000"/>
+                  </a:schemeClr>
+                </a:solidFill>
+              </a:rPr>
+              <a:t>강의실</a:t>
+            </a:r>
+            <a:endParaRPr lang="ko-KR" altLang="en-US" sz="1500" b="1" dirty="0">
+              <a:solidFill>
+                <a:schemeClr val="tx1">
+                  <a:lumMod val="85000"/>
+                  <a:lumOff val="15000"/>
+                </a:schemeClr>
+              </a:solidFill>
+            </a:endParaRPr>
+          </a:p>
+        </p:txBody>
+      </p:sp>
+      <p:sp>
+        <p:nvSpPr>
+          <p:cNvPr id="58" name="TextBox 57"/>
+          <p:cNvSpPr txBox="1"/>
+          <p:nvPr/>
+        </p:nvSpPr>
+        <p:spPr>
+          <a:xfrm>
+            <a:off x="7239000" y="3459876"/>
+            <a:ext cx="1489638" cy="323165"/>
+          </a:xfrm>
+          <a:prstGeom prst="rect">
+            <a:avLst/>
+          </a:prstGeom>
+          <a:noFill/>
+        </p:spPr>
+        <p:txBody>
+          <a:bodyPr wrap="square" rtlCol="0">
+            <a:spAutoFit/>
+          </a:bodyPr>
+          <a:lstStyle/>
+          <a:p>
+            <a:pPr algn="ctr"/>
+            <a:r>
+              <a:rPr lang="ko-KR" altLang="en-US" sz="1500" b="1" dirty="0" smtClean="0">
+                <a:solidFill>
+                  <a:schemeClr val="tx1">
+                    <a:lumMod val="85000"/>
+                    <a:lumOff val="15000"/>
+                  </a:schemeClr>
+                </a:solidFill>
+              </a:rPr>
+              <a:t>상봉 </a:t>
+            </a:r>
+            <a:r>
+              <a:rPr lang="en-US" altLang="ko-KR" sz="1500" b="1" dirty="0">
+                <a:solidFill>
+                  <a:schemeClr val="tx1">
+                    <a:lumMod val="85000"/>
+                    <a:lumOff val="15000"/>
+                  </a:schemeClr>
+                </a:solidFill>
+              </a:rPr>
+              <a:t>2</a:t>
+            </a:r>
+            <a:r>
+              <a:rPr lang="en-US" altLang="ko-KR" sz="1500" b="1" dirty="0" smtClean="0">
+                <a:solidFill>
+                  <a:schemeClr val="tx1">
+                    <a:lumMod val="85000"/>
+                    <a:lumOff val="15000"/>
+                  </a:schemeClr>
+                </a:solidFill>
+              </a:rPr>
+              <a:t> </a:t>
+            </a:r>
+            <a:r>
+              <a:rPr lang="ko-KR" altLang="en-US" sz="1500" b="1" dirty="0" smtClean="0">
+                <a:solidFill>
+                  <a:schemeClr val="tx1">
+                    <a:lumMod val="85000"/>
+                    <a:lumOff val="15000"/>
+                  </a:schemeClr>
+                </a:solidFill>
+              </a:rPr>
+              <a:t>강의실</a:t>
+            </a:r>
+            <a:endParaRPr lang="ko-KR" altLang="en-US" sz="1500" b="1" dirty="0">
+              <a:solidFill>
+                <a:schemeClr val="tx1">
+                  <a:lumMod val="85000"/>
+                  <a:lumOff val="15000"/>
+                </a:schemeClr>
+              </a:solidFill>
+            </a:endParaRPr>
+          </a:p>
+        </p:txBody>
+      </p:sp>
+      <p:sp>
+        <p:nvSpPr>
+          <p:cNvPr id="59" name="TextBox 58"/>
+          <p:cNvSpPr txBox="1"/>
+          <p:nvPr/>
+        </p:nvSpPr>
+        <p:spPr>
+          <a:xfrm>
+            <a:off x="7239000" y="3890678"/>
+            <a:ext cx="1489638" cy="323165"/>
+          </a:xfrm>
+          <a:prstGeom prst="rect">
+            <a:avLst/>
+          </a:prstGeom>
+          <a:noFill/>
+        </p:spPr>
+        <p:txBody>
+          <a:bodyPr wrap="square" rtlCol="0">
+            <a:spAutoFit/>
+          </a:bodyPr>
+          <a:lstStyle/>
+          <a:p>
+            <a:pPr algn="ctr"/>
+            <a:r>
+              <a:rPr lang="ko-KR" altLang="en-US" sz="1500" b="1" dirty="0" smtClean="0">
+                <a:solidFill>
+                  <a:schemeClr val="tx1">
+                    <a:lumMod val="85000"/>
+                    <a:lumOff val="15000"/>
+                  </a:schemeClr>
+                </a:solidFill>
+              </a:rPr>
+              <a:t>노원 </a:t>
+            </a:r>
+            <a:r>
+              <a:rPr lang="en-US" altLang="ko-KR" sz="1500" b="1" dirty="0">
+                <a:solidFill>
+                  <a:schemeClr val="tx1">
+                    <a:lumMod val="85000"/>
+                    <a:lumOff val="15000"/>
+                  </a:schemeClr>
+                </a:solidFill>
+              </a:rPr>
+              <a:t>3</a:t>
+            </a:r>
+            <a:r>
+              <a:rPr lang="en-US" altLang="ko-KR" sz="1500" b="1" dirty="0" smtClean="0">
+                <a:solidFill>
+                  <a:schemeClr val="tx1">
+                    <a:lumMod val="85000"/>
+                    <a:lumOff val="15000"/>
+                  </a:schemeClr>
+                </a:solidFill>
+              </a:rPr>
+              <a:t> </a:t>
+            </a:r>
+            <a:r>
+              <a:rPr lang="ko-KR" altLang="en-US" sz="1500" b="1" dirty="0" smtClean="0">
+                <a:solidFill>
+                  <a:schemeClr val="tx1">
+                    <a:lumMod val="85000"/>
+                    <a:lumOff val="15000"/>
+                  </a:schemeClr>
+                </a:solidFill>
+              </a:rPr>
+              <a:t>강의실</a:t>
+            </a:r>
+            <a:endParaRPr lang="ko-KR" altLang="en-US" sz="1500" b="1" dirty="0">
+              <a:solidFill>
+                <a:schemeClr val="tx1">
+                  <a:lumMod val="85000"/>
+                  <a:lumOff val="15000"/>
+                </a:schemeClr>
+              </a:solidFill>
+            </a:endParaRPr>
+          </a:p>
+        </p:txBody>
+      </p:sp>
+      <p:sp>
+        <p:nvSpPr>
+          <p:cNvPr id="60" name="TextBox 59"/>
+          <p:cNvSpPr txBox="1"/>
+          <p:nvPr/>
+        </p:nvSpPr>
+        <p:spPr>
+          <a:xfrm>
+            <a:off x="9601200" y="2998265"/>
+            <a:ext cx="1489638" cy="323165"/>
+          </a:xfrm>
+          <a:prstGeom prst="rect">
+            <a:avLst/>
+          </a:prstGeom>
+          <a:noFill/>
+        </p:spPr>
+        <p:txBody>
+          <a:bodyPr wrap="square" rtlCol="0">
+            <a:spAutoFit/>
+          </a:bodyPr>
+          <a:lstStyle/>
+          <a:p>
+            <a:pPr algn="ctr"/>
+            <a:r>
+              <a:rPr lang="ko-KR" altLang="en-US" sz="1500" b="1" dirty="0" smtClean="0">
+                <a:solidFill>
+                  <a:schemeClr val="tx1">
+                    <a:lumMod val="85000"/>
+                    <a:lumOff val="15000"/>
+                  </a:schemeClr>
+                </a:solidFill>
+              </a:rPr>
+              <a:t>장동진</a:t>
+            </a:r>
+            <a:endParaRPr lang="ko-KR" altLang="en-US" sz="1500" b="1" dirty="0">
+              <a:solidFill>
+                <a:schemeClr val="tx1">
+                  <a:lumMod val="85000"/>
+                  <a:lumOff val="15000"/>
+                </a:schemeClr>
+              </a:solidFill>
+            </a:endParaRPr>
+          </a:p>
+        </p:txBody>
+      </p:sp>
+      <p:sp>
+        <p:nvSpPr>
+          <p:cNvPr id="61" name="TextBox 60"/>
+          <p:cNvSpPr txBox="1"/>
+          <p:nvPr/>
+        </p:nvSpPr>
+        <p:spPr>
+          <a:xfrm>
+            <a:off x="9601200" y="3455465"/>
+            <a:ext cx="1489638" cy="323165"/>
+          </a:xfrm>
+          <a:prstGeom prst="rect">
+            <a:avLst/>
+          </a:prstGeom>
+          <a:noFill/>
+        </p:spPr>
+        <p:txBody>
+          <a:bodyPr wrap="square" rtlCol="0">
+            <a:spAutoFit/>
+          </a:bodyPr>
+          <a:lstStyle/>
+          <a:p>
+            <a:pPr algn="ctr"/>
+            <a:r>
+              <a:rPr lang="ko-KR" altLang="en-US" sz="1500" b="1" dirty="0" smtClean="0">
+                <a:solidFill>
+                  <a:schemeClr val="tx1">
+                    <a:lumMod val="85000"/>
+                    <a:lumOff val="15000"/>
+                  </a:schemeClr>
+                </a:solidFill>
+              </a:rPr>
+              <a:t>이상화</a:t>
+            </a:r>
+            <a:endParaRPr lang="ko-KR" altLang="en-US" sz="1500" b="1" dirty="0">
+              <a:solidFill>
+                <a:schemeClr val="tx1">
+                  <a:lumMod val="85000"/>
+                  <a:lumOff val="15000"/>
+                </a:schemeClr>
+              </a:solidFill>
+            </a:endParaRPr>
+          </a:p>
+        </p:txBody>
+      </p:sp>
+      <p:sp>
+        <p:nvSpPr>
+          <p:cNvPr id="62" name="TextBox 61"/>
+          <p:cNvSpPr txBox="1"/>
+          <p:nvPr/>
+        </p:nvSpPr>
+        <p:spPr>
+          <a:xfrm>
+            <a:off x="9601200" y="3888502"/>
+            <a:ext cx="1489638" cy="323165"/>
+          </a:xfrm>
+          <a:prstGeom prst="rect">
+            <a:avLst/>
+          </a:prstGeom>
+          <a:noFill/>
+        </p:spPr>
+        <p:txBody>
+          <a:bodyPr wrap="square" rtlCol="0">
+            <a:spAutoFit/>
+          </a:bodyPr>
+          <a:lstStyle/>
+          <a:p>
+            <a:pPr algn="ctr"/>
+            <a:r>
+              <a:rPr lang="ko-KR" altLang="en-US" sz="1500" b="1" dirty="0" smtClean="0">
+                <a:solidFill>
+                  <a:schemeClr val="tx1">
+                    <a:lumMod val="85000"/>
+                    <a:lumOff val="15000"/>
+                  </a:schemeClr>
+                </a:solidFill>
+              </a:rPr>
+              <a:t>엄성용</a:t>
+            </a:r>
+            <a:endParaRPr lang="ko-KR" altLang="en-US" sz="1500" b="1" dirty="0">
+              <a:solidFill>
+                <a:schemeClr val="tx1">
+                  <a:lumMod val="85000"/>
+                  <a:lumOff val="15000"/>
+                </a:schemeClr>
+              </a:solidFill>
+            </a:endParaRPr>
+          </a:p>
+        </p:txBody>
+      </p:sp>
+      <p:pic>
+        <p:nvPicPr>
+          <p:cNvPr id="73" name="그림 72"/>
           <p:cNvPicPr>
             <a:picLocks noChangeAspect="1"/>
           </p:cNvPicPr>
@@ -13269,756 +15836,6 @@
           </a:stretch>
         </p:blipFill>
         <p:spPr>
-          <a:xfrm>
-            <a:off x="7450397" y="2485972"/>
-            <a:ext cx="1151965" cy="323981"/>
-          </a:xfrm>
-          <a:prstGeom prst="rect">
-            <a:avLst/>
-          </a:prstGeom>
-        </p:spPr>
-      </p:pic>
-      <p:pic>
-        <p:nvPicPr>
-          <p:cNvPr id="43" name="그림 42"/>
-          <p:cNvPicPr>
-            <a:picLocks noChangeAspect="1"/>
-          </p:cNvPicPr>
-          <p:nvPr/>
-        </p:nvPicPr>
-        <p:blipFill>
-          <a:blip r:embed="rId15">
-            <a:extLst>
-              <a:ext uri="{28A0092B-C50C-407E-A947-70E740481C1C}">
-                <a14:useLocalDpi xmlns:a14="http://schemas.microsoft.com/office/drawing/2010/main" val="0"/>
-              </a:ext>
-            </a:extLst>
-          </a:blip>
-          <a:stretch>
-            <a:fillRect/>
-          </a:stretch>
-        </p:blipFill>
-        <p:spPr>
-          <a:xfrm>
-            <a:off x="1879934" y="2509272"/>
-            <a:ext cx="775115" cy="323981"/>
-          </a:xfrm>
-          <a:prstGeom prst="rect">
-            <a:avLst/>
-          </a:prstGeom>
-        </p:spPr>
-      </p:pic>
-      <p:pic>
-        <p:nvPicPr>
-          <p:cNvPr id="44" name="그림 43"/>
-          <p:cNvPicPr>
-            <a:picLocks noChangeAspect="1"/>
-          </p:cNvPicPr>
-          <p:nvPr/>
-        </p:nvPicPr>
-        <p:blipFill>
-          <a:blip r:embed="rId15">
-            <a:extLst>
-              <a:ext uri="{28A0092B-C50C-407E-A947-70E740481C1C}">
-                <a14:useLocalDpi xmlns:a14="http://schemas.microsoft.com/office/drawing/2010/main" val="0"/>
-              </a:ext>
-            </a:extLst>
-          </a:blip>
-          <a:stretch>
-            <a:fillRect/>
-          </a:stretch>
-        </p:blipFill>
-        <p:spPr>
-          <a:xfrm>
-            <a:off x="3083437" y="2554278"/>
-            <a:ext cx="1151965" cy="323981"/>
-          </a:xfrm>
-          <a:prstGeom prst="rect">
-            <a:avLst/>
-          </a:prstGeom>
-        </p:spPr>
-      </p:pic>
-      <p:pic>
-        <p:nvPicPr>
-          <p:cNvPr id="45" name="그림 44"/>
-          <p:cNvPicPr>
-            <a:picLocks noChangeAspect="1"/>
-          </p:cNvPicPr>
-          <p:nvPr/>
-        </p:nvPicPr>
-        <p:blipFill>
-          <a:blip r:embed="rId15">
-            <a:extLst>
-              <a:ext uri="{28A0092B-C50C-407E-A947-70E740481C1C}">
-                <a14:useLocalDpi xmlns:a14="http://schemas.microsoft.com/office/drawing/2010/main" val="0"/>
-              </a:ext>
-            </a:extLst>
-          </a:blip>
-          <a:stretch>
-            <a:fillRect/>
-          </a:stretch>
-        </p:blipFill>
-        <p:spPr>
-          <a:xfrm>
-            <a:off x="9696640" y="2545239"/>
-            <a:ext cx="1151965" cy="323981"/>
-          </a:xfrm>
-          <a:prstGeom prst="rect">
-            <a:avLst/>
-          </a:prstGeom>
-        </p:spPr>
-      </p:pic>
-      <p:pic>
-        <p:nvPicPr>
-          <p:cNvPr id="46" name="그림 45"/>
-          <p:cNvPicPr>
-            <a:picLocks noChangeAspect="1"/>
-          </p:cNvPicPr>
-          <p:nvPr/>
-        </p:nvPicPr>
-        <p:blipFill>
-          <a:blip r:embed="rId15">
-            <a:extLst>
-              <a:ext uri="{28A0092B-C50C-407E-A947-70E740481C1C}">
-                <a14:useLocalDpi xmlns:a14="http://schemas.microsoft.com/office/drawing/2010/main" val="0"/>
-              </a:ext>
-            </a:extLst>
-          </a:blip>
-          <a:stretch>
-            <a:fillRect/>
-          </a:stretch>
-        </p:blipFill>
-        <p:spPr>
-          <a:xfrm>
-            <a:off x="11678062" y="2525496"/>
-            <a:ext cx="775115" cy="323981"/>
-          </a:xfrm>
-          <a:prstGeom prst="rect">
-            <a:avLst/>
-          </a:prstGeom>
-        </p:spPr>
-      </p:pic>
-      <p:sp>
-        <p:nvSpPr>
-          <p:cNvPr id="6" name="TextBox 5"/>
-          <p:cNvSpPr txBox="1"/>
-          <p:nvPr/>
-        </p:nvSpPr>
-        <p:spPr>
-          <a:xfrm>
-            <a:off x="1916952" y="2523043"/>
-            <a:ext cx="826248" cy="323165"/>
-          </a:xfrm>
-          <a:prstGeom prst="rect">
-            <a:avLst/>
-          </a:prstGeom>
-          <a:noFill/>
-        </p:spPr>
-        <p:txBody>
-          <a:bodyPr wrap="square" rtlCol="0">
-            <a:spAutoFit/>
-          </a:bodyPr>
-          <a:lstStyle/>
-          <a:p>
-            <a:pPr algn="ctr"/>
-            <a:r>
-              <a:rPr lang="ko-KR" altLang="en-US" sz="1500" b="1" dirty="0" smtClean="0"/>
-              <a:t>순번</a:t>
-            </a:r>
-            <a:endParaRPr lang="ko-KR" altLang="en-US" sz="1500" b="1" dirty="0"/>
-          </a:p>
-        </p:txBody>
-      </p:sp>
-      <p:sp>
-        <p:nvSpPr>
-          <p:cNvPr id="48" name="TextBox 47"/>
-          <p:cNvSpPr txBox="1"/>
-          <p:nvPr/>
-        </p:nvSpPr>
-        <p:spPr>
-          <a:xfrm>
-            <a:off x="2745764" y="2533512"/>
-            <a:ext cx="1489638" cy="323165"/>
-          </a:xfrm>
-          <a:prstGeom prst="rect">
-            <a:avLst/>
-          </a:prstGeom>
-          <a:noFill/>
-        </p:spPr>
-        <p:txBody>
-          <a:bodyPr wrap="square" rtlCol="0">
-            <a:spAutoFit/>
-          </a:bodyPr>
-          <a:lstStyle/>
-          <a:p>
-            <a:pPr algn="ctr"/>
-            <a:r>
-              <a:rPr lang="ko-KR" altLang="en-US" sz="1500" b="1" dirty="0" smtClean="0"/>
-              <a:t>예약일자</a:t>
-            </a:r>
-            <a:endParaRPr lang="ko-KR" altLang="en-US" sz="1500" b="1" dirty="0"/>
-          </a:p>
-        </p:txBody>
-      </p:sp>
-      <p:sp>
-        <p:nvSpPr>
-          <p:cNvPr id="49" name="TextBox 48"/>
-          <p:cNvSpPr txBox="1"/>
-          <p:nvPr/>
-        </p:nvSpPr>
-        <p:spPr>
-          <a:xfrm>
-            <a:off x="4533813" y="2531357"/>
-            <a:ext cx="1489638" cy="323165"/>
-          </a:xfrm>
-          <a:prstGeom prst="rect">
-            <a:avLst/>
-          </a:prstGeom>
-          <a:noFill/>
-        </p:spPr>
-        <p:txBody>
-          <a:bodyPr wrap="square" rtlCol="0">
-            <a:spAutoFit/>
-          </a:bodyPr>
-          <a:lstStyle/>
-          <a:p>
-            <a:pPr algn="ctr"/>
-            <a:r>
-              <a:rPr lang="ko-KR" altLang="en-US" sz="1500" b="1" dirty="0" smtClean="0">
-                <a:solidFill>
-                  <a:schemeClr val="tx1">
-                    <a:lumMod val="85000"/>
-                    <a:lumOff val="15000"/>
-                  </a:schemeClr>
-                </a:solidFill>
-              </a:rPr>
-              <a:t>이용시간</a:t>
-            </a:r>
-            <a:endParaRPr lang="ko-KR" altLang="en-US" sz="1500" b="1" dirty="0">
-              <a:solidFill>
-                <a:schemeClr val="tx1">
-                  <a:lumMod val="85000"/>
-                  <a:lumOff val="15000"/>
-                </a:schemeClr>
-              </a:solidFill>
-            </a:endParaRPr>
-          </a:p>
-        </p:txBody>
-      </p:sp>
-      <p:sp>
-        <p:nvSpPr>
-          <p:cNvPr id="50" name="TextBox 49"/>
-          <p:cNvSpPr txBox="1"/>
-          <p:nvPr/>
-        </p:nvSpPr>
-        <p:spPr>
-          <a:xfrm>
-            <a:off x="7226954" y="2532927"/>
-            <a:ext cx="1489638" cy="323165"/>
-          </a:xfrm>
-          <a:prstGeom prst="rect">
-            <a:avLst/>
-          </a:prstGeom>
-          <a:noFill/>
-        </p:spPr>
-        <p:txBody>
-          <a:bodyPr wrap="square" rtlCol="0">
-            <a:spAutoFit/>
-          </a:bodyPr>
-          <a:lstStyle/>
-          <a:p>
-            <a:pPr algn="ctr"/>
-            <a:r>
-              <a:rPr lang="ko-KR" altLang="en-US" sz="1500" b="1" dirty="0" smtClean="0">
-                <a:solidFill>
-                  <a:schemeClr val="tx1">
-                    <a:lumMod val="85000"/>
-                    <a:lumOff val="15000"/>
-                  </a:schemeClr>
-                </a:solidFill>
-              </a:rPr>
-              <a:t>회의실정보</a:t>
-            </a:r>
-            <a:endParaRPr lang="ko-KR" altLang="en-US" sz="1500" b="1" dirty="0">
-              <a:solidFill>
-                <a:schemeClr val="tx1">
-                  <a:lumMod val="85000"/>
-                  <a:lumOff val="15000"/>
-                </a:schemeClr>
-              </a:solidFill>
-            </a:endParaRPr>
-          </a:p>
-        </p:txBody>
-      </p:sp>
-      <p:sp>
-        <p:nvSpPr>
-          <p:cNvPr id="51" name="TextBox 50"/>
-          <p:cNvSpPr txBox="1"/>
-          <p:nvPr/>
-        </p:nvSpPr>
-        <p:spPr>
-          <a:xfrm>
-            <a:off x="9614586" y="2525928"/>
-            <a:ext cx="1489638" cy="323165"/>
-          </a:xfrm>
-          <a:prstGeom prst="rect">
-            <a:avLst/>
-          </a:prstGeom>
-          <a:noFill/>
-        </p:spPr>
-        <p:txBody>
-          <a:bodyPr wrap="square" rtlCol="0">
-            <a:spAutoFit/>
-          </a:bodyPr>
-          <a:lstStyle/>
-          <a:p>
-            <a:pPr algn="ctr"/>
-            <a:r>
-              <a:rPr lang="ko-KR" altLang="en-US" sz="1500" b="1" dirty="0" smtClean="0">
-                <a:solidFill>
-                  <a:schemeClr val="tx1">
-                    <a:lumMod val="85000"/>
-                    <a:lumOff val="15000"/>
-                  </a:schemeClr>
-                </a:solidFill>
-              </a:rPr>
-              <a:t>예약자</a:t>
-            </a:r>
-            <a:endParaRPr lang="ko-KR" altLang="en-US" sz="1500" b="1" dirty="0">
-              <a:solidFill>
-                <a:schemeClr val="tx1">
-                  <a:lumMod val="85000"/>
-                  <a:lumOff val="15000"/>
-                </a:schemeClr>
-              </a:solidFill>
-            </a:endParaRPr>
-          </a:p>
-        </p:txBody>
-      </p:sp>
-      <p:sp>
-        <p:nvSpPr>
-          <p:cNvPr id="55" name="TextBox 54"/>
-          <p:cNvSpPr txBox="1"/>
-          <p:nvPr/>
-        </p:nvSpPr>
-        <p:spPr>
-          <a:xfrm>
-            <a:off x="11272510" y="2525928"/>
-            <a:ext cx="1489638" cy="323165"/>
-          </a:xfrm>
-          <a:prstGeom prst="rect">
-            <a:avLst/>
-          </a:prstGeom>
-          <a:noFill/>
-        </p:spPr>
-        <p:txBody>
-          <a:bodyPr wrap="square" rtlCol="0">
-            <a:spAutoFit/>
-          </a:bodyPr>
-          <a:lstStyle/>
-          <a:p>
-            <a:pPr algn="ctr"/>
-            <a:r>
-              <a:rPr lang="ko-KR" altLang="en-US" sz="1500" b="1" dirty="0" smtClean="0">
-                <a:solidFill>
-                  <a:schemeClr val="tx1">
-                    <a:lumMod val="85000"/>
-                    <a:lumOff val="15000"/>
-                  </a:schemeClr>
-                </a:solidFill>
-              </a:rPr>
-              <a:t>소속</a:t>
-            </a:r>
-            <a:endParaRPr lang="ko-KR" altLang="en-US" sz="1500" b="1" dirty="0">
-              <a:solidFill>
-                <a:schemeClr val="tx1">
-                  <a:lumMod val="85000"/>
-                  <a:lumOff val="15000"/>
-                </a:schemeClr>
-              </a:solidFill>
-            </a:endParaRPr>
-          </a:p>
-        </p:txBody>
-      </p:sp>
-      <p:sp>
-        <p:nvSpPr>
-          <p:cNvPr id="56" name="TextBox 55"/>
-          <p:cNvSpPr txBox="1"/>
-          <p:nvPr/>
-        </p:nvSpPr>
-        <p:spPr>
-          <a:xfrm>
-            <a:off x="7239000" y="2991535"/>
-            <a:ext cx="1489638" cy="323165"/>
-          </a:xfrm>
-          <a:prstGeom prst="rect">
-            <a:avLst/>
-          </a:prstGeom>
-          <a:noFill/>
-        </p:spPr>
-        <p:txBody>
-          <a:bodyPr wrap="square" rtlCol="0">
-            <a:spAutoFit/>
-          </a:bodyPr>
-          <a:lstStyle/>
-          <a:p>
-            <a:pPr algn="ctr"/>
-            <a:r>
-              <a:rPr lang="ko-KR" altLang="en-US" sz="1500" b="1" dirty="0" smtClean="0">
-                <a:solidFill>
-                  <a:schemeClr val="tx1">
-                    <a:lumMod val="85000"/>
-                    <a:lumOff val="15000"/>
-                  </a:schemeClr>
-                </a:solidFill>
-              </a:rPr>
-              <a:t>강남 </a:t>
-            </a:r>
-            <a:r>
-              <a:rPr lang="en-US" altLang="ko-KR" sz="1500" b="1" dirty="0" smtClean="0">
-                <a:solidFill>
-                  <a:schemeClr val="tx1">
-                    <a:lumMod val="85000"/>
-                    <a:lumOff val="15000"/>
-                  </a:schemeClr>
-                </a:solidFill>
-              </a:rPr>
-              <a:t>1 </a:t>
-            </a:r>
-            <a:r>
-              <a:rPr lang="ko-KR" altLang="en-US" sz="1500" b="1" dirty="0" smtClean="0">
-                <a:solidFill>
-                  <a:schemeClr val="tx1">
-                    <a:lumMod val="85000"/>
-                    <a:lumOff val="15000"/>
-                  </a:schemeClr>
-                </a:solidFill>
-              </a:rPr>
-              <a:t>강의실</a:t>
-            </a:r>
-            <a:endParaRPr lang="ko-KR" altLang="en-US" sz="1500" b="1" dirty="0">
-              <a:solidFill>
-                <a:schemeClr val="tx1">
-                  <a:lumMod val="85000"/>
-                  <a:lumOff val="15000"/>
-                </a:schemeClr>
-              </a:solidFill>
-            </a:endParaRPr>
-          </a:p>
-        </p:txBody>
-      </p:sp>
-      <p:sp>
-        <p:nvSpPr>
-          <p:cNvPr id="58" name="TextBox 57"/>
-          <p:cNvSpPr txBox="1"/>
-          <p:nvPr/>
-        </p:nvSpPr>
-        <p:spPr>
-          <a:xfrm>
-            <a:off x="7239000" y="3459876"/>
-            <a:ext cx="1489638" cy="323165"/>
-          </a:xfrm>
-          <a:prstGeom prst="rect">
-            <a:avLst/>
-          </a:prstGeom>
-          <a:noFill/>
-        </p:spPr>
-        <p:txBody>
-          <a:bodyPr wrap="square" rtlCol="0">
-            <a:spAutoFit/>
-          </a:bodyPr>
-          <a:lstStyle/>
-          <a:p>
-            <a:pPr algn="ctr"/>
-            <a:r>
-              <a:rPr lang="ko-KR" altLang="en-US" sz="1500" b="1" dirty="0" smtClean="0">
-                <a:solidFill>
-                  <a:schemeClr val="tx1">
-                    <a:lumMod val="85000"/>
-                    <a:lumOff val="15000"/>
-                  </a:schemeClr>
-                </a:solidFill>
-              </a:rPr>
-              <a:t>상봉 </a:t>
-            </a:r>
-            <a:r>
-              <a:rPr lang="en-US" altLang="ko-KR" sz="1500" b="1" dirty="0">
-                <a:solidFill>
-                  <a:schemeClr val="tx1">
-                    <a:lumMod val="85000"/>
-                    <a:lumOff val="15000"/>
-                  </a:schemeClr>
-                </a:solidFill>
-              </a:rPr>
-              <a:t>2</a:t>
-            </a:r>
-            <a:r>
-              <a:rPr lang="en-US" altLang="ko-KR" sz="1500" b="1" dirty="0" smtClean="0">
-                <a:solidFill>
-                  <a:schemeClr val="tx1">
-                    <a:lumMod val="85000"/>
-                    <a:lumOff val="15000"/>
-                  </a:schemeClr>
-                </a:solidFill>
-              </a:rPr>
-              <a:t> </a:t>
-            </a:r>
-            <a:r>
-              <a:rPr lang="ko-KR" altLang="en-US" sz="1500" b="1" dirty="0" smtClean="0">
-                <a:solidFill>
-                  <a:schemeClr val="tx1">
-                    <a:lumMod val="85000"/>
-                    <a:lumOff val="15000"/>
-                  </a:schemeClr>
-                </a:solidFill>
-              </a:rPr>
-              <a:t>강의실</a:t>
-            </a:r>
-            <a:endParaRPr lang="ko-KR" altLang="en-US" sz="1500" b="1" dirty="0">
-              <a:solidFill>
-                <a:schemeClr val="tx1">
-                  <a:lumMod val="85000"/>
-                  <a:lumOff val="15000"/>
-                </a:schemeClr>
-              </a:solidFill>
-            </a:endParaRPr>
-          </a:p>
-        </p:txBody>
-      </p:sp>
-      <p:sp>
-        <p:nvSpPr>
-          <p:cNvPr id="59" name="TextBox 58"/>
-          <p:cNvSpPr txBox="1"/>
-          <p:nvPr/>
-        </p:nvSpPr>
-        <p:spPr>
-          <a:xfrm>
-            <a:off x="7239000" y="3890678"/>
-            <a:ext cx="1489638" cy="323165"/>
-          </a:xfrm>
-          <a:prstGeom prst="rect">
-            <a:avLst/>
-          </a:prstGeom>
-          <a:noFill/>
-        </p:spPr>
-        <p:txBody>
-          <a:bodyPr wrap="square" rtlCol="0">
-            <a:spAutoFit/>
-          </a:bodyPr>
-          <a:lstStyle/>
-          <a:p>
-            <a:pPr algn="ctr"/>
-            <a:r>
-              <a:rPr lang="ko-KR" altLang="en-US" sz="1500" b="1" dirty="0" smtClean="0">
-                <a:solidFill>
-                  <a:schemeClr val="tx1">
-                    <a:lumMod val="85000"/>
-                    <a:lumOff val="15000"/>
-                  </a:schemeClr>
-                </a:solidFill>
-              </a:rPr>
-              <a:t>노원 </a:t>
-            </a:r>
-            <a:r>
-              <a:rPr lang="en-US" altLang="ko-KR" sz="1500" b="1" dirty="0">
-                <a:solidFill>
-                  <a:schemeClr val="tx1">
-                    <a:lumMod val="85000"/>
-                    <a:lumOff val="15000"/>
-                  </a:schemeClr>
-                </a:solidFill>
-              </a:rPr>
-              <a:t>3</a:t>
-            </a:r>
-            <a:r>
-              <a:rPr lang="en-US" altLang="ko-KR" sz="1500" b="1" dirty="0" smtClean="0">
-                <a:solidFill>
-                  <a:schemeClr val="tx1">
-                    <a:lumMod val="85000"/>
-                    <a:lumOff val="15000"/>
-                  </a:schemeClr>
-                </a:solidFill>
-              </a:rPr>
-              <a:t> </a:t>
-            </a:r>
-            <a:r>
-              <a:rPr lang="ko-KR" altLang="en-US" sz="1500" b="1" dirty="0" smtClean="0">
-                <a:solidFill>
-                  <a:schemeClr val="tx1">
-                    <a:lumMod val="85000"/>
-                    <a:lumOff val="15000"/>
-                  </a:schemeClr>
-                </a:solidFill>
-              </a:rPr>
-              <a:t>강의실</a:t>
-            </a:r>
-            <a:endParaRPr lang="ko-KR" altLang="en-US" sz="1500" b="1" dirty="0">
-              <a:solidFill>
-                <a:schemeClr val="tx1">
-                  <a:lumMod val="85000"/>
-                  <a:lumOff val="15000"/>
-                </a:schemeClr>
-              </a:solidFill>
-            </a:endParaRPr>
-          </a:p>
-        </p:txBody>
-      </p:sp>
-      <p:sp>
-        <p:nvSpPr>
-          <p:cNvPr id="60" name="TextBox 59"/>
-          <p:cNvSpPr txBox="1"/>
-          <p:nvPr/>
-        </p:nvSpPr>
-        <p:spPr>
-          <a:xfrm>
-            <a:off x="9601200" y="2998265"/>
-            <a:ext cx="1489638" cy="323165"/>
-          </a:xfrm>
-          <a:prstGeom prst="rect">
-            <a:avLst/>
-          </a:prstGeom>
-          <a:noFill/>
-        </p:spPr>
-        <p:txBody>
-          <a:bodyPr wrap="square" rtlCol="0">
-            <a:spAutoFit/>
-          </a:bodyPr>
-          <a:lstStyle/>
-          <a:p>
-            <a:pPr algn="ctr"/>
-            <a:r>
-              <a:rPr lang="ko-KR" altLang="en-US" sz="1500" b="1" dirty="0" smtClean="0">
-                <a:solidFill>
-                  <a:schemeClr val="tx1">
-                    <a:lumMod val="85000"/>
-                    <a:lumOff val="15000"/>
-                  </a:schemeClr>
-                </a:solidFill>
-              </a:rPr>
-              <a:t>장동진</a:t>
-            </a:r>
-            <a:endParaRPr lang="ko-KR" altLang="en-US" sz="1500" b="1" dirty="0">
-              <a:solidFill>
-                <a:schemeClr val="tx1">
-                  <a:lumMod val="85000"/>
-                  <a:lumOff val="15000"/>
-                </a:schemeClr>
-              </a:solidFill>
-            </a:endParaRPr>
-          </a:p>
-        </p:txBody>
-      </p:sp>
-      <p:sp>
-        <p:nvSpPr>
-          <p:cNvPr id="61" name="TextBox 60"/>
-          <p:cNvSpPr txBox="1"/>
-          <p:nvPr/>
-        </p:nvSpPr>
-        <p:spPr>
-          <a:xfrm>
-            <a:off x="9601200" y="3455465"/>
-            <a:ext cx="1489638" cy="323165"/>
-          </a:xfrm>
-          <a:prstGeom prst="rect">
-            <a:avLst/>
-          </a:prstGeom>
-          <a:noFill/>
-        </p:spPr>
-        <p:txBody>
-          <a:bodyPr wrap="square" rtlCol="0">
-            <a:spAutoFit/>
-          </a:bodyPr>
-          <a:lstStyle/>
-          <a:p>
-            <a:pPr algn="ctr"/>
-            <a:r>
-              <a:rPr lang="ko-KR" altLang="en-US" sz="1500" b="1" dirty="0" smtClean="0">
-                <a:solidFill>
-                  <a:schemeClr val="tx1">
-                    <a:lumMod val="85000"/>
-                    <a:lumOff val="15000"/>
-                  </a:schemeClr>
-                </a:solidFill>
-              </a:rPr>
-              <a:t>이상화</a:t>
-            </a:r>
-            <a:endParaRPr lang="ko-KR" altLang="en-US" sz="1500" b="1" dirty="0">
-              <a:solidFill>
-                <a:schemeClr val="tx1">
-                  <a:lumMod val="85000"/>
-                  <a:lumOff val="15000"/>
-                </a:schemeClr>
-              </a:solidFill>
-            </a:endParaRPr>
-          </a:p>
-        </p:txBody>
-      </p:sp>
-      <p:sp>
-        <p:nvSpPr>
-          <p:cNvPr id="62" name="TextBox 61"/>
-          <p:cNvSpPr txBox="1"/>
-          <p:nvPr/>
-        </p:nvSpPr>
-        <p:spPr>
-          <a:xfrm>
-            <a:off x="9601200" y="3888502"/>
-            <a:ext cx="1489638" cy="323165"/>
-          </a:xfrm>
-          <a:prstGeom prst="rect">
-            <a:avLst/>
-          </a:prstGeom>
-          <a:noFill/>
-        </p:spPr>
-        <p:txBody>
-          <a:bodyPr wrap="square" rtlCol="0">
-            <a:spAutoFit/>
-          </a:bodyPr>
-          <a:lstStyle/>
-          <a:p>
-            <a:pPr algn="ctr"/>
-            <a:r>
-              <a:rPr lang="ko-KR" altLang="en-US" sz="1500" b="1" dirty="0" smtClean="0">
-                <a:solidFill>
-                  <a:schemeClr val="tx1">
-                    <a:lumMod val="85000"/>
-                    <a:lumOff val="15000"/>
-                  </a:schemeClr>
-                </a:solidFill>
-              </a:rPr>
-              <a:t>엄성용</a:t>
-            </a:r>
-            <a:endParaRPr lang="ko-KR" altLang="en-US" sz="1500" b="1" dirty="0">
-              <a:solidFill>
-                <a:schemeClr val="tx1">
-                  <a:lumMod val="85000"/>
-                  <a:lumOff val="15000"/>
-                </a:schemeClr>
-              </a:solidFill>
-            </a:endParaRPr>
-          </a:p>
-        </p:txBody>
-      </p:sp>
-      <p:pic>
-        <p:nvPicPr>
-          <p:cNvPr id="73" name="그림 72"/>
-          <p:cNvPicPr>
-            <a:picLocks noChangeAspect="1"/>
-          </p:cNvPicPr>
-          <p:nvPr/>
-        </p:nvPicPr>
-        <p:blipFill>
-          <a:blip r:embed="rId16">
-            <a:extLst>
-              <a:ext uri="{28A0092B-C50C-407E-A947-70E740481C1C}">
-                <a14:useLocalDpi xmlns:a14="http://schemas.microsoft.com/office/drawing/2010/main" val="0"/>
-              </a:ext>
-            </a:extLst>
-          </a:blip>
-          <a:stretch>
-            <a:fillRect/>
-          </a:stretch>
-        </p:blipFill>
-        <p:spPr>
           <a:xfrm flipH="1">
             <a:off x="5568299" y="2940592"/>
             <a:ext cx="447440" cy="338604"/>
@@ -14051,7 +15868,7 @@
             <p:nvPr/>
           </p:nvPicPr>
           <p:blipFill>
-            <a:blip r:embed="rId16">
+            <a:blip r:embed="rId15">
               <a:extLst>
                 <a:ext uri="{28A0092B-C50C-407E-A947-70E740481C1C}">
                   <a14:useLocalDpi xmlns:a14="http://schemas.microsoft.com/office/drawing/2010/main" val="0"/>
@@ -14081,7 +15898,7 @@
             <p:nvPr/>
           </p:nvPicPr>
           <p:blipFill>
-            <a:blip r:embed="rId16">
+            <a:blip r:embed="rId15">
               <a:extLst>
                 <a:ext uri="{28A0092B-C50C-407E-A947-70E740481C1C}">
                   <a14:useLocalDpi xmlns:a14="http://schemas.microsoft.com/office/drawing/2010/main" val="0"/>
@@ -14111,7 +15928,7 @@
             <p:nvPr/>
           </p:nvPicPr>
           <p:blipFill>
-            <a:blip r:embed="rId16">
+            <a:blip r:embed="rId15">
               <a:extLst>
                 <a:ext uri="{28A0092B-C50C-407E-A947-70E740481C1C}">
                   <a14:useLocalDpi xmlns:a14="http://schemas.microsoft.com/office/drawing/2010/main" val="0"/>
@@ -14141,7 +15958,7 @@
             <p:nvPr/>
           </p:nvPicPr>
           <p:blipFill>
-            <a:blip r:embed="rId16">
+            <a:blip r:embed="rId15">
               <a:extLst>
                 <a:ext uri="{28A0092B-C50C-407E-A947-70E740481C1C}">
                   <a14:useLocalDpi xmlns:a14="http://schemas.microsoft.com/office/drawing/2010/main" val="0"/>
@@ -14186,7 +16003,7 @@
             <p:nvPr/>
           </p:nvPicPr>
           <p:blipFill>
-            <a:blip r:embed="rId16">
+            <a:blip r:embed="rId15">
               <a:extLst>
                 <a:ext uri="{28A0092B-C50C-407E-A947-70E740481C1C}">
                   <a14:useLocalDpi xmlns:a14="http://schemas.microsoft.com/office/drawing/2010/main" val="0"/>
@@ -14216,7 +16033,7 @@
             <p:nvPr/>
           </p:nvPicPr>
           <p:blipFill>
-            <a:blip r:embed="rId16">
+            <a:blip r:embed="rId15">
               <a:extLst>
                 <a:ext uri="{28A0092B-C50C-407E-A947-70E740481C1C}">
                   <a14:useLocalDpi xmlns:a14="http://schemas.microsoft.com/office/drawing/2010/main" val="0"/>
@@ -14246,7 +16063,7 @@
             <p:nvPr/>
           </p:nvPicPr>
           <p:blipFill>
-            <a:blip r:embed="rId16">
+            <a:blip r:embed="rId15">
               <a:extLst>
                 <a:ext uri="{28A0092B-C50C-407E-A947-70E740481C1C}">
                   <a14:useLocalDpi xmlns:a14="http://schemas.microsoft.com/office/drawing/2010/main" val="0"/>
@@ -14276,7 +16093,7 @@
             <p:nvPr/>
           </p:nvPicPr>
           <p:blipFill>
-            <a:blip r:embed="rId16">
+            <a:blip r:embed="rId15">
               <a:extLst>
                 <a:ext uri="{28A0092B-C50C-407E-A947-70E740481C1C}">
                   <a14:useLocalDpi xmlns:a14="http://schemas.microsoft.com/office/drawing/2010/main" val="0"/>
@@ -14321,7 +16138,7 @@
             <p:nvPr/>
           </p:nvPicPr>
           <p:blipFill>
-            <a:blip r:embed="rId16">
+            <a:blip r:embed="rId15">
               <a:extLst>
                 <a:ext uri="{28A0092B-C50C-407E-A947-70E740481C1C}">
                   <a14:useLocalDpi xmlns:a14="http://schemas.microsoft.com/office/drawing/2010/main" val="0"/>
@@ -14351,7 +16168,7 @@
             <p:nvPr/>
           </p:nvPicPr>
           <p:blipFill>
-            <a:blip r:embed="rId16">
+            <a:blip r:embed="rId15">
               <a:extLst>
                 <a:ext uri="{28A0092B-C50C-407E-A947-70E740481C1C}">
                   <a14:useLocalDpi xmlns:a14="http://schemas.microsoft.com/office/drawing/2010/main" val="0"/>
@@ -14381,7 +16198,7 @@
             <p:nvPr/>
           </p:nvPicPr>
           <p:blipFill>
-            <a:blip r:embed="rId16">
+            <a:blip r:embed="rId15">
               <a:extLst>
                 <a:ext uri="{28A0092B-C50C-407E-A947-70E740481C1C}">
                   <a14:useLocalDpi xmlns:a14="http://schemas.microsoft.com/office/drawing/2010/main" val="0"/>
@@ -14411,7 +16228,7 @@
             <p:nvPr/>
           </p:nvPicPr>
           <p:blipFill>
-            <a:blip r:embed="rId16">
+            <a:blip r:embed="rId15">
               <a:extLst>
                 <a:ext uri="{28A0092B-C50C-407E-A947-70E740481C1C}">
                   <a14:useLocalDpi xmlns:a14="http://schemas.microsoft.com/office/drawing/2010/main" val="0"/>
@@ -14441,7 +16258,7 @@
             <p:nvPr/>
           </p:nvPicPr>
           <p:blipFill>
-            <a:blip r:embed="rId16">
+            <a:blip r:embed="rId15">
               <a:extLst>
                 <a:ext uri="{28A0092B-C50C-407E-A947-70E740481C1C}">
                   <a14:useLocalDpi xmlns:a14="http://schemas.microsoft.com/office/drawing/2010/main" val="0"/>
@@ -14471,7 +16288,7 @@
             <p:nvPr/>
           </p:nvPicPr>
           <p:blipFill>
-            <a:blip r:embed="rId16">
+            <a:blip r:embed="rId15">
               <a:extLst>
                 <a:ext uri="{28A0092B-C50C-407E-A947-70E740481C1C}">
                   <a14:useLocalDpi xmlns:a14="http://schemas.microsoft.com/office/drawing/2010/main" val="0"/>
@@ -14502,7 +16319,7 @@
           <p:nvPr/>
         </p:nvPicPr>
         <p:blipFill>
-          <a:blip r:embed="rId16">
+          <a:blip r:embed="rId15">
             <a:extLst>
               <a:ext uri="{28A0092B-C50C-407E-A947-70E740481C1C}">
                 <a14:useLocalDpi xmlns:a14="http://schemas.microsoft.com/office/drawing/2010/main" val="0"/>
@@ -14532,7 +16349,7 @@
           <p:nvPr/>
         </p:nvPicPr>
         <p:blipFill>
-          <a:blip r:embed="rId16">
+          <a:blip r:embed="rId15">
             <a:extLst>
               <a:ext uri="{28A0092B-C50C-407E-A947-70E740481C1C}">
                 <a14:useLocalDpi xmlns:a14="http://schemas.microsoft.com/office/drawing/2010/main" val="0"/>
@@ -14562,7 +16379,7 @@
           <p:nvPr/>
         </p:nvPicPr>
         <p:blipFill>
-          <a:blip r:embed="rId16">
+          <a:blip r:embed="rId15">
             <a:extLst>
               <a:ext uri="{28A0092B-C50C-407E-A947-70E740481C1C}">
                 <a14:useLocalDpi xmlns:a14="http://schemas.microsoft.com/office/drawing/2010/main" val="0"/>
@@ -14592,7 +16409,7 @@
           <p:nvPr/>
         </p:nvPicPr>
         <p:blipFill>
-          <a:blip r:embed="rId16">
+          <a:blip r:embed="rId15">
             <a:extLst>
               <a:ext uri="{28A0092B-C50C-407E-A947-70E740481C1C}">
                 <a14:useLocalDpi xmlns:a14="http://schemas.microsoft.com/office/drawing/2010/main" val="0"/>
@@ -14622,7 +16439,7 @@
           <p:nvPr/>
         </p:nvPicPr>
         <p:blipFill>
-          <a:blip r:embed="rId16">
+          <a:blip r:embed="rId15">
             <a:extLst>
               <a:ext uri="{28A0092B-C50C-407E-A947-70E740481C1C}">
                 <a14:useLocalDpi xmlns:a14="http://schemas.microsoft.com/office/drawing/2010/main" val="0"/>
@@ -14652,7 +16469,7 @@
           <p:nvPr/>
         </p:nvPicPr>
         <p:blipFill>
-          <a:blip r:embed="rId16">
+          <a:blip r:embed="rId15">
             <a:extLst>
               <a:ext uri="{28A0092B-C50C-407E-A947-70E740481C1C}">
                 <a14:useLocalDpi xmlns:a14="http://schemas.microsoft.com/office/drawing/2010/main" val="0"/>
@@ -14696,7 +16513,7 @@
             <p:nvPr/>
           </p:nvPicPr>
           <p:blipFill>
-            <a:blip r:embed="rId16">
+            <a:blip r:embed="rId15">
               <a:extLst>
                 <a:ext uri="{28A0092B-C50C-407E-A947-70E740481C1C}">
                   <a14:useLocalDpi xmlns:a14="http://schemas.microsoft.com/office/drawing/2010/main" val="0"/>
@@ -14726,7 +16543,7 @@
             <p:nvPr/>
           </p:nvPicPr>
           <p:blipFill>
-            <a:blip r:embed="rId16">
+            <a:blip r:embed="rId15">
               <a:extLst>
                 <a:ext uri="{28A0092B-C50C-407E-A947-70E740481C1C}">
                   <a14:useLocalDpi xmlns:a14="http://schemas.microsoft.com/office/drawing/2010/main" val="0"/>
@@ -14756,7 +16573,7 @@
             <p:nvPr/>
           </p:nvPicPr>
           <p:blipFill>
-            <a:blip r:embed="rId16">
+            <a:blip r:embed="rId15">
               <a:extLst>
                 <a:ext uri="{28A0092B-C50C-407E-A947-70E740481C1C}">
                   <a14:useLocalDpi xmlns:a14="http://schemas.microsoft.com/office/drawing/2010/main" val="0"/>
@@ -14786,7 +16603,7 @@
             <p:nvPr/>
           </p:nvPicPr>
           <p:blipFill>
-            <a:blip r:embed="rId16">
+            <a:blip r:embed="rId15">
               <a:extLst>
                 <a:ext uri="{28A0092B-C50C-407E-A947-70E740481C1C}">
                   <a14:useLocalDpi xmlns:a14="http://schemas.microsoft.com/office/drawing/2010/main" val="0"/>
@@ -14831,7 +16648,7 @@
             <p:nvPr/>
           </p:nvPicPr>
           <p:blipFill>
-            <a:blip r:embed="rId16">
+            <a:blip r:embed="rId15">
               <a:extLst>
                 <a:ext uri="{28A0092B-C50C-407E-A947-70E740481C1C}">
                   <a14:useLocalDpi xmlns:a14="http://schemas.microsoft.com/office/drawing/2010/main" val="0"/>
@@ -14861,7 +16678,7 @@
             <p:nvPr/>
           </p:nvPicPr>
           <p:blipFill>
-            <a:blip r:embed="rId16">
+            <a:blip r:embed="rId15">
               <a:extLst>
                 <a:ext uri="{28A0092B-C50C-407E-A947-70E740481C1C}">
                   <a14:useLocalDpi xmlns:a14="http://schemas.microsoft.com/office/drawing/2010/main" val="0"/>
@@ -14891,7 +16708,7 @@
             <p:nvPr/>
           </p:nvPicPr>
           <p:blipFill>
-            <a:blip r:embed="rId16">
+            <a:blip r:embed="rId15">
               <a:extLst>
                 <a:ext uri="{28A0092B-C50C-407E-A947-70E740481C1C}">
                   <a14:useLocalDpi xmlns:a14="http://schemas.microsoft.com/office/drawing/2010/main" val="0"/>
@@ -14921,7 +16738,7 @@
             <p:nvPr/>
           </p:nvPicPr>
           <p:blipFill>
-            <a:blip r:embed="rId16">
+            <a:blip r:embed="rId15">
               <a:extLst>
                 <a:ext uri="{28A0092B-C50C-407E-A947-70E740481C1C}">
                   <a14:useLocalDpi xmlns:a14="http://schemas.microsoft.com/office/drawing/2010/main" val="0"/>
@@ -14951,7 +16768,7 @@
             <p:nvPr/>
           </p:nvPicPr>
           <p:blipFill>
-            <a:blip r:embed="rId16">
+            <a:blip r:embed="rId15">
               <a:extLst>
                 <a:ext uri="{28A0092B-C50C-407E-A947-70E740481C1C}">
                   <a14:useLocalDpi xmlns:a14="http://schemas.microsoft.com/office/drawing/2010/main" val="0"/>
@@ -14981,7 +16798,7 @@
             <p:nvPr/>
           </p:nvPicPr>
           <p:blipFill>
-            <a:blip r:embed="rId16">
+            <a:blip r:embed="rId15">
               <a:extLst>
                 <a:ext uri="{28A0092B-C50C-407E-A947-70E740481C1C}">
                   <a14:useLocalDpi xmlns:a14="http://schemas.microsoft.com/office/drawing/2010/main" val="0"/>
@@ -15011,7 +16828,7 @@
             <p:nvPr/>
           </p:nvPicPr>
           <p:blipFill>
-            <a:blip r:embed="rId16">
+            <a:blip r:embed="rId15">
               <a:extLst>
                 <a:ext uri="{28A0092B-C50C-407E-A947-70E740481C1C}">
                   <a14:useLocalDpi xmlns:a14="http://schemas.microsoft.com/office/drawing/2010/main" val="0"/>
@@ -15041,7 +16858,7 @@
             <p:nvPr/>
           </p:nvPicPr>
           <p:blipFill>
-            <a:blip r:embed="rId16">
+            <a:blip r:embed="rId15">
               <a:extLst>
                 <a:ext uri="{28A0092B-C50C-407E-A947-70E740481C1C}">
                   <a14:useLocalDpi xmlns:a14="http://schemas.microsoft.com/office/drawing/2010/main" val="0"/>
@@ -15071,7 +16888,7 @@
             <p:nvPr/>
           </p:nvPicPr>
           <p:blipFill>
-            <a:blip r:embed="rId16">
+            <a:blip r:embed="rId15">
               <a:extLst>
                 <a:ext uri="{28A0092B-C50C-407E-A947-70E740481C1C}">
                   <a14:useLocalDpi xmlns:a14="http://schemas.microsoft.com/office/drawing/2010/main" val="0"/>
@@ -15101,7 +16918,7 @@
             <p:nvPr/>
           </p:nvPicPr>
           <p:blipFill>
-            <a:blip r:embed="rId16">
+            <a:blip r:embed="rId15">
               <a:extLst>
                 <a:ext uri="{28A0092B-C50C-407E-A947-70E740481C1C}">
                   <a14:useLocalDpi xmlns:a14="http://schemas.microsoft.com/office/drawing/2010/main" val="0"/>
@@ -15131,7 +16948,7 @@
             <p:nvPr/>
           </p:nvPicPr>
           <p:blipFill>
-            <a:blip r:embed="rId16">
+            <a:blip r:embed="rId15">
               <a:extLst>
                 <a:ext uri="{28A0092B-C50C-407E-A947-70E740481C1C}">
                   <a14:useLocalDpi xmlns:a14="http://schemas.microsoft.com/office/drawing/2010/main" val="0"/>
@@ -15968,6 +17785,184 @@
           </a:p>
         </p:txBody>
       </p:sp>
+      <p:pic>
+        <p:nvPicPr>
+          <p:cNvPr id="133" name="그림 132"/>
+          <p:cNvPicPr>
+            <a:picLocks noChangeAspect="1"/>
+          </p:cNvPicPr>
+          <p:nvPr/>
+        </p:nvPicPr>
+        <p:blipFill>
+          <a:blip r:embed="rId16">
+            <a:extLst>
+              <a:ext uri="{28A0092B-C50C-407E-A947-70E740481C1C}">
+                <a14:useLocalDpi xmlns:a14="http://schemas.microsoft.com/office/drawing/2010/main" val="0"/>
+              </a:ext>
+            </a:extLst>
+          </a:blip>
+          <a:stretch>
+            <a:fillRect/>
+          </a:stretch>
+        </p:blipFill>
+        <p:spPr>
+          <a:xfrm>
+            <a:off x="1524000" y="342900"/>
+            <a:ext cx="1762890" cy="650590"/>
+          </a:xfrm>
+          <a:prstGeom prst="rect">
+            <a:avLst/>
+          </a:prstGeom>
+        </p:spPr>
+      </p:pic>
+      <p:sp>
+        <p:nvSpPr>
+          <p:cNvPr id="138" name="모서리가 둥근 직사각형 137"/>
+          <p:cNvSpPr/>
+          <p:nvPr/>
+        </p:nvSpPr>
+        <p:spPr>
+          <a:xfrm>
+            <a:off x="15601066" y="197914"/>
+            <a:ext cx="1282676" cy="263023"/>
+          </a:xfrm>
+          <a:prstGeom prst="roundRect">
+            <a:avLst/>
+          </a:prstGeom>
+          <a:solidFill>
+            <a:schemeClr val="bg1">
+              <a:lumMod val="85000"/>
+            </a:schemeClr>
+          </a:solidFill>
+          <a:ln>
+            <a:solidFill>
+              <a:schemeClr val="bg1">
+                <a:lumMod val="65000"/>
+              </a:schemeClr>
+            </a:solidFill>
+          </a:ln>
+        </p:spPr>
+        <p:style>
+          <a:lnRef idx="2">
+            <a:schemeClr val="accent1">
+              <a:shade val="50000"/>
+            </a:schemeClr>
+          </a:lnRef>
+          <a:fillRef idx="1">
+            <a:schemeClr val="accent1"/>
+          </a:fillRef>
+          <a:effectRef idx="0">
+            <a:schemeClr val="accent1"/>
+          </a:effectRef>
+          <a:fontRef idx="minor">
+            <a:schemeClr val="lt1"/>
+          </a:fontRef>
+        </p:style>
+        <p:txBody>
+          <a:bodyPr rtlCol="0" anchor="ctr"/>
+          <a:lstStyle/>
+          <a:p>
+            <a:pPr algn="ctr"/>
+            <a:r>
+              <a:rPr lang="ko-KR" altLang="en-US" dirty="0" smtClean="0">
+                <a:solidFill>
+                  <a:schemeClr val="tx1">
+                    <a:lumMod val="50000"/>
+                    <a:lumOff val="50000"/>
+                  </a:schemeClr>
+                </a:solidFill>
+                <a:latin typeface="맑은 고딕" panose="020B0503020000020004" pitchFamily="50" charset="-127"/>
+                <a:ea typeface="맑은 고딕" panose="020B0503020000020004" pitchFamily="50" charset="-127"/>
+              </a:rPr>
+              <a:t>회원가입</a:t>
+            </a:r>
+            <a:endParaRPr lang="ko-KR" altLang="en-US" dirty="0">
+              <a:solidFill>
+                <a:schemeClr val="tx1">
+                  <a:lumMod val="50000"/>
+                  <a:lumOff val="50000"/>
+                </a:schemeClr>
+              </a:solidFill>
+              <a:latin typeface="맑은 고딕" panose="020B0503020000020004" pitchFamily="50" charset="-127"/>
+              <a:ea typeface="맑은 고딕" panose="020B0503020000020004" pitchFamily="50" charset="-127"/>
+            </a:endParaRPr>
+          </a:p>
+        </p:txBody>
+      </p:sp>
+      <p:sp>
+        <p:nvSpPr>
+          <p:cNvPr id="139" name="모서리가 둥근 직사각형 138"/>
+          <p:cNvSpPr/>
+          <p:nvPr/>
+        </p:nvSpPr>
+        <p:spPr>
+          <a:xfrm>
+            <a:off x="13579232" y="197915"/>
+            <a:ext cx="1282676" cy="263023"/>
+          </a:xfrm>
+          <a:prstGeom prst="roundRect">
+            <a:avLst/>
+          </a:prstGeom>
+          <a:solidFill>
+            <a:schemeClr val="bg1">
+              <a:lumMod val="85000"/>
+            </a:schemeClr>
+          </a:solidFill>
+          <a:ln>
+            <a:solidFill>
+              <a:schemeClr val="bg1">
+                <a:lumMod val="65000"/>
+              </a:schemeClr>
+            </a:solidFill>
+          </a:ln>
+        </p:spPr>
+        <p:style>
+          <a:lnRef idx="2">
+            <a:schemeClr val="accent1">
+              <a:shade val="50000"/>
+            </a:schemeClr>
+          </a:lnRef>
+          <a:fillRef idx="1">
+            <a:schemeClr val="accent1"/>
+          </a:fillRef>
+          <a:effectRef idx="0">
+            <a:schemeClr val="accent1"/>
+          </a:effectRef>
+          <a:fontRef idx="minor">
+            <a:schemeClr val="lt1"/>
+          </a:fontRef>
+        </p:style>
+        <p:txBody>
+          <a:bodyPr rtlCol="0" anchor="ctr"/>
+          <a:lstStyle/>
+          <a:p>
+            <a:pPr algn="ctr"/>
+            <a:r>
+              <a:rPr lang="ko-KR" altLang="en-US" dirty="0" smtClean="0">
+                <a:solidFill>
+                  <a:schemeClr val="tx1">
+                    <a:lumMod val="50000"/>
+                    <a:lumOff val="50000"/>
+                  </a:schemeClr>
+                </a:solidFill>
+                <a:latin typeface="맑은 고딕" panose="020B0503020000020004" pitchFamily="50" charset="-127"/>
+                <a:ea typeface="맑은 고딕" panose="020B0503020000020004" pitchFamily="50" charset="-127"/>
+              </a:rPr>
+              <a:t>로그인</a:t>
+            </a:r>
+            <a:endParaRPr lang="ko-KR" altLang="en-US" dirty="0">
+              <a:solidFill>
+                <a:schemeClr val="tx1">
+                  <a:lumMod val="50000"/>
+                  <a:lumOff val="50000"/>
+                </a:schemeClr>
+              </a:solidFill>
+              <a:latin typeface="맑은 고딕" panose="020B0503020000020004" pitchFamily="50" charset="-127"/>
+              <a:ea typeface="맑은 고딕" panose="020B0503020000020004" pitchFamily="50" charset="-127"/>
+            </a:endParaRPr>
+          </a:p>
+        </p:txBody>
+      </p:sp>
     </p:spTree>
     <p:extLst>
       <p:ext uri="{BB962C8B-B14F-4D97-AF65-F5344CB8AC3E}">
@@ -15991,7 +17986,7 @@
 </p:sld>
 </file>
 
-<file path=ppt/slides/slide15.xml><?xml version="1.0" encoding="utf-8"?>
+<file path=ppt/slides/slide16.xml><?xml version="1.0" encoding="utf-8"?>
 <p:sld xmlns:a="http://schemas.openxmlformats.org/drawingml/2006/main" xmlns:r="http://schemas.openxmlformats.org/officeDocument/2006/relationships" xmlns:p="http://schemas.openxmlformats.org/presentationml/2006/main">
   <p:cSld>
     <p:spTree>
@@ -16405,7 +18400,7 @@
 </p:sld>
 </file>
 
-<file path=ppt/slides/slide16.xml><?xml version="1.0" encoding="utf-8"?>
+<file path=ppt/slides/slide17.xml><?xml version="1.0" encoding="utf-8"?>
 <p:sld xmlns:a="http://schemas.openxmlformats.org/drawingml/2006/main" xmlns:r="http://schemas.openxmlformats.org/officeDocument/2006/relationships" xmlns:p="http://schemas.openxmlformats.org/presentationml/2006/main">
   <p:cSld>
     <p:bg>
@@ -20061,7 +22056,7 @@
 </p:sld>
 </file>
 
-<file path=ppt/slides/slide17.xml><?xml version="1.0" encoding="utf-8"?>
+<file path=ppt/slides/slide18.xml><?xml version="1.0" encoding="utf-8"?>
 <p:sld xmlns:a="http://schemas.openxmlformats.org/drawingml/2006/main" xmlns:r="http://schemas.openxmlformats.org/officeDocument/2006/relationships" xmlns:p="http://schemas.openxmlformats.org/presentationml/2006/main">
   <p:cSld name="Slide 15">
     <p:bg>
@@ -20191,7 +22186,7 @@
 </p:sld>
 </file>
 
-<file path=ppt/slides/slide18.xml><?xml version="1.0" encoding="utf-8"?>
+<file path=ppt/slides/slide19.xml><?xml version="1.0" encoding="utf-8"?>
 <p:sld xmlns:a="http://schemas.openxmlformats.org/drawingml/2006/main" xmlns:r="http://schemas.openxmlformats.org/officeDocument/2006/relationships" xmlns:p="http://schemas.openxmlformats.org/presentationml/2006/main">
   <p:cSld>
     <p:bg>
@@ -20508,7 +22503,7 @@
               <a:t>2. </a:t>
             </a:r>
             <a:r>
-              <a:rPr lang="ko-KR" altLang="en-US" sz="3500" b="1" dirty="0" smtClean="0">
+              <a:rPr lang="ko-KR" altLang="en-US" sz="3500" b="1" dirty="0">
                 <a:solidFill>
                   <a:schemeClr val="tx1">
                     <a:lumMod val="75000"/>
@@ -20518,9 +22513,9 @@
                 <a:latin typeface="휴먼모음T" panose="02030504000101010101" pitchFamily="18" charset="-127"/>
                 <a:ea typeface="휴먼모음T" panose="02030504000101010101" pitchFamily="18" charset="-127"/>
               </a:rPr>
-              <a:t>페이지 구성</a:t>
-            </a:r>
-            <a:endParaRPr lang="en-US" altLang="ko-KR" sz="3500" b="1" dirty="0" smtClean="0">
+              <a:t>팀원 소개</a:t>
+            </a:r>
+            <a:endParaRPr lang="en-US" altLang="ko-KR" sz="3500" b="1" dirty="0">
               <a:solidFill>
                 <a:schemeClr val="tx1">
                   <a:lumMod val="75000"/>
@@ -20595,6 +22590,19 @@
           <a:lstStyle/>
           <a:p>
             <a:r>
+              <a:rPr lang="en-US" altLang="ko-KR" sz="3500" b="1" dirty="0">
+                <a:solidFill>
+                  <a:schemeClr val="tx1">
+                    <a:lumMod val="75000"/>
+                    <a:lumOff val="25000"/>
+                  </a:schemeClr>
+                </a:solidFill>
+                <a:latin typeface="휴먼모음T" panose="02030504000101010101" pitchFamily="18" charset="-127"/>
+                <a:ea typeface="휴먼모음T" panose="02030504000101010101" pitchFamily="18" charset="-127"/>
+              </a:rPr>
+              <a:t>4</a:t>
+            </a:r>
+            <a:r>
               <a:rPr lang="en-US" altLang="ko-KR" sz="3500" b="1" dirty="0" smtClean="0">
                 <a:solidFill>
                   <a:schemeClr val="tx1">
@@ -20605,7 +22613,7 @@
                 <a:latin typeface="휴먼모음T" panose="02030504000101010101" pitchFamily="18" charset="-127"/>
                 <a:ea typeface="휴먼모음T" panose="02030504000101010101" pitchFamily="18" charset="-127"/>
               </a:rPr>
-              <a:t>3. </a:t>
+              <a:t>. </a:t>
             </a:r>
             <a:r>
               <a:rPr lang="ko-KR" altLang="en-US" sz="3500" b="1" dirty="0" smtClean="0">
@@ -20656,6 +22664,19 @@
           <a:lstStyle/>
           <a:p>
             <a:r>
+              <a:rPr lang="en-US" altLang="ko-KR" sz="3500" b="1" dirty="0">
+                <a:solidFill>
+                  <a:schemeClr val="tx1">
+                    <a:lumMod val="75000"/>
+                    <a:lumOff val="25000"/>
+                  </a:schemeClr>
+                </a:solidFill>
+                <a:latin typeface="휴먼모음T" panose="02030504000101010101" pitchFamily="18" charset="-127"/>
+                <a:ea typeface="휴먼모음T" panose="02030504000101010101" pitchFamily="18" charset="-127"/>
+              </a:rPr>
+              <a:t>5</a:t>
+            </a:r>
+            <a:r>
               <a:rPr lang="en-US" altLang="ko-KR" sz="3500" b="1" dirty="0" smtClean="0">
                 <a:solidFill>
                   <a:schemeClr val="tx1">
@@ -20666,7 +22687,7 @@
                 <a:latin typeface="휴먼모음T" panose="02030504000101010101" pitchFamily="18" charset="-127"/>
                 <a:ea typeface="휴먼모음T" panose="02030504000101010101" pitchFamily="18" charset="-127"/>
               </a:rPr>
-              <a:t>4. </a:t>
+              <a:t>. </a:t>
             </a:r>
             <a:r>
               <a:rPr lang="ko-KR" altLang="en-US" sz="3500" b="1" dirty="0" smtClean="0">
@@ -20680,6 +22701,80 @@
                 <a:ea typeface="휴먼모음T" panose="02030504000101010101" pitchFamily="18" charset="-127"/>
               </a:rPr>
               <a:t>일정</a:t>
+            </a:r>
+            <a:endParaRPr lang="en-US" altLang="ko-KR" sz="3500" b="1" dirty="0" smtClean="0">
+              <a:solidFill>
+                <a:schemeClr val="tx1">
+                  <a:lumMod val="75000"/>
+                  <a:lumOff val="25000"/>
+                </a:schemeClr>
+              </a:solidFill>
+              <a:latin typeface="휴먼모음T" panose="02030504000101010101" pitchFamily="18" charset="-127"/>
+              <a:ea typeface="휴먼모음T" panose="02030504000101010101" pitchFamily="18" charset="-127"/>
+            </a:endParaRPr>
+          </a:p>
+        </p:txBody>
+      </p:sp>
+      <p:sp>
+        <p:nvSpPr>
+          <p:cNvPr id="10" name="TextBox 9"/>
+          <p:cNvSpPr txBox="1"/>
+          <p:nvPr/>
+        </p:nvSpPr>
+        <p:spPr>
+          <a:xfrm>
+            <a:off x="1102864" y="8211487"/>
+            <a:ext cx="4535936" cy="630942"/>
+          </a:xfrm>
+          <a:prstGeom prst="rect">
+            <a:avLst/>
+          </a:prstGeom>
+          <a:noFill/>
+        </p:spPr>
+        <p:txBody>
+          <a:bodyPr wrap="square" rtlCol="0">
+            <a:spAutoFit/>
+          </a:bodyPr>
+          <a:lstStyle/>
+          <a:p>
+            <a:r>
+              <a:rPr lang="en-US" altLang="ko-KR" sz="3500" b="1" dirty="0">
+                <a:solidFill>
+                  <a:schemeClr val="tx1">
+                    <a:lumMod val="75000"/>
+                    <a:lumOff val="25000"/>
+                  </a:schemeClr>
+                </a:solidFill>
+                <a:latin typeface="휴먼모음T" panose="02030504000101010101" pitchFamily="18" charset="-127"/>
+                <a:ea typeface="휴먼모음T" panose="02030504000101010101" pitchFamily="18" charset="-127"/>
+              </a:rPr>
+              <a:t>3</a:t>
+            </a:r>
+            <a:r>
+              <a:rPr lang="en-US" altLang="ko-KR" sz="3500" b="1" dirty="0" smtClean="0">
+                <a:solidFill>
+                  <a:schemeClr val="tx1">
+                    <a:lumMod val="75000"/>
+                    <a:lumOff val="25000"/>
+                  </a:schemeClr>
+                </a:solidFill>
+                <a:latin typeface="휴먼모음T" panose="02030504000101010101" pitchFamily="18" charset="-127"/>
+                <a:ea typeface="휴먼모음T" panose="02030504000101010101" pitchFamily="18" charset="-127"/>
+              </a:rPr>
+              <a:t>. </a:t>
+            </a:r>
+            <a:r>
+              <a:rPr lang="ko-KR" altLang="en-US" sz="3500" b="1" dirty="0" smtClean="0">
+                <a:solidFill>
+                  <a:schemeClr val="tx1">
+                    <a:lumMod val="75000"/>
+                    <a:lumOff val="25000"/>
+                  </a:schemeClr>
+                </a:solidFill>
+                <a:latin typeface="휴먼모음T" panose="02030504000101010101" pitchFamily="18" charset="-127"/>
+                <a:ea typeface="휴먼모음T" panose="02030504000101010101" pitchFamily="18" charset="-127"/>
+              </a:rPr>
+              <a:t>페이지 구성</a:t>
             </a:r>
             <a:endParaRPr lang="en-US" altLang="ko-KR" sz="3500" b="1" dirty="0" smtClean="0">
               <a:solidFill>
@@ -21162,11 +23257,22 @@
             <a:lstStyle/>
             <a:p>
               <a:r>
-                <a:rPr lang="en-US" altLang="ko-KR" sz="4000" dirty="0" err="1" smtClean="0">
+                <a:rPr lang="en-US" altLang="ko-KR" sz="4000" dirty="0" smtClean="0">
                   <a:latin typeface="HY견고딕" panose="02030600000101010101" pitchFamily="18" charset="-127"/>
                   <a:ea typeface="HY견고딕" panose="02030600000101010101" pitchFamily="18" charset="-127"/>
                 </a:rPr>
-                <a:t>UserᆞAdministrator</a:t>
+                <a:t>User </a:t>
+              </a:r>
+              <a:r>
+                <a:rPr lang="en-US" altLang="ko-KR" sz="4000" dirty="0" smtClean="0"/>
+                <a:t>· </a:t>
+              </a:r>
+              <a:r>
+                <a:rPr lang="en-US" altLang="ko-KR" sz="4000" dirty="0" smtClean="0">
+                  <a:latin typeface="HY견고딕" panose="02030600000101010101" pitchFamily="18" charset="-127"/>
+                  <a:ea typeface="HY견고딕" panose="02030600000101010101" pitchFamily="18" charset="-127"/>
+                </a:rPr>
+                <a:t>Administrator</a:t>
               </a:r>
               <a:endParaRPr lang="ko-KR" altLang="en-US" sz="4000" dirty="0">
                 <a:latin typeface="HY견고딕" panose="02030600000101010101" pitchFamily="18" charset="-127"/>
@@ -21310,14 +23416,11 @@
                   <a:latin typeface="HY견고딕" panose="02030600000101010101" pitchFamily="18" charset="-127"/>
                   <a:ea typeface="HY견고딕" panose="02030600000101010101" pitchFamily="18" charset="-127"/>
                 </a:rPr>
-                <a:t>캘린더</a:t>
+                <a:t>캘린더 </a:t>
               </a:r>
               <a:r>
-                <a:rPr lang="en-US" altLang="ko-KR" sz="4000" dirty="0" smtClean="0">
-                  <a:latin typeface="HY견고딕" panose="02030600000101010101" pitchFamily="18" charset="-127"/>
-                  <a:ea typeface="HY견고딕" panose="02030600000101010101" pitchFamily="18" charset="-127"/>
-                </a:rPr>
-                <a:t>ᆞ</a:t>
+                <a:rPr lang="en-US" altLang="ko-KR" sz="4000" dirty="0" smtClean="0"/>
+                <a:t>· </a:t>
               </a:r>
               <a:r>
                 <a:rPr lang="ko-KR" altLang="en-US" sz="4000" dirty="0" smtClean="0">
@@ -21416,7 +23519,7 @@
             <p:nvPr/>
           </p:nvPicPr>
           <p:blipFill>
-            <a:blip r:embed="rId2" cstate="print"/>
+            <a:blip r:embed="rId3" cstate="print"/>
             <a:stretch>
               <a:fillRect/>
             </a:stretch>
@@ -21459,7 +23562,7 @@
                 <a:latin typeface="HY견고딕" panose="02030600000101010101" pitchFamily="18" charset="-127"/>
                 <a:ea typeface="HY견고딕" panose="02030600000101010101" pitchFamily="18" charset="-127"/>
               </a:rPr>
-              <a:t>페이지 </a:t>
+              <a:t>팀원 </a:t>
             </a:r>
             <a:r>
               <a:rPr lang="ko-KR" altLang="en-US" sz="6000" dirty="0" smtClean="0">
@@ -21469,7 +23572,7 @@
                 <a:latin typeface="HY견고딕" panose="02030600000101010101" pitchFamily="18" charset="-127"/>
                 <a:ea typeface="HY견고딕" panose="02030600000101010101" pitchFamily="18" charset="-127"/>
               </a:rPr>
-              <a:t>구성</a:t>
+              <a:t>소개</a:t>
             </a:r>
             <a:endParaRPr lang="ko-KR" altLang="en-US" sz="6000" dirty="0">
               <a:solidFill>
@@ -21490,7 +23593,7 @@
           <p:nvPr/>
         </p:nvPicPr>
         <p:blipFill>
-          <a:blip r:embed="rId3">
+          <a:blip r:embed="rId4">
             <a:extLst>
               <a:ext uri="{28A0092B-C50C-407E-A947-70E740481C1C}">
                 <a14:useLocalDpi xmlns:a14="http://schemas.microsoft.com/office/drawing/2010/main" val="0"/>
@@ -21520,7 +23623,7 @@
           <p:nvPr/>
         </p:nvPicPr>
         <p:blipFill>
-          <a:blip r:embed="rId4" cstate="print"/>
+          <a:blip r:embed="rId5" cstate="print"/>
           <a:stretch>
             <a:fillRect/>
           </a:stretch>
@@ -21535,133 +23638,16 @@
           </a:prstGeom>
         </p:spPr>
       </p:pic>
-      <p:grpSp>
-        <p:nvGrpSpPr>
-          <p:cNvPr id="10" name="그룹 1003"/>
-          <p:cNvGrpSpPr/>
-          <p:nvPr/>
-        </p:nvGrpSpPr>
-        <p:grpSpPr>
-          <a:xfrm>
-            <a:off x="2819400" y="2839046"/>
-            <a:ext cx="6324600" cy="5962054"/>
-            <a:chOff x="10344615" y="2009430"/>
-            <a:chExt cx="6631591" cy="6266854"/>
-          </a:xfrm>
-        </p:grpSpPr>
-        <p:pic>
-          <p:nvPicPr>
-            <p:cNvPr id="11" name="Object 12"/>
-            <p:cNvPicPr>
-              <a:picLocks noChangeAspect="1"/>
-            </p:cNvPicPr>
-            <p:nvPr/>
-          </p:nvPicPr>
-          <p:blipFill>
-            <a:blip r:embed="rId5" cstate="print"/>
-            <a:stretch>
-              <a:fillRect/>
-            </a:stretch>
-          </p:blipFill>
-          <p:spPr>
-            <a:xfrm>
-              <a:off x="10344615" y="2009430"/>
-              <a:ext cx="6631591" cy="6266854"/>
-            </a:xfrm>
-            <a:prstGeom prst="rect">
-              <a:avLst/>
-            </a:prstGeom>
-          </p:spPr>
-        </p:pic>
-      </p:grpSp>
-      <p:grpSp>
-        <p:nvGrpSpPr>
-          <p:cNvPr id="14" name="그룹 1005"/>
-          <p:cNvGrpSpPr/>
-          <p:nvPr/>
-        </p:nvGrpSpPr>
-        <p:grpSpPr>
-          <a:xfrm>
-            <a:off x="4952999" y="4300420"/>
-            <a:ext cx="2212923" cy="165865"/>
-            <a:chOff x="12517755" y="3470804"/>
-            <a:chExt cx="2320336" cy="174345"/>
-          </a:xfrm>
-        </p:grpSpPr>
-        <p:pic>
-          <p:nvPicPr>
-            <p:cNvPr id="16" name="Object 17"/>
-            <p:cNvPicPr>
-              <a:picLocks noChangeAspect="1"/>
-            </p:cNvPicPr>
-            <p:nvPr/>
-          </p:nvPicPr>
-          <p:blipFill>
-            <a:blip r:embed="rId6" cstate="print"/>
-            <a:stretch>
-              <a:fillRect/>
-            </a:stretch>
-          </p:blipFill>
-          <p:spPr>
-            <a:xfrm>
-              <a:off x="12517755" y="3470804"/>
-              <a:ext cx="2320336" cy="174345"/>
-            </a:xfrm>
-            <a:prstGeom prst="rect">
-              <a:avLst/>
-            </a:prstGeom>
-          </p:spPr>
-        </p:pic>
-      </p:grpSp>
-      <p:grpSp>
-        <p:nvGrpSpPr>
-          <p:cNvPr id="21" name="그룹 1007"/>
-          <p:cNvGrpSpPr/>
-          <p:nvPr/>
-        </p:nvGrpSpPr>
-        <p:grpSpPr>
-          <a:xfrm>
-            <a:off x="3286509" y="7201615"/>
-            <a:ext cx="2246975" cy="153306"/>
-            <a:chOff x="10727737" y="6372165"/>
-            <a:chExt cx="2320336" cy="174345"/>
-          </a:xfrm>
-        </p:grpSpPr>
-        <p:pic>
-          <p:nvPicPr>
-            <p:cNvPr id="23" name="Object 24"/>
-            <p:cNvPicPr>
-              <a:picLocks noChangeAspect="1"/>
-            </p:cNvPicPr>
-            <p:nvPr/>
-          </p:nvPicPr>
-          <p:blipFill>
-            <a:blip r:embed="rId6" cstate="print"/>
-            <a:stretch>
-              <a:fillRect/>
-            </a:stretch>
-          </p:blipFill>
-          <p:spPr>
-            <a:xfrm>
-              <a:off x="10727737" y="6372165"/>
-              <a:ext cx="2320336" cy="174345"/>
-            </a:xfrm>
-            <a:prstGeom prst="rect">
-              <a:avLst/>
-            </a:prstGeom>
-          </p:spPr>
-        </p:pic>
-      </p:grpSp>
       <p:sp>
         <p:nvSpPr>
-          <p:cNvPr id="5" name="TextBox 4"/>
+          <p:cNvPr id="4" name="TextBox 3"/>
           <p:cNvSpPr txBox="1"/>
           <p:nvPr/>
         </p:nvSpPr>
         <p:spPr>
           <a:xfrm>
-            <a:off x="6553199" y="6156384"/>
-            <a:ext cx="1962158" cy="938719"/>
+            <a:off x="2704938" y="5046702"/>
+            <a:ext cx="1714662" cy="553998"/>
           </a:xfrm>
           <a:prstGeom prst="rect">
             <a:avLst/>
@@ -21676,87 +23662,29 @@
           <a:p>
             <a:pPr algn="ctr"/>
             <a:r>
-              <a:rPr lang="en-US" altLang="ko-KR" sz="3000" dirty="0" smtClean="0">
-                <a:solidFill>
-                  <a:schemeClr val="bg1"/>
-                </a:solidFill>
+              <a:rPr lang="ko-KR" altLang="en-US" sz="3000" b="1" dirty="0" smtClean="0">
                 <a:latin typeface="HY견고딕" panose="02030600000101010101" pitchFamily="18" charset="-127"/>
                 <a:ea typeface="HY견고딕" panose="02030600000101010101" pitchFamily="18" charset="-127"/>
               </a:rPr>
-              <a:t>03</a:t>
-            </a:r>
-          </a:p>
-          <a:p>
-            <a:pPr algn="ctr"/>
-            <a:r>
-              <a:rPr lang="ko-KR" altLang="en-US" sz="2500" dirty="0" smtClean="0">
-                <a:solidFill>
-                  <a:schemeClr val="bg1"/>
-                </a:solidFill>
-                <a:latin typeface="HY견고딕" panose="02030600000101010101" pitchFamily="18" charset="-127"/>
-                <a:ea typeface="HY견고딕" panose="02030600000101010101" pitchFamily="18" charset="-127"/>
-              </a:rPr>
-              <a:t>예약 리스트</a:t>
-            </a:r>
-            <a:endParaRPr lang="ko-KR" altLang="en-US" sz="2500" dirty="0">
-              <a:solidFill>
-                <a:schemeClr val="bg1"/>
-              </a:solidFill>
+              <a:t>장동진</a:t>
+            </a:r>
+            <a:endParaRPr lang="ko-KR" altLang="en-US" sz="3000" b="1" dirty="0">
               <a:latin typeface="HY견고딕" panose="02030600000101010101" pitchFamily="18" charset="-127"/>
               <a:ea typeface="HY견고딕" panose="02030600000101010101" pitchFamily="18" charset="-127"/>
             </a:endParaRPr>
           </a:p>
         </p:txBody>
       </p:sp>
-      <p:grpSp>
-        <p:nvGrpSpPr>
-          <p:cNvPr id="29" name="그룹 1007"/>
-          <p:cNvGrpSpPr/>
-          <p:nvPr/>
-        </p:nvGrpSpPr>
-        <p:grpSpPr>
-          <a:xfrm>
-            <a:off x="6400799" y="7201615"/>
-            <a:ext cx="2246975" cy="153306"/>
-            <a:chOff x="10727737" y="6372165"/>
-            <a:chExt cx="2320336" cy="174345"/>
-          </a:xfrm>
-        </p:grpSpPr>
-        <p:pic>
-          <p:nvPicPr>
-            <p:cNvPr id="30" name="Object 24"/>
-            <p:cNvPicPr>
-              <a:picLocks noChangeAspect="1"/>
-            </p:cNvPicPr>
-            <p:nvPr/>
-          </p:nvPicPr>
-          <p:blipFill>
-            <a:blip r:embed="rId6" cstate="print"/>
-            <a:stretch>
-              <a:fillRect/>
-            </a:stretch>
-          </p:blipFill>
-          <p:spPr>
-            <a:xfrm>
-              <a:off x="10727737" y="6372165"/>
-              <a:ext cx="2320336" cy="174345"/>
-            </a:xfrm>
-            <a:prstGeom prst="rect">
-              <a:avLst/>
-            </a:prstGeom>
-          </p:spPr>
-        </p:pic>
-      </p:grpSp>
       <p:sp>
         <p:nvSpPr>
-          <p:cNvPr id="31" name="TextBox 30"/>
+          <p:cNvPr id="24" name="TextBox 23"/>
           <p:cNvSpPr txBox="1"/>
           <p:nvPr/>
         </p:nvSpPr>
         <p:spPr>
           <a:xfrm>
-            <a:off x="3132043" y="6156384"/>
-            <a:ext cx="2611632" cy="938719"/>
+            <a:off x="2143165" y="4208502"/>
+            <a:ext cx="2733635" cy="707886"/>
           </a:xfrm>
           <a:prstGeom prst="rect">
             <a:avLst/>
@@ -21771,31 +23699,24 @@
           <a:p>
             <a:pPr algn="ctr"/>
             <a:r>
-              <a:rPr lang="en-US" altLang="ko-KR" sz="3000" dirty="0" smtClean="0">
+              <a:rPr lang="en-US" altLang="ko-KR" sz="4000" b="1" dirty="0" smtClean="0">
                 <a:solidFill>
-                  <a:schemeClr val="bg1"/>
+                  <a:schemeClr val="tx1">
+                    <a:lumMod val="65000"/>
+                    <a:lumOff val="35000"/>
+                  </a:schemeClr>
                 </a:solidFill>
                 <a:latin typeface="HY견고딕" panose="02030600000101010101" pitchFamily="18" charset="-127"/>
                 <a:ea typeface="HY견고딕" panose="02030600000101010101" pitchFamily="18" charset="-127"/>
               </a:rPr>
-              <a:t>02</a:t>
-            </a:r>
-          </a:p>
-          <a:p>
-            <a:pPr algn="ctr"/>
-            <a:r>
-              <a:rPr lang="ko-KR" altLang="en-US" sz="2500" dirty="0" smtClean="0">
-                <a:solidFill>
-                  <a:schemeClr val="bg1"/>
-                </a:solidFill>
-                <a:latin typeface="HY견고딕" panose="02030600000101010101" pitchFamily="18" charset="-127"/>
-                <a:ea typeface="HY견고딕" panose="02030600000101010101" pitchFamily="18" charset="-127"/>
-              </a:rPr>
-              <a:t>예약 페이지</a:t>
-            </a:r>
-            <a:endParaRPr lang="ko-KR" altLang="en-US" sz="2500" dirty="0">
+              <a:t>LEADER</a:t>
+            </a:r>
+            <a:endParaRPr lang="ko-KR" altLang="en-US" sz="4000" b="1" dirty="0">
               <a:solidFill>
-                <a:schemeClr val="bg1"/>
+                <a:schemeClr val="tx1">
+                  <a:lumMod val="65000"/>
+                  <a:lumOff val="35000"/>
+                </a:schemeClr>
               </a:solidFill>
               <a:latin typeface="HY견고딕" panose="02030600000101010101" pitchFamily="18" charset="-127"/>
               <a:ea typeface="HY견고딕" panose="02030600000101010101" pitchFamily="18" charset="-127"/>
@@ -21805,14 +23726,14 @@
       </p:sp>
       <p:sp>
         <p:nvSpPr>
-          <p:cNvPr id="32" name="TextBox 31"/>
+          <p:cNvPr id="21" name="TextBox 20"/>
           <p:cNvSpPr txBox="1"/>
           <p:nvPr/>
         </p:nvSpPr>
         <p:spPr>
           <a:xfrm>
-            <a:off x="4938485" y="3235624"/>
-            <a:ext cx="2253893" cy="1015663"/>
+            <a:off x="8355284" y="5046702"/>
+            <a:ext cx="1714662" cy="553998"/>
           </a:xfrm>
           <a:prstGeom prst="rect">
             <a:avLst/>
@@ -21827,185 +23748,13 @@
           <a:p>
             <a:pPr algn="ctr"/>
             <a:r>
-              <a:rPr lang="en-US" altLang="ko-KR" sz="3000" dirty="0" smtClean="0">
-                <a:solidFill>
-                  <a:schemeClr val="bg1"/>
-                </a:solidFill>
+              <a:rPr lang="ko-KR" altLang="en-US" sz="3000" b="1" dirty="0" smtClean="0">
                 <a:latin typeface="HY견고딕" panose="02030600000101010101" pitchFamily="18" charset="-127"/>
                 <a:ea typeface="HY견고딕" panose="02030600000101010101" pitchFamily="18" charset="-127"/>
               </a:rPr>
-              <a:t>01</a:t>
-            </a:r>
-            <a:endParaRPr lang="en-US" altLang="ko-KR" sz="2500" dirty="0" smtClean="0">
-              <a:solidFill>
-                <a:schemeClr val="bg1"/>
-              </a:solidFill>
-              <a:latin typeface="HY견고딕" panose="02030600000101010101" pitchFamily="18" charset="-127"/>
-              <a:ea typeface="HY견고딕" panose="02030600000101010101" pitchFamily="18" charset="-127"/>
-            </a:endParaRPr>
-          </a:p>
-          <a:p>
-            <a:pPr algn="ctr"/>
-            <a:r>
-              <a:rPr lang="ko-KR" altLang="en-US" sz="3000" dirty="0" smtClean="0">
-                <a:solidFill>
-                  <a:schemeClr val="bg1"/>
-                </a:solidFill>
-                <a:latin typeface="HY견고딕" panose="02030600000101010101" pitchFamily="18" charset="-127"/>
-                <a:ea typeface="HY견고딕" panose="02030600000101010101" pitchFamily="18" charset="-127"/>
-              </a:rPr>
-              <a:t>메인 페이지</a:t>
-            </a:r>
-            <a:endParaRPr lang="en-US" altLang="ko-KR" sz="3000" dirty="0" smtClean="0">
-              <a:solidFill>
-                <a:schemeClr val="bg1"/>
-              </a:solidFill>
-              <a:latin typeface="HY견고딕" panose="02030600000101010101" pitchFamily="18" charset="-127"/>
-              <a:ea typeface="HY견고딕" panose="02030600000101010101" pitchFamily="18" charset="-127"/>
-            </a:endParaRPr>
-          </a:p>
-        </p:txBody>
-      </p:sp>
-      <p:sp>
-        <p:nvSpPr>
-          <p:cNvPr id="2" name="TextBox 1"/>
-          <p:cNvSpPr txBox="1"/>
-          <p:nvPr/>
-        </p:nvSpPr>
-        <p:spPr>
-          <a:xfrm>
-            <a:off x="4938485" y="4505665"/>
-            <a:ext cx="2253893" cy="646331"/>
-          </a:xfrm>
-          <a:prstGeom prst="rect">
-            <a:avLst/>
-          </a:prstGeom>
-          <a:noFill/>
-        </p:spPr>
-        <p:txBody>
-          <a:bodyPr wrap="square" rtlCol="0">
-            <a:spAutoFit/>
-          </a:bodyPr>
-          <a:lstStyle/>
-          <a:p>
-            <a:pPr algn="ctr"/>
-            <a:r>
-              <a:rPr lang="ko-KR" altLang="en-US" dirty="0" smtClean="0">
-                <a:solidFill>
-                  <a:schemeClr val="bg1"/>
-                </a:solidFill>
-                <a:latin typeface="HY견고딕" panose="02030600000101010101" pitchFamily="18" charset="-127"/>
-                <a:ea typeface="HY견고딕" panose="02030600000101010101" pitchFamily="18" charset="-127"/>
-              </a:rPr>
-              <a:t>로그인</a:t>
-            </a:r>
-            <a:endParaRPr lang="en-US" altLang="ko-KR" dirty="0" smtClean="0">
-              <a:solidFill>
-                <a:schemeClr val="bg1"/>
-              </a:solidFill>
-              <a:latin typeface="HY견고딕" panose="02030600000101010101" pitchFamily="18" charset="-127"/>
-              <a:ea typeface="HY견고딕" panose="02030600000101010101" pitchFamily="18" charset="-127"/>
-            </a:endParaRPr>
-          </a:p>
-          <a:p>
-            <a:pPr algn="ctr"/>
-            <a:r>
-              <a:rPr lang="ko-KR" altLang="en-US" dirty="0" smtClean="0">
-                <a:solidFill>
-                  <a:schemeClr val="bg1"/>
-                </a:solidFill>
-                <a:latin typeface="HY견고딕" panose="02030600000101010101" pitchFamily="18" charset="-127"/>
-                <a:ea typeface="HY견고딕" panose="02030600000101010101" pitchFamily="18" charset="-127"/>
-              </a:rPr>
-              <a:t>회원가입</a:t>
-            </a:r>
-            <a:endParaRPr lang="ko-KR" altLang="en-US" dirty="0">
-              <a:solidFill>
-                <a:schemeClr val="bg1"/>
-              </a:solidFill>
-              <a:latin typeface="HY견고딕" panose="02030600000101010101" pitchFamily="18" charset="-127"/>
-              <a:ea typeface="HY견고딕" panose="02030600000101010101" pitchFamily="18" charset="-127"/>
-            </a:endParaRPr>
-          </a:p>
-        </p:txBody>
-      </p:sp>
-      <p:sp>
-        <p:nvSpPr>
-          <p:cNvPr id="20" name="TextBox 19"/>
-          <p:cNvSpPr txBox="1"/>
-          <p:nvPr/>
-        </p:nvSpPr>
-        <p:spPr>
-          <a:xfrm>
-            <a:off x="3276599" y="7429500"/>
-            <a:ext cx="2253893" cy="1200329"/>
-          </a:xfrm>
-          <a:prstGeom prst="rect">
-            <a:avLst/>
-          </a:prstGeom>
-          <a:noFill/>
-        </p:spPr>
-        <p:txBody>
-          <a:bodyPr wrap="square" rtlCol="0">
-            <a:spAutoFit/>
-          </a:bodyPr>
-          <a:lstStyle/>
-          <a:p>
-            <a:pPr algn="ctr"/>
-            <a:r>
-              <a:rPr lang="ko-KR" altLang="en-US" dirty="0" smtClean="0">
-                <a:solidFill>
-                  <a:schemeClr val="bg1"/>
-                </a:solidFill>
-                <a:latin typeface="HY견고딕" panose="02030600000101010101" pitchFamily="18" charset="-127"/>
-                <a:ea typeface="HY견고딕" panose="02030600000101010101" pitchFamily="18" charset="-127"/>
-              </a:rPr>
-              <a:t>예약 하기</a:t>
-            </a:r>
-            <a:endParaRPr lang="en-US" altLang="ko-KR" dirty="0" smtClean="0">
-              <a:solidFill>
-                <a:schemeClr val="bg1"/>
-              </a:solidFill>
-              <a:latin typeface="HY견고딕" panose="02030600000101010101" pitchFamily="18" charset="-127"/>
-              <a:ea typeface="HY견고딕" panose="02030600000101010101" pitchFamily="18" charset="-127"/>
-            </a:endParaRPr>
-          </a:p>
-          <a:p>
-            <a:pPr algn="ctr"/>
-            <a:r>
-              <a:rPr lang="ko-KR" altLang="en-US" dirty="0">
-                <a:solidFill>
-                  <a:schemeClr val="bg1"/>
-                </a:solidFill>
-                <a:latin typeface="HY견고딕" panose="02030600000101010101" pitchFamily="18" charset="-127"/>
-                <a:ea typeface="HY견고딕" panose="02030600000101010101" pitchFamily="18" charset="-127"/>
-              </a:rPr>
-              <a:t>강의실 보기</a:t>
-            </a:r>
-            <a:endParaRPr lang="en-US" altLang="ko-KR" dirty="0">
-              <a:solidFill>
-                <a:schemeClr val="bg1"/>
-              </a:solidFill>
-              <a:latin typeface="HY견고딕" panose="02030600000101010101" pitchFamily="18" charset="-127"/>
-              <a:ea typeface="HY견고딕" panose="02030600000101010101" pitchFamily="18" charset="-127"/>
-            </a:endParaRPr>
-          </a:p>
-          <a:p>
-            <a:pPr algn="ctr"/>
-            <a:endParaRPr lang="en-US" altLang="ko-KR" dirty="0" smtClean="0">
-              <a:solidFill>
-                <a:schemeClr val="bg1"/>
-              </a:solidFill>
-              <a:latin typeface="HY견고딕" panose="02030600000101010101" pitchFamily="18" charset="-127"/>
-              <a:ea typeface="HY견고딕" panose="02030600000101010101" pitchFamily="18" charset="-127"/>
-            </a:endParaRPr>
-          </a:p>
-          <a:p>
-            <a:pPr algn="ctr"/>
-            <a:endParaRPr lang="ko-KR" altLang="en-US" dirty="0">
-              <a:solidFill>
-                <a:schemeClr val="bg1"/>
-              </a:solidFill>
+              <a:t>이상화</a:t>
+            </a:r>
+            <a:endParaRPr lang="ko-KR" altLang="en-US" sz="3000" b="1" dirty="0">
               <a:latin typeface="HY견고딕" panose="02030600000101010101" pitchFamily="18" charset="-127"/>
               <a:ea typeface="HY견고딕" panose="02030600000101010101" pitchFamily="18" charset="-127"/>
             </a:endParaRPr>
@@ -22020,8 +23769,8 @@
         </p:nvSpPr>
         <p:spPr>
           <a:xfrm>
-            <a:off x="6393881" y="7394301"/>
-            <a:ext cx="2253893" cy="646331"/>
+            <a:off x="7793511" y="4229100"/>
+            <a:ext cx="2733635" cy="707886"/>
           </a:xfrm>
           <a:prstGeom prst="rect">
             <a:avLst/>
@@ -22036,123 +23785,110 @@
           <a:p>
             <a:pPr algn="ctr"/>
             <a:r>
-              <a:rPr lang="ko-KR" altLang="en-US" dirty="0" smtClean="0">
+              <a:rPr lang="en-US" altLang="ko-KR" sz="4000" b="1" dirty="0" smtClean="0">
                 <a:solidFill>
-                  <a:schemeClr val="bg1"/>
+                  <a:schemeClr val="tx1">
+                    <a:lumMod val="65000"/>
+                    <a:lumOff val="35000"/>
+                  </a:schemeClr>
                 </a:solidFill>
                 <a:latin typeface="HY견고딕" panose="02030600000101010101" pitchFamily="18" charset="-127"/>
                 <a:ea typeface="HY견고딕" panose="02030600000101010101" pitchFamily="18" charset="-127"/>
               </a:rPr>
-              <a:t>지점별 예약 현황</a:t>
-            </a:r>
-            <a:endParaRPr lang="en-US" altLang="ko-KR" dirty="0" smtClean="0">
+              <a:t>MEMBER</a:t>
+            </a:r>
+            <a:endParaRPr lang="ko-KR" altLang="en-US" sz="4000" b="1" dirty="0">
               <a:solidFill>
-                <a:schemeClr val="bg1"/>
+                <a:schemeClr val="tx1">
+                  <a:lumMod val="65000"/>
+                  <a:lumOff val="35000"/>
+                </a:schemeClr>
               </a:solidFill>
               <a:latin typeface="HY견고딕" panose="02030600000101010101" pitchFamily="18" charset="-127"/>
               <a:ea typeface="HY견고딕" panose="02030600000101010101" pitchFamily="18" charset="-127"/>
             </a:endParaRPr>
           </a:p>
-          <a:p>
-            <a:pPr algn="ctr"/>
-            <a:r>
-              <a:rPr lang="ko-KR" altLang="en-US" dirty="0" smtClean="0">
-                <a:solidFill>
-                  <a:schemeClr val="bg1"/>
-                </a:solidFill>
-                <a:latin typeface="HY견고딕" panose="02030600000101010101" pitchFamily="18" charset="-127"/>
-                <a:ea typeface="HY견고딕" panose="02030600000101010101" pitchFamily="18" charset="-127"/>
-              </a:rPr>
-              <a:t>강의실 보기</a:t>
-            </a:r>
-            <a:endParaRPr lang="ko-KR" altLang="en-US" dirty="0">
-              <a:solidFill>
-                <a:schemeClr val="bg1"/>
-              </a:solidFill>
-              <a:latin typeface="HY견고딕" panose="02030600000101010101" pitchFamily="18" charset="-127"/>
-              <a:ea typeface="HY견고딕" panose="02030600000101010101" pitchFamily="18" charset="-127"/>
-            </a:endParaRPr>
-          </a:p>
         </p:txBody>
       </p:sp>
       <p:sp>
         <p:nvSpPr>
-          <p:cNvPr id="9" name="타원 8"/>
-          <p:cNvSpPr/>
+          <p:cNvPr id="23" name="TextBox 22"/>
+          <p:cNvSpPr txBox="1"/>
           <p:nvPr/>
         </p:nvSpPr>
         <p:spPr>
           <a:xfrm>
-            <a:off x="11811000" y="3589903"/>
-            <a:ext cx="3505200" cy="3505200"/>
-          </a:xfrm>
-          <a:prstGeom prst="ellipse">
-            <a:avLst/>
-          </a:prstGeom>
-          <a:gradFill flip="none" rotWithShape="1">
-            <a:gsLst>
-              <a:gs pos="75000">
-                <a:schemeClr val="accent1">
-                  <a:shade val="30000"/>
-                  <a:satMod val="115000"/>
-                </a:schemeClr>
-              </a:gs>
-              <a:gs pos="44000">
-                <a:schemeClr val="accent1">
-                  <a:shade val="67500"/>
-                  <a:satMod val="115000"/>
-                </a:schemeClr>
-              </a:gs>
-              <a:gs pos="100000">
-                <a:schemeClr val="accent1">
-                  <a:shade val="100000"/>
-                  <a:satMod val="115000"/>
-                </a:schemeClr>
-              </a:gs>
-            </a:gsLst>
-            <a:path path="circle">
-              <a:fillToRect l="50000" t="50000" r="50000" b="50000"/>
-            </a:path>
-            <a:tileRect/>
-          </a:gradFill>
-          <a:ln>
-            <a:noFill/>
-          </a:ln>
-        </p:spPr>
-        <p:style>
-          <a:lnRef idx="2">
-            <a:schemeClr val="accent1">
-              <a:shade val="50000"/>
-            </a:schemeClr>
-          </a:lnRef>
-          <a:fillRef idx="1">
-            <a:schemeClr val="accent1"/>
-          </a:fillRef>
-          <a:effectRef idx="0">
-            <a:schemeClr val="accent1"/>
-          </a:effectRef>
-          <a:fontRef idx="minor">
-            <a:schemeClr val="lt1"/>
-          </a:fontRef>
-        </p:style>
+            <a:off x="14058738" y="5026104"/>
+            <a:ext cx="1714662" cy="553998"/>
+          </a:xfrm>
+          <a:prstGeom prst="rect">
+            <a:avLst/>
+          </a:prstGeom>
+          <a:noFill/>
+        </p:spPr>
         <p:txBody>
-          <a:bodyPr rtlCol="0" anchor="ctr"/>
+          <a:bodyPr wrap="square" rtlCol="0">
+            <a:spAutoFit/>
+          </a:bodyPr>
           <a:lstStyle/>
           <a:p>
             <a:pPr algn="ctr"/>
             <a:r>
-              <a:rPr lang="ko-KR" altLang="en-US" sz="2400" dirty="0" smtClean="0">
+              <a:rPr lang="ko-KR" altLang="en-US" sz="3000" b="1" dirty="0" smtClean="0">
+                <a:latin typeface="HY견고딕" panose="02030600000101010101" pitchFamily="18" charset="-127"/>
+                <a:ea typeface="HY견고딕" panose="02030600000101010101" pitchFamily="18" charset="-127"/>
+              </a:rPr>
+              <a:t>엄성용</a:t>
+            </a:r>
+            <a:endParaRPr lang="ko-KR" altLang="en-US" sz="3000" b="1" dirty="0">
+              <a:latin typeface="HY견고딕" panose="02030600000101010101" pitchFamily="18" charset="-127"/>
+              <a:ea typeface="HY견고딕" panose="02030600000101010101" pitchFamily="18" charset="-127"/>
+            </a:endParaRPr>
+          </a:p>
+        </p:txBody>
+      </p:sp>
+      <p:sp>
+        <p:nvSpPr>
+          <p:cNvPr id="29" name="TextBox 28"/>
+          <p:cNvSpPr txBox="1"/>
+          <p:nvPr/>
+        </p:nvSpPr>
+        <p:spPr>
+          <a:xfrm>
+            <a:off x="13487400" y="4208502"/>
+            <a:ext cx="2733635" cy="707886"/>
+          </a:xfrm>
+          <a:prstGeom prst="rect">
+            <a:avLst/>
+          </a:prstGeom>
+          <a:noFill/>
+        </p:spPr>
+        <p:txBody>
+          <a:bodyPr wrap="square" rtlCol="0">
+            <a:spAutoFit/>
+          </a:bodyPr>
+          <a:lstStyle/>
+          <a:p>
+            <a:pPr algn="ctr"/>
+            <a:r>
+              <a:rPr lang="en-US" altLang="ko-KR" sz="4000" b="1" dirty="0" smtClean="0">
                 <a:solidFill>
-                  <a:schemeClr val="bg1"/>
+                  <a:schemeClr val="tx1">
+                    <a:lumMod val="65000"/>
+                    <a:lumOff val="35000"/>
+                  </a:schemeClr>
                 </a:solidFill>
                 <a:latin typeface="HY견고딕" panose="02030600000101010101" pitchFamily="18" charset="-127"/>
                 <a:ea typeface="HY견고딕" panose="02030600000101010101" pitchFamily="18" charset="-127"/>
               </a:rPr>
-              <a:t>관리자 페이지</a:t>
-            </a:r>
-            <a:endParaRPr lang="ko-KR" altLang="en-US" sz="2400" dirty="0">
+              <a:t>MEMBER</a:t>
+            </a:r>
+            <a:endParaRPr lang="ko-KR" altLang="en-US" sz="4000" b="1" dirty="0">
               <a:solidFill>
-                <a:schemeClr val="bg1"/>
+                <a:schemeClr val="tx1">
+                  <a:lumMod val="65000"/>
+                  <a:lumOff val="35000"/>
+                </a:schemeClr>
               </a:solidFill>
               <a:latin typeface="HY견고딕" panose="02030600000101010101" pitchFamily="18" charset="-127"/>
               <a:ea typeface="HY견고딕" panose="02030600000101010101" pitchFamily="18" charset="-127"/>
@@ -22163,7 +23899,7 @@
     </p:spTree>
     <p:extLst>
       <p:ext uri="{BB962C8B-B14F-4D97-AF65-F5344CB8AC3E}">
-        <p14:creationId xmlns:p14="http://schemas.microsoft.com/office/powerpoint/2010/main" val="163001951"/>
+        <p14:creationId xmlns:p14="http://schemas.microsoft.com/office/powerpoint/2010/main" val="851161180"/>
       </p:ext>
     </p:extLst>
   </p:cSld>
@@ -22240,7 +23976,7 @@
             <p:nvPr/>
           </p:nvPicPr>
           <p:blipFill>
-            <a:blip r:embed="rId2" cstate="print"/>
+            <a:blip r:embed="rId3" cstate="print"/>
             <a:stretch>
               <a:fillRect/>
             </a:stretch>
@@ -22283,7 +24019,7 @@
                 <a:latin typeface="HY견고딕" panose="02030600000101010101" pitchFamily="18" charset="-127"/>
                 <a:ea typeface="HY견고딕" panose="02030600000101010101" pitchFamily="18" charset="-127"/>
               </a:rPr>
-              <a:t>예상 </a:t>
+              <a:t>팀원 </a:t>
             </a:r>
             <a:r>
               <a:rPr lang="ko-KR" altLang="en-US" sz="6000" dirty="0" smtClean="0">
@@ -22293,7 +24029,7 @@
                 <a:latin typeface="HY견고딕" panose="02030600000101010101" pitchFamily="18" charset="-127"/>
                 <a:ea typeface="HY견고딕" panose="02030600000101010101" pitchFamily="18" charset="-127"/>
               </a:rPr>
-              <a:t>디자인</a:t>
+              <a:t>소개</a:t>
             </a:r>
             <a:endParaRPr lang="ko-KR" altLang="en-US" sz="6000" dirty="0">
               <a:solidFill>
@@ -22314,7 +24050,7 @@
           <p:nvPr/>
         </p:nvPicPr>
         <p:blipFill>
-          <a:blip r:embed="rId3">
+          <a:blip r:embed="rId4">
             <a:extLst>
               <a:ext uri="{28A0092B-C50C-407E-A947-70E740481C1C}">
                 <a14:useLocalDpi xmlns:a14="http://schemas.microsoft.com/office/drawing/2010/main" val="0"/>
@@ -22344,7 +24080,7 @@
           <p:nvPr/>
         </p:nvPicPr>
         <p:blipFill>
-          <a:blip r:embed="rId4" cstate="print"/>
+          <a:blip r:embed="rId5" cstate="print"/>
           <a:stretch>
             <a:fillRect/>
           </a:stretch>
@@ -22359,10 +24095,380 @@
           </a:prstGeom>
         </p:spPr>
       </p:pic>
+      <p:grpSp>
+        <p:nvGrpSpPr>
+          <p:cNvPr id="16" name="그룹 1002"/>
+          <p:cNvGrpSpPr/>
+          <p:nvPr/>
+        </p:nvGrpSpPr>
+        <p:grpSpPr>
+          <a:xfrm>
+            <a:off x="2492426" y="3481031"/>
+            <a:ext cx="2536774" cy="5091469"/>
+            <a:chOff x="2822538" y="2969137"/>
+            <a:chExt cx="2536774" cy="5091469"/>
+          </a:xfrm>
+        </p:grpSpPr>
+        <p:pic>
+          <p:nvPicPr>
+            <p:cNvPr id="21" name="Object 9"/>
+            <p:cNvPicPr>
+              <a:picLocks noChangeAspect="1"/>
+            </p:cNvPicPr>
+            <p:nvPr/>
+          </p:nvPicPr>
+          <p:blipFill>
+            <a:blip r:embed="rId6" cstate="print"/>
+            <a:stretch>
+              <a:fillRect/>
+            </a:stretch>
+          </p:blipFill>
+          <p:spPr>
+            <a:xfrm>
+              <a:off x="2822538" y="2969137"/>
+              <a:ext cx="2536774" cy="5091469"/>
+            </a:xfrm>
+            <a:prstGeom prst="rect">
+              <a:avLst/>
+            </a:prstGeom>
+          </p:spPr>
+        </p:pic>
+      </p:grpSp>
+      <p:sp>
+        <p:nvSpPr>
+          <p:cNvPr id="22" name="TextBox 21"/>
+          <p:cNvSpPr txBox="1"/>
+          <p:nvPr/>
+        </p:nvSpPr>
+        <p:spPr>
+          <a:xfrm>
+            <a:off x="1561938" y="5898833"/>
+            <a:ext cx="1714662" cy="553998"/>
+          </a:xfrm>
+          <a:prstGeom prst="rect">
+            <a:avLst/>
+          </a:prstGeom>
+          <a:noFill/>
+        </p:spPr>
+        <p:txBody>
+          <a:bodyPr wrap="square" rtlCol="0">
+            <a:spAutoFit/>
+          </a:bodyPr>
+          <a:lstStyle/>
+          <a:p>
+            <a:pPr algn="ctr"/>
+            <a:r>
+              <a:rPr lang="ko-KR" altLang="en-US" sz="3000" b="1" dirty="0" smtClean="0">
+                <a:latin typeface="HY견고딕" panose="02030600000101010101" pitchFamily="18" charset="-127"/>
+                <a:ea typeface="HY견고딕" panose="02030600000101010101" pitchFamily="18" charset="-127"/>
+              </a:rPr>
+              <a:t>장동진</a:t>
+            </a:r>
+            <a:endParaRPr lang="ko-KR" altLang="en-US" sz="3000" b="1" dirty="0">
+              <a:latin typeface="HY견고딕" panose="02030600000101010101" pitchFamily="18" charset="-127"/>
+              <a:ea typeface="HY견고딕" panose="02030600000101010101" pitchFamily="18" charset="-127"/>
+            </a:endParaRPr>
+          </a:p>
+        </p:txBody>
+      </p:sp>
+      <p:sp>
+        <p:nvSpPr>
+          <p:cNvPr id="23" name="TextBox 22"/>
+          <p:cNvSpPr txBox="1"/>
+          <p:nvPr/>
+        </p:nvSpPr>
+        <p:spPr>
+          <a:xfrm>
+            <a:off x="1561938" y="5462231"/>
+            <a:ext cx="1714662" cy="400110"/>
+          </a:xfrm>
+          <a:prstGeom prst="rect">
+            <a:avLst/>
+          </a:prstGeom>
+          <a:noFill/>
+        </p:spPr>
+        <p:txBody>
+          <a:bodyPr wrap="square" rtlCol="0">
+            <a:spAutoFit/>
+          </a:bodyPr>
+          <a:lstStyle/>
+          <a:p>
+            <a:pPr algn="ctr"/>
+            <a:r>
+              <a:rPr lang="en-US" altLang="ko-KR" sz="2000" b="1" dirty="0" smtClean="0">
+                <a:solidFill>
+                  <a:schemeClr val="tx1">
+                    <a:lumMod val="65000"/>
+                    <a:lumOff val="35000"/>
+                  </a:schemeClr>
+                </a:solidFill>
+                <a:latin typeface="HY견고딕" panose="02030600000101010101" pitchFamily="18" charset="-127"/>
+                <a:ea typeface="HY견고딕" panose="02030600000101010101" pitchFamily="18" charset="-127"/>
+              </a:rPr>
+              <a:t>LEADER</a:t>
+            </a:r>
+            <a:endParaRPr lang="ko-KR" altLang="en-US" sz="2000" b="1" dirty="0">
+              <a:solidFill>
+                <a:schemeClr val="tx1">
+                  <a:lumMod val="65000"/>
+                  <a:lumOff val="35000"/>
+                </a:schemeClr>
+              </a:solidFill>
+              <a:latin typeface="HY견고딕" panose="02030600000101010101" pitchFamily="18" charset="-127"/>
+              <a:ea typeface="HY견고딕" panose="02030600000101010101" pitchFamily="18" charset="-127"/>
+            </a:endParaRPr>
+          </a:p>
+        </p:txBody>
+      </p:sp>
+      <p:grpSp>
+        <p:nvGrpSpPr>
+          <p:cNvPr id="29" name="그룹 1008"/>
+          <p:cNvGrpSpPr/>
+          <p:nvPr/>
+        </p:nvGrpSpPr>
+        <p:grpSpPr>
+          <a:xfrm>
+            <a:off x="5569498" y="4637015"/>
+            <a:ext cx="10268868" cy="63216"/>
+            <a:chOff x="4998069" y="3855779"/>
+            <a:chExt cx="10268868" cy="63216"/>
+          </a:xfrm>
+        </p:grpSpPr>
+        <p:pic>
+          <p:nvPicPr>
+            <p:cNvPr id="30" name="Object 30"/>
+            <p:cNvPicPr>
+              <a:picLocks noChangeAspect="1"/>
+            </p:cNvPicPr>
+            <p:nvPr/>
+          </p:nvPicPr>
+          <p:blipFill>
+            <a:blip r:embed="rId7" cstate="print"/>
+            <a:stretch>
+              <a:fillRect/>
+            </a:stretch>
+          </p:blipFill>
+          <p:spPr>
+            <a:xfrm>
+              <a:off x="4998069" y="3855779"/>
+              <a:ext cx="10268868" cy="63216"/>
+            </a:xfrm>
+            <a:prstGeom prst="rect">
+              <a:avLst/>
+            </a:prstGeom>
+          </p:spPr>
+        </p:pic>
+      </p:grpSp>
+      <p:grpSp>
+        <p:nvGrpSpPr>
+          <p:cNvPr id="31" name="그룹 1009"/>
+          <p:cNvGrpSpPr/>
+          <p:nvPr/>
+        </p:nvGrpSpPr>
+        <p:grpSpPr>
+          <a:xfrm>
+            <a:off x="5569498" y="6529031"/>
+            <a:ext cx="10268868" cy="63216"/>
+            <a:chOff x="5569498" y="5327260"/>
+            <a:chExt cx="10268868" cy="63216"/>
+          </a:xfrm>
+        </p:grpSpPr>
+        <p:pic>
+          <p:nvPicPr>
+            <p:cNvPr id="32" name="Object 33"/>
+            <p:cNvPicPr>
+              <a:picLocks noChangeAspect="1"/>
+            </p:cNvPicPr>
+            <p:nvPr/>
+          </p:nvPicPr>
+          <p:blipFill>
+            <a:blip r:embed="rId7" cstate="print"/>
+            <a:stretch>
+              <a:fillRect/>
+            </a:stretch>
+          </p:blipFill>
+          <p:spPr>
+            <a:xfrm>
+              <a:off x="5569498" y="5327260"/>
+              <a:ext cx="10268868" cy="63216"/>
+            </a:xfrm>
+            <a:prstGeom prst="rect">
+              <a:avLst/>
+            </a:prstGeom>
+          </p:spPr>
+        </p:pic>
+      </p:grpSp>
+      <p:sp>
+        <p:nvSpPr>
+          <p:cNvPr id="2" name="TextBox 1"/>
+          <p:cNvSpPr txBox="1"/>
+          <p:nvPr/>
+        </p:nvSpPr>
+        <p:spPr>
+          <a:xfrm>
+            <a:off x="5542284" y="3710182"/>
+            <a:ext cx="10051502" cy="553998"/>
+          </a:xfrm>
+          <a:prstGeom prst="rect">
+            <a:avLst/>
+          </a:prstGeom>
+          <a:noFill/>
+        </p:spPr>
+        <p:txBody>
+          <a:bodyPr wrap="square" rtlCol="0">
+            <a:spAutoFit/>
+          </a:bodyPr>
+          <a:lstStyle/>
+          <a:p>
+            <a:r>
+              <a:rPr lang="ko-KR" altLang="en-US" sz="3000" dirty="0" smtClean="0">
+                <a:latin typeface="바탕" panose="02030600000101010101" pitchFamily="18" charset="-127"/>
+                <a:ea typeface="바탕" panose="02030600000101010101" pitchFamily="18" charset="-127"/>
+              </a:rPr>
+              <a:t>◆ </a:t>
+            </a:r>
+            <a:r>
+              <a:rPr lang="ko-KR" altLang="en-US" sz="3000" dirty="0" smtClean="0">
+                <a:latin typeface="HY견고딕" panose="02030600000101010101" pitchFamily="18" charset="-127"/>
+                <a:ea typeface="HY견고딕" panose="02030600000101010101" pitchFamily="18" charset="-127"/>
+              </a:rPr>
+              <a:t>유저 </a:t>
+            </a:r>
+            <a:r>
+              <a:rPr lang="ko-KR" altLang="en-US" sz="3000" dirty="0">
+                <a:latin typeface="HY견고딕" panose="02030600000101010101" pitchFamily="18" charset="-127"/>
+                <a:ea typeface="HY견고딕" panose="02030600000101010101" pitchFamily="18" charset="-127"/>
+              </a:rPr>
+              <a:t>페이지 </a:t>
+            </a:r>
+            <a:r>
+              <a:rPr lang="ko-KR" altLang="en-US" sz="3000" dirty="0" smtClean="0">
+                <a:latin typeface="HY견고딕" panose="02030600000101010101" pitchFamily="18" charset="-127"/>
+                <a:ea typeface="HY견고딕" panose="02030600000101010101" pitchFamily="18" charset="-127"/>
+              </a:rPr>
+              <a:t>예약</a:t>
+            </a:r>
+            <a:endParaRPr lang="en-US" altLang="ko-KR" sz="3000" dirty="0">
+              <a:latin typeface="HY견고딕" panose="02030600000101010101" pitchFamily="18" charset="-127"/>
+              <a:ea typeface="HY견고딕" panose="02030600000101010101" pitchFamily="18" charset="-127"/>
+            </a:endParaRPr>
+          </a:p>
+        </p:txBody>
+      </p:sp>
+      <p:sp>
+        <p:nvSpPr>
+          <p:cNvPr id="34" name="TextBox 33"/>
+          <p:cNvSpPr txBox="1"/>
+          <p:nvPr/>
+        </p:nvSpPr>
+        <p:spPr>
+          <a:xfrm>
+            <a:off x="5542284" y="5445902"/>
+            <a:ext cx="10051502" cy="553998"/>
+          </a:xfrm>
+          <a:prstGeom prst="rect">
+            <a:avLst/>
+          </a:prstGeom>
+          <a:noFill/>
+        </p:spPr>
+        <p:txBody>
+          <a:bodyPr wrap="square" rtlCol="0">
+            <a:spAutoFit/>
+          </a:bodyPr>
+          <a:lstStyle/>
+          <a:p>
+            <a:r>
+              <a:rPr lang="ko-KR" altLang="en-US" sz="3000" dirty="0">
+                <a:latin typeface="바탕" panose="02030600000101010101" pitchFamily="18" charset="-127"/>
+                <a:ea typeface="바탕" panose="02030600000101010101" pitchFamily="18" charset="-127"/>
+              </a:rPr>
+              <a:t>◆</a:t>
+            </a:r>
+            <a:r>
+              <a:rPr lang="ko-KR" altLang="en-US" sz="3000" dirty="0" smtClean="0">
+                <a:latin typeface="HY견고딕" panose="02030600000101010101" pitchFamily="18" charset="-127"/>
+                <a:ea typeface="HY견고딕" panose="02030600000101010101" pitchFamily="18" charset="-127"/>
+              </a:rPr>
+              <a:t> 관리자 </a:t>
+            </a:r>
+            <a:r>
+              <a:rPr lang="ko-KR" altLang="en-US" sz="3000" dirty="0">
+                <a:latin typeface="HY견고딕" panose="02030600000101010101" pitchFamily="18" charset="-127"/>
+                <a:ea typeface="HY견고딕" panose="02030600000101010101" pitchFamily="18" charset="-127"/>
+              </a:rPr>
+              <a:t>페이지 </a:t>
+            </a:r>
+            <a:r>
+              <a:rPr lang="ko-KR" altLang="en-US" sz="3000" dirty="0" smtClean="0">
+                <a:latin typeface="HY견고딕" panose="02030600000101010101" pitchFamily="18" charset="-127"/>
+                <a:ea typeface="HY견고딕" panose="02030600000101010101" pitchFamily="18" charset="-127"/>
+              </a:rPr>
+              <a:t>예약</a:t>
+            </a:r>
+            <a:endParaRPr lang="en-US" altLang="ko-KR" sz="3000" dirty="0">
+              <a:latin typeface="HY견고딕" panose="02030600000101010101" pitchFamily="18" charset="-127"/>
+              <a:ea typeface="HY견고딕" panose="02030600000101010101" pitchFamily="18" charset="-127"/>
+            </a:endParaRPr>
+          </a:p>
+        </p:txBody>
+      </p:sp>
+      <p:sp>
+        <p:nvSpPr>
+          <p:cNvPr id="35" name="TextBox 34"/>
+          <p:cNvSpPr txBox="1"/>
+          <p:nvPr/>
+        </p:nvSpPr>
+        <p:spPr>
+          <a:xfrm>
+            <a:off x="5569498" y="7274702"/>
+            <a:ext cx="10051502" cy="553998"/>
+          </a:xfrm>
+          <a:prstGeom prst="rect">
+            <a:avLst/>
+          </a:prstGeom>
+          <a:noFill/>
+        </p:spPr>
+        <p:txBody>
+          <a:bodyPr wrap="square" rtlCol="0">
+            <a:spAutoFit/>
+          </a:bodyPr>
+          <a:lstStyle/>
+          <a:p>
+            <a:r>
+              <a:rPr lang="ko-KR" altLang="en-US" sz="3000" dirty="0">
+                <a:latin typeface="바탕" panose="02030600000101010101" pitchFamily="18" charset="-127"/>
+                <a:ea typeface="바탕" panose="02030600000101010101" pitchFamily="18" charset="-127"/>
+              </a:rPr>
+              <a:t>◆ </a:t>
+            </a:r>
+            <a:r>
+              <a:rPr lang="ko-KR" altLang="en-US" sz="3000" dirty="0" smtClean="0">
+                <a:latin typeface="HY견고딕" panose="02030600000101010101" pitchFamily="18" charset="-127"/>
+                <a:ea typeface="HY견고딕" panose="02030600000101010101" pitchFamily="18" charset="-127"/>
+              </a:rPr>
+              <a:t>지도 </a:t>
+            </a:r>
+            <a:r>
+              <a:rPr lang="en-US" altLang="ko-KR" sz="3000" dirty="0">
+                <a:latin typeface="HY견고딕" panose="02030600000101010101" pitchFamily="18" charset="-127"/>
+                <a:ea typeface="HY견고딕" panose="02030600000101010101" pitchFamily="18" charset="-127"/>
+              </a:rPr>
+              <a:t>API</a:t>
+            </a:r>
+            <a:r>
+              <a:rPr lang="ko-KR" altLang="en-US" sz="3000" dirty="0">
+                <a:latin typeface="HY견고딕" panose="02030600000101010101" pitchFamily="18" charset="-127"/>
+                <a:ea typeface="HY견고딕" panose="02030600000101010101" pitchFamily="18" charset="-127"/>
+              </a:rPr>
+              <a:t> 위치 설정</a:t>
+            </a:r>
+          </a:p>
+        </p:txBody>
+      </p:sp>
     </p:spTree>
     <p:extLst>
       <p:ext uri="{BB962C8B-B14F-4D97-AF65-F5344CB8AC3E}">
-        <p14:creationId xmlns:p14="http://schemas.microsoft.com/office/powerpoint/2010/main" val="3892931467"/>
+        <p14:creationId xmlns:p14="http://schemas.microsoft.com/office/powerpoint/2010/main" val="2608860389"/>
       </p:ext>
     </p:extLst>
   </p:cSld>
@@ -22371,13 +24477,13 @@
   </p:clrMapOvr>
   <mc:AlternateContent xmlns:mc="http://schemas.openxmlformats.org/markup-compatibility/2006" xmlns:p14="http://schemas.microsoft.com/office/powerpoint/2010/main">
     <mc:Choice Requires="p14">
-      <p:transition spd="med" p14:dur="700">
-        <p:fade/>
+      <p:transition spd="slow" p14:dur="1500">
+        <p:wipe dir="r"/>
       </p:transition>
     </mc:Choice>
     <mc:Fallback xmlns="">
-      <p:transition spd="med">
-        <p:fade/>
+      <p:transition spd="slow">
+        <p:wipe dir="r"/>
       </p:transition>
     </mc:Fallback>
   </mc:AlternateContent>
@@ -22394,6 +24500,14 @@
 <file path=ppt/slides/slide6.xml><?xml version="1.0" encoding="utf-8"?>
 <p:sld xmlns:a="http://schemas.openxmlformats.org/drawingml/2006/main" xmlns:r="http://schemas.openxmlformats.org/officeDocument/2006/relationships" xmlns:p="http://schemas.openxmlformats.org/presentationml/2006/main">
   <p:cSld>
+    <p:bg>
+      <p:bgPr>
+        <a:solidFill>
+          <a:srgbClr val="F6F6F6"/>
+        </a:solidFill>
+        <a:effectLst/>
+      </p:bgPr>
+    </p:bg>
     <p:spTree>
       <p:nvGrpSpPr>
         <p:cNvPr id="1" name=""/>
@@ -22408,16 +24522,104 @@
           <a:chExt cx="0" cy="0"/>
         </a:xfrm>
       </p:grpSpPr>
+      <p:grpSp>
+        <p:nvGrpSpPr>
+          <p:cNvPr id="1002" name="그룹 1002"/>
+          <p:cNvGrpSpPr/>
+          <p:nvPr/>
+        </p:nvGrpSpPr>
+        <p:grpSpPr>
+          <a:xfrm>
+            <a:off x="1248279" y="2918150"/>
+            <a:ext cx="512444" cy="91380"/>
+            <a:chOff x="1248279" y="2918150"/>
+            <a:chExt cx="512444" cy="91380"/>
+          </a:xfrm>
+        </p:grpSpPr>
+        <p:pic>
+          <p:nvPicPr>
+            <p:cNvPr id="8" name="Object 7"/>
+            <p:cNvPicPr>
+              <a:picLocks noChangeAspect="1"/>
+            </p:cNvPicPr>
+            <p:nvPr/>
+          </p:nvPicPr>
+          <p:blipFill>
+            <a:blip r:embed="rId3" cstate="print"/>
+            <a:stretch>
+              <a:fillRect/>
+            </a:stretch>
+          </p:blipFill>
+          <p:spPr>
+            <a:xfrm>
+              <a:off x="1248279" y="2918150"/>
+              <a:ext cx="512444" cy="91380"/>
+            </a:xfrm>
+            <a:prstGeom prst="rect">
+              <a:avLst/>
+            </a:prstGeom>
+          </p:spPr>
+        </p:pic>
+      </p:grpSp>
+      <p:sp>
+        <p:nvSpPr>
+          <p:cNvPr id="3" name="TextBox 2"/>
+          <p:cNvSpPr txBox="1"/>
+          <p:nvPr/>
+        </p:nvSpPr>
+        <p:spPr>
+          <a:xfrm>
+            <a:off x="1102864" y="1460837"/>
+            <a:ext cx="7050536" cy="1015663"/>
+          </a:xfrm>
+          <a:prstGeom prst="rect">
+            <a:avLst/>
+          </a:prstGeom>
+          <a:noFill/>
+        </p:spPr>
+        <p:txBody>
+          <a:bodyPr wrap="square" rtlCol="0">
+            <a:spAutoFit/>
+          </a:bodyPr>
+          <a:lstStyle/>
+          <a:p>
+            <a:r>
+              <a:rPr lang="ko-KR" altLang="en-US" sz="6000" dirty="0" smtClean="0">
+                <a:latin typeface="HY견고딕" panose="02030600000101010101" pitchFamily="18" charset="-127"/>
+                <a:ea typeface="HY견고딕" panose="02030600000101010101" pitchFamily="18" charset="-127"/>
+              </a:rPr>
+              <a:t>팀원 </a:t>
+            </a:r>
+            <a:r>
+              <a:rPr lang="ko-KR" altLang="en-US" sz="6000" dirty="0" smtClean="0">
+                <a:solidFill>
+                  <a:srgbClr val="8DCD47"/>
+                </a:solidFill>
+                <a:latin typeface="HY견고딕" panose="02030600000101010101" pitchFamily="18" charset="-127"/>
+                <a:ea typeface="HY견고딕" panose="02030600000101010101" pitchFamily="18" charset="-127"/>
+              </a:rPr>
+              <a:t>소개</a:t>
+            </a:r>
+            <a:endParaRPr lang="ko-KR" altLang="en-US" sz="6000" dirty="0">
+              <a:solidFill>
+                <a:srgbClr val="8DCD47"/>
+              </a:solidFill>
+              <a:latin typeface="HY견고딕" panose="02030600000101010101" pitchFamily="18" charset="-127"/>
+              <a:ea typeface="HY견고딕" panose="02030600000101010101" pitchFamily="18" charset="-127"/>
+            </a:endParaRPr>
+          </a:p>
+        </p:txBody>
+      </p:sp>
       <p:pic>
         <p:nvPicPr>
-          <p:cNvPr id="4" name="그림 3"/>
+          <p:cNvPr id="17" name="그림 16"/>
           <p:cNvPicPr>
             <a:picLocks noChangeAspect="1"/>
           </p:cNvPicPr>
           <p:nvPr/>
         </p:nvPicPr>
         <p:blipFill>
-          <a:blip r:embed="rId2">
+          <a:blip r:embed="rId4">
             <a:extLst>
               <a:ext uri="{28A0092B-C50C-407E-A947-70E740481C1C}">
                 <a14:useLocalDpi xmlns:a14="http://schemas.microsoft.com/office/drawing/2010/main" val="0"/>
@@ -22430,18 +24632,409 @@
         </p:blipFill>
         <p:spPr>
           <a:xfrm>
-            <a:off x="0" y="-8559"/>
-            <a:ext cx="18288000" cy="10295559"/>
+            <a:off x="14630400" y="9029700"/>
+            <a:ext cx="2895600" cy="489292"/>
           </a:xfrm>
           <a:prstGeom prst="rect">
             <a:avLst/>
           </a:prstGeom>
         </p:spPr>
       </p:pic>
+      <p:pic>
+        <p:nvPicPr>
+          <p:cNvPr id="19" name="Object 6"/>
+          <p:cNvPicPr>
+            <a:picLocks noChangeAspect="1"/>
+          </p:cNvPicPr>
+          <p:nvPr/>
+        </p:nvPicPr>
+        <p:blipFill>
+          <a:blip r:embed="rId5" cstate="print"/>
+          <a:stretch>
+            <a:fillRect/>
+          </a:stretch>
+        </p:blipFill>
+        <p:spPr>
+          <a:xfrm>
+            <a:off x="1247795" y="1247814"/>
+            <a:ext cx="1457143" cy="314286"/>
+          </a:xfrm>
+          <a:prstGeom prst="rect">
+            <a:avLst/>
+          </a:prstGeom>
+        </p:spPr>
+      </p:pic>
+      <p:grpSp>
+        <p:nvGrpSpPr>
+          <p:cNvPr id="16" name="그룹 1002"/>
+          <p:cNvGrpSpPr/>
+          <p:nvPr/>
+        </p:nvGrpSpPr>
+        <p:grpSpPr>
+          <a:xfrm>
+            <a:off x="2492426" y="3481031"/>
+            <a:ext cx="2536774" cy="5091469"/>
+            <a:chOff x="2822538" y="2969137"/>
+            <a:chExt cx="2536774" cy="5091469"/>
+          </a:xfrm>
+        </p:grpSpPr>
+        <p:pic>
+          <p:nvPicPr>
+            <p:cNvPr id="21" name="Object 9"/>
+            <p:cNvPicPr>
+              <a:picLocks noChangeAspect="1"/>
+            </p:cNvPicPr>
+            <p:nvPr/>
+          </p:nvPicPr>
+          <p:blipFill>
+            <a:blip r:embed="rId6" cstate="print"/>
+            <a:stretch>
+              <a:fillRect/>
+            </a:stretch>
+          </p:blipFill>
+          <p:spPr>
+            <a:xfrm>
+              <a:off x="2822538" y="2969137"/>
+              <a:ext cx="2536774" cy="5091469"/>
+            </a:xfrm>
+            <a:prstGeom prst="rect">
+              <a:avLst/>
+            </a:prstGeom>
+          </p:spPr>
+        </p:pic>
+      </p:grpSp>
+      <p:sp>
+        <p:nvSpPr>
+          <p:cNvPr id="22" name="TextBox 21"/>
+          <p:cNvSpPr txBox="1"/>
+          <p:nvPr/>
+        </p:nvSpPr>
+        <p:spPr>
+          <a:xfrm>
+            <a:off x="1561938" y="5898833"/>
+            <a:ext cx="1714662" cy="553998"/>
+          </a:xfrm>
+          <a:prstGeom prst="rect">
+            <a:avLst/>
+          </a:prstGeom>
+          <a:noFill/>
+        </p:spPr>
+        <p:txBody>
+          <a:bodyPr wrap="square" rtlCol="0">
+            <a:spAutoFit/>
+          </a:bodyPr>
+          <a:lstStyle/>
+          <a:p>
+            <a:pPr algn="ctr"/>
+            <a:r>
+              <a:rPr lang="ko-KR" altLang="en-US" sz="3000" b="1" dirty="0" smtClean="0">
+                <a:latin typeface="HY견고딕" panose="02030600000101010101" pitchFamily="18" charset="-127"/>
+                <a:ea typeface="HY견고딕" panose="02030600000101010101" pitchFamily="18" charset="-127"/>
+              </a:rPr>
+              <a:t>이상화</a:t>
+            </a:r>
+            <a:endParaRPr lang="ko-KR" altLang="en-US" sz="3000" b="1" dirty="0">
+              <a:latin typeface="HY견고딕" panose="02030600000101010101" pitchFamily="18" charset="-127"/>
+              <a:ea typeface="HY견고딕" panose="02030600000101010101" pitchFamily="18" charset="-127"/>
+            </a:endParaRPr>
+          </a:p>
+        </p:txBody>
+      </p:sp>
+      <p:sp>
+        <p:nvSpPr>
+          <p:cNvPr id="23" name="TextBox 22"/>
+          <p:cNvSpPr txBox="1"/>
+          <p:nvPr/>
+        </p:nvSpPr>
+        <p:spPr>
+          <a:xfrm>
+            <a:off x="1561938" y="5462231"/>
+            <a:ext cx="1714662" cy="400110"/>
+          </a:xfrm>
+          <a:prstGeom prst="rect">
+            <a:avLst/>
+          </a:prstGeom>
+          <a:noFill/>
+        </p:spPr>
+        <p:txBody>
+          <a:bodyPr wrap="square" rtlCol="0">
+            <a:spAutoFit/>
+          </a:bodyPr>
+          <a:lstStyle/>
+          <a:p>
+            <a:pPr algn="ctr"/>
+            <a:r>
+              <a:rPr lang="en-US" altLang="ko-KR" sz="2000" b="1" dirty="0" smtClean="0">
+                <a:solidFill>
+                  <a:schemeClr val="tx1">
+                    <a:lumMod val="65000"/>
+                    <a:lumOff val="35000"/>
+                  </a:schemeClr>
+                </a:solidFill>
+                <a:latin typeface="HY견고딕" panose="02030600000101010101" pitchFamily="18" charset="-127"/>
+                <a:ea typeface="HY견고딕" panose="02030600000101010101" pitchFamily="18" charset="-127"/>
+              </a:rPr>
+              <a:t>MEMBER</a:t>
+            </a:r>
+            <a:endParaRPr lang="ko-KR" altLang="en-US" sz="2000" b="1" dirty="0">
+              <a:solidFill>
+                <a:schemeClr val="tx1">
+                  <a:lumMod val="65000"/>
+                  <a:lumOff val="35000"/>
+                </a:schemeClr>
+              </a:solidFill>
+              <a:latin typeface="HY견고딕" panose="02030600000101010101" pitchFamily="18" charset="-127"/>
+              <a:ea typeface="HY견고딕" panose="02030600000101010101" pitchFamily="18" charset="-127"/>
+            </a:endParaRPr>
+          </a:p>
+        </p:txBody>
+      </p:sp>
+      <p:grpSp>
+        <p:nvGrpSpPr>
+          <p:cNvPr id="29" name="그룹 1008"/>
+          <p:cNvGrpSpPr/>
+          <p:nvPr/>
+        </p:nvGrpSpPr>
+        <p:grpSpPr>
+          <a:xfrm>
+            <a:off x="5569498" y="4637015"/>
+            <a:ext cx="10268868" cy="63216"/>
+            <a:chOff x="4998069" y="3855779"/>
+            <a:chExt cx="10268868" cy="63216"/>
+          </a:xfrm>
+        </p:grpSpPr>
+        <p:pic>
+          <p:nvPicPr>
+            <p:cNvPr id="30" name="Object 30"/>
+            <p:cNvPicPr>
+              <a:picLocks noChangeAspect="1"/>
+            </p:cNvPicPr>
+            <p:nvPr/>
+          </p:nvPicPr>
+          <p:blipFill>
+            <a:blip r:embed="rId7" cstate="print"/>
+            <a:stretch>
+              <a:fillRect/>
+            </a:stretch>
+          </p:blipFill>
+          <p:spPr>
+            <a:xfrm>
+              <a:off x="4998069" y="3855779"/>
+              <a:ext cx="10268868" cy="63216"/>
+            </a:xfrm>
+            <a:prstGeom prst="rect">
+              <a:avLst/>
+            </a:prstGeom>
+          </p:spPr>
+        </p:pic>
+      </p:grpSp>
+      <p:grpSp>
+        <p:nvGrpSpPr>
+          <p:cNvPr id="31" name="그룹 1009"/>
+          <p:cNvGrpSpPr/>
+          <p:nvPr/>
+        </p:nvGrpSpPr>
+        <p:grpSpPr>
+          <a:xfrm>
+            <a:off x="5569498" y="6529031"/>
+            <a:ext cx="10268868" cy="63216"/>
+            <a:chOff x="5569498" y="5327260"/>
+            <a:chExt cx="10268868" cy="63216"/>
+          </a:xfrm>
+        </p:grpSpPr>
+        <p:pic>
+          <p:nvPicPr>
+            <p:cNvPr id="32" name="Object 33"/>
+            <p:cNvPicPr>
+              <a:picLocks noChangeAspect="1"/>
+            </p:cNvPicPr>
+            <p:nvPr/>
+          </p:nvPicPr>
+          <p:blipFill>
+            <a:blip r:embed="rId7" cstate="print"/>
+            <a:stretch>
+              <a:fillRect/>
+            </a:stretch>
+          </p:blipFill>
+          <p:spPr>
+            <a:xfrm>
+              <a:off x="5569498" y="5327260"/>
+              <a:ext cx="10268868" cy="63216"/>
+            </a:xfrm>
+            <a:prstGeom prst="rect">
+              <a:avLst/>
+            </a:prstGeom>
+          </p:spPr>
+        </p:pic>
+      </p:grpSp>
+      <p:sp>
+        <p:nvSpPr>
+          <p:cNvPr id="2" name="TextBox 1"/>
+          <p:cNvSpPr txBox="1"/>
+          <p:nvPr/>
+        </p:nvSpPr>
+        <p:spPr>
+          <a:xfrm>
+            <a:off x="5542284" y="3710182"/>
+            <a:ext cx="10051502" cy="553998"/>
+          </a:xfrm>
+          <a:prstGeom prst="rect">
+            <a:avLst/>
+          </a:prstGeom>
+          <a:noFill/>
+        </p:spPr>
+        <p:txBody>
+          <a:bodyPr wrap="square" rtlCol="0">
+            <a:spAutoFit/>
+          </a:bodyPr>
+          <a:lstStyle/>
+          <a:p>
+            <a:r>
+              <a:rPr lang="ko-KR" altLang="en-US" sz="3000" dirty="0" smtClean="0">
+                <a:latin typeface="바탕" panose="02030600000101010101" pitchFamily="18" charset="-127"/>
+                <a:ea typeface="바탕" panose="02030600000101010101" pitchFamily="18" charset="-127"/>
+              </a:rPr>
+              <a:t>◆ </a:t>
+            </a:r>
+            <a:r>
+              <a:rPr lang="ko-KR" altLang="en-US" sz="3000" dirty="0" smtClean="0">
+                <a:latin typeface="HY견고딕" panose="02030600000101010101" pitchFamily="18" charset="-127"/>
+                <a:ea typeface="HY견고딕" panose="02030600000101010101" pitchFamily="18" charset="-127"/>
+              </a:rPr>
+              <a:t>유저 페이지 </a:t>
+            </a:r>
+            <a:r>
+              <a:rPr lang="ko-KR" altLang="en-US" sz="3000" dirty="0">
+                <a:latin typeface="HY견고딕" panose="02030600000101010101" pitchFamily="18" charset="-127"/>
+                <a:ea typeface="HY견고딕" panose="02030600000101010101" pitchFamily="18" charset="-127"/>
+              </a:rPr>
+              <a:t>리스트</a:t>
+            </a:r>
+            <a:endParaRPr lang="en-US" altLang="ko-KR" sz="3000" dirty="0">
+              <a:latin typeface="HY견고딕" panose="02030600000101010101" pitchFamily="18" charset="-127"/>
+              <a:ea typeface="HY견고딕" panose="02030600000101010101" pitchFamily="18" charset="-127"/>
+            </a:endParaRPr>
+          </a:p>
+        </p:txBody>
+      </p:sp>
+      <p:sp>
+        <p:nvSpPr>
+          <p:cNvPr id="34" name="TextBox 33"/>
+          <p:cNvSpPr txBox="1"/>
+          <p:nvPr/>
+        </p:nvSpPr>
+        <p:spPr>
+          <a:xfrm>
+            <a:off x="5542284" y="5445902"/>
+            <a:ext cx="10051502" cy="553998"/>
+          </a:xfrm>
+          <a:prstGeom prst="rect">
+            <a:avLst/>
+          </a:prstGeom>
+          <a:noFill/>
+        </p:spPr>
+        <p:txBody>
+          <a:bodyPr wrap="square" rtlCol="0">
+            <a:spAutoFit/>
+          </a:bodyPr>
+          <a:lstStyle/>
+          <a:p>
+            <a:r>
+              <a:rPr lang="ko-KR" altLang="en-US" sz="3000" dirty="0">
+                <a:latin typeface="바탕" panose="02030600000101010101" pitchFamily="18" charset="-127"/>
+                <a:ea typeface="바탕" panose="02030600000101010101" pitchFamily="18" charset="-127"/>
+              </a:rPr>
+              <a:t>◆</a:t>
+            </a:r>
+            <a:r>
+              <a:rPr lang="ko-KR" altLang="en-US" sz="3000" dirty="0" smtClean="0">
+                <a:latin typeface="HY견고딕" panose="02030600000101010101" pitchFamily="18" charset="-127"/>
+                <a:ea typeface="HY견고딕" panose="02030600000101010101" pitchFamily="18" charset="-127"/>
+              </a:rPr>
+              <a:t> </a:t>
+            </a:r>
+            <a:r>
+              <a:rPr lang="ko-KR" altLang="en-US" sz="3000" dirty="0">
+                <a:latin typeface="HY견고딕" panose="02030600000101010101" pitchFamily="18" charset="-127"/>
+                <a:ea typeface="HY견고딕" panose="02030600000101010101" pitchFamily="18" charset="-127"/>
+              </a:rPr>
+              <a:t>관리자 페이지 메인 달력 </a:t>
+            </a:r>
+            <a:r>
+              <a:rPr lang="en-US" altLang="ko-KR" sz="3000" dirty="0">
+                <a:latin typeface="HY견고딕" panose="02030600000101010101" pitchFamily="18" charset="-127"/>
+                <a:ea typeface="HY견고딕" panose="02030600000101010101" pitchFamily="18" charset="-127"/>
+              </a:rPr>
+              <a:t>·  </a:t>
+            </a:r>
+            <a:r>
+              <a:rPr lang="ko-KR" altLang="en-US" sz="3000" dirty="0">
+                <a:latin typeface="HY견고딕" panose="02030600000101010101" pitchFamily="18" charset="-127"/>
+                <a:ea typeface="HY견고딕" panose="02030600000101010101" pitchFamily="18" charset="-127"/>
+              </a:rPr>
+              <a:t>리스트</a:t>
+            </a:r>
+            <a:endParaRPr lang="en-US" altLang="ko-KR" sz="3000" dirty="0">
+              <a:latin typeface="HY견고딕" panose="02030600000101010101" pitchFamily="18" charset="-127"/>
+              <a:ea typeface="HY견고딕" panose="02030600000101010101" pitchFamily="18" charset="-127"/>
+            </a:endParaRPr>
+          </a:p>
+        </p:txBody>
+      </p:sp>
+      <p:sp>
+        <p:nvSpPr>
+          <p:cNvPr id="35" name="TextBox 34"/>
+          <p:cNvSpPr txBox="1"/>
+          <p:nvPr/>
+        </p:nvSpPr>
+        <p:spPr>
+          <a:xfrm>
+            <a:off x="5569498" y="7274702"/>
+            <a:ext cx="10051502" cy="553998"/>
+          </a:xfrm>
+          <a:prstGeom prst="rect">
+            <a:avLst/>
+          </a:prstGeom>
+          <a:noFill/>
+        </p:spPr>
+        <p:txBody>
+          <a:bodyPr wrap="square" rtlCol="0">
+            <a:spAutoFit/>
+          </a:bodyPr>
+          <a:lstStyle/>
+          <a:p>
+            <a:r>
+              <a:rPr lang="ko-KR" altLang="en-US" sz="3000" dirty="0">
+                <a:latin typeface="바탕" panose="02030600000101010101" pitchFamily="18" charset="-127"/>
+                <a:ea typeface="바탕" panose="02030600000101010101" pitchFamily="18" charset="-127"/>
+              </a:rPr>
+              <a:t>◆ </a:t>
+            </a:r>
+            <a:r>
+              <a:rPr lang="ko-KR" altLang="en-US" sz="3000" dirty="0">
+                <a:latin typeface="HY견고딕" panose="02030600000101010101" pitchFamily="18" charset="-127"/>
+                <a:ea typeface="HY견고딕" panose="02030600000101010101" pitchFamily="18" charset="-127"/>
+              </a:rPr>
+              <a:t>서버 </a:t>
+            </a:r>
+            <a:r>
+              <a:rPr lang="ko-KR" altLang="en-US" sz="3000" dirty="0" err="1">
+                <a:latin typeface="HY견고딕" panose="02030600000101010101" pitchFamily="18" charset="-127"/>
+                <a:ea typeface="HY견고딕" panose="02030600000101010101" pitchFamily="18" charset="-127"/>
+              </a:rPr>
+              <a:t>세팅</a:t>
+            </a:r>
+            <a:endParaRPr lang="ko-KR" altLang="en-US" sz="3000" dirty="0">
+              <a:latin typeface="HY견고딕" panose="02030600000101010101" pitchFamily="18" charset="-127"/>
+              <a:ea typeface="HY견고딕" panose="02030600000101010101" pitchFamily="18" charset="-127"/>
+            </a:endParaRPr>
+          </a:p>
+        </p:txBody>
+      </p:sp>
     </p:spTree>
     <p:extLst>
       <p:ext uri="{BB962C8B-B14F-4D97-AF65-F5344CB8AC3E}">
-        <p14:creationId xmlns:p14="http://schemas.microsoft.com/office/powerpoint/2010/main" val="842629097"/>
+        <p14:creationId xmlns:p14="http://schemas.microsoft.com/office/powerpoint/2010/main" val="3693471219"/>
       </p:ext>
     </p:extLst>
   </p:cSld>
@@ -22450,13 +25043,13 @@
   </p:clrMapOvr>
   <mc:AlternateContent xmlns:mc="http://schemas.openxmlformats.org/markup-compatibility/2006" xmlns:p14="http://schemas.microsoft.com/office/powerpoint/2010/main">
     <mc:Choice Requires="p14">
-      <p:transition spd="med" p14:dur="700">
-        <p:fade/>
+      <p:transition spd="slow" p14:dur="1500">
+        <p:wipe dir="r"/>
       </p:transition>
     </mc:Choice>
     <mc:Fallback xmlns="">
-      <p:transition spd="med">
-        <p:fade/>
+      <p:transition spd="slow">
+        <p:wipe dir="r"/>
       </p:transition>
     </mc:Fallback>
   </mc:AlternateContent>
@@ -22518,7 +25111,7 @@
             <p:nvPr/>
           </p:nvPicPr>
           <p:blipFill>
-            <a:blip r:embed="rId2" cstate="print"/>
+            <a:blip r:embed="rId3" cstate="print"/>
             <a:stretch>
               <a:fillRect/>
             </a:stretch>
@@ -22561,7 +25154,7 @@
                 <a:latin typeface="HY견고딕" panose="02030600000101010101" pitchFamily="18" charset="-127"/>
                 <a:ea typeface="HY견고딕" panose="02030600000101010101" pitchFamily="18" charset="-127"/>
               </a:rPr>
-              <a:t>예상 </a:t>
+              <a:t>팀원 </a:t>
             </a:r>
             <a:r>
               <a:rPr lang="ko-KR" altLang="en-US" sz="6000" dirty="0" smtClean="0">
@@ -22571,7 +25164,7 @@
                 <a:latin typeface="HY견고딕" panose="02030600000101010101" pitchFamily="18" charset="-127"/>
                 <a:ea typeface="HY견고딕" panose="02030600000101010101" pitchFamily="18" charset="-127"/>
               </a:rPr>
-              <a:t>디자인</a:t>
+              <a:t>소개</a:t>
             </a:r>
             <a:endParaRPr lang="ko-KR" altLang="en-US" sz="6000" dirty="0">
               <a:solidFill>
@@ -22592,7 +25185,7 @@
           <p:nvPr/>
         </p:nvPicPr>
         <p:blipFill>
-          <a:blip r:embed="rId3">
+          <a:blip r:embed="rId4">
             <a:extLst>
               <a:ext uri="{28A0092B-C50C-407E-A947-70E740481C1C}">
                 <a14:useLocalDpi xmlns:a14="http://schemas.microsoft.com/office/drawing/2010/main" val="0"/>
@@ -22622,7 +25215,7 @@
           <p:nvPr/>
         </p:nvPicPr>
         <p:blipFill>
-          <a:blip r:embed="rId4" cstate="print"/>
+          <a:blip r:embed="rId5" cstate="print"/>
           <a:stretch>
             <a:fillRect/>
           </a:stretch>
@@ -22637,210 +25230,55 @@
           </a:prstGeom>
         </p:spPr>
       </p:pic>
-      <p:pic>
-        <p:nvPicPr>
-          <p:cNvPr id="2" name="그림 1"/>
-          <p:cNvPicPr>
-            <a:picLocks noChangeAspect="1"/>
-          </p:cNvPicPr>
-          <p:nvPr/>
-        </p:nvPicPr>
-        <p:blipFill>
-          <a:blip r:embed="rId5">
-            <a:extLst>
-              <a:ext uri="{28A0092B-C50C-407E-A947-70E740481C1C}">
-                <a14:useLocalDpi xmlns:a14="http://schemas.microsoft.com/office/drawing/2010/main" val="0"/>
-              </a:ext>
-            </a:extLst>
-          </a:blip>
-          <a:stretch>
-            <a:fillRect/>
-          </a:stretch>
-        </p:blipFill>
-        <p:spPr>
-          <a:xfrm>
-            <a:off x="0" y="0"/>
-            <a:ext cx="18288000" cy="10286999"/>
-          </a:xfrm>
-          <a:prstGeom prst="rect">
-            <a:avLst/>
-          </a:prstGeom>
-        </p:spPr>
-      </p:pic>
-      <p:pic>
-        <p:nvPicPr>
-          <p:cNvPr id="9" name="그림 8"/>
-          <p:cNvPicPr>
-            <a:picLocks noChangeAspect="1"/>
-          </p:cNvPicPr>
-          <p:nvPr/>
-        </p:nvPicPr>
-        <p:blipFill>
-          <a:blip r:embed="rId6">
-            <a:extLst>
-              <a:ext uri="{28A0092B-C50C-407E-A947-70E740481C1C}">
-                <a14:useLocalDpi xmlns:a14="http://schemas.microsoft.com/office/drawing/2010/main" val="0"/>
-              </a:ext>
-            </a:extLst>
-          </a:blip>
-          <a:stretch>
-            <a:fillRect/>
-          </a:stretch>
-        </p:blipFill>
-        <p:spPr>
-          <a:xfrm>
-            <a:off x="1504501" y="419100"/>
-            <a:ext cx="2229299" cy="600087"/>
-          </a:xfrm>
-          <a:prstGeom prst="rect">
-            <a:avLst/>
-          </a:prstGeom>
-        </p:spPr>
-      </p:pic>
-      <p:pic>
-        <p:nvPicPr>
-          <p:cNvPr id="13" name="그림 12"/>
-          <p:cNvPicPr>
-            <a:picLocks noChangeAspect="1"/>
-          </p:cNvPicPr>
-          <p:nvPr/>
-        </p:nvPicPr>
-        <p:blipFill>
-          <a:blip r:embed="rId7">
-            <a:extLst>
-              <a:ext uri="{28A0092B-C50C-407E-A947-70E740481C1C}">
-                <a14:useLocalDpi xmlns:a14="http://schemas.microsoft.com/office/drawing/2010/main" val="0"/>
-              </a:ext>
-            </a:extLst>
-          </a:blip>
-          <a:stretch>
-            <a:fillRect/>
-          </a:stretch>
-        </p:blipFill>
-        <p:spPr>
-          <a:xfrm>
-            <a:off x="1521831" y="9274346"/>
-            <a:ext cx="15470769" cy="745954"/>
-          </a:xfrm>
-          <a:prstGeom prst="rect">
-            <a:avLst/>
-          </a:prstGeom>
-        </p:spPr>
-      </p:pic>
+      <p:grpSp>
+        <p:nvGrpSpPr>
+          <p:cNvPr id="16" name="그룹 1002"/>
+          <p:cNvGrpSpPr/>
+          <p:nvPr/>
+        </p:nvGrpSpPr>
+        <p:grpSpPr>
+          <a:xfrm>
+            <a:off x="2492426" y="3481031"/>
+            <a:ext cx="2536774" cy="5091469"/>
+            <a:chOff x="2822538" y="2969137"/>
+            <a:chExt cx="2536774" cy="5091469"/>
+          </a:xfrm>
+        </p:grpSpPr>
+        <p:pic>
+          <p:nvPicPr>
+            <p:cNvPr id="21" name="Object 9"/>
+            <p:cNvPicPr>
+              <a:picLocks noChangeAspect="1"/>
+            </p:cNvPicPr>
+            <p:nvPr/>
+          </p:nvPicPr>
+          <p:blipFill>
+            <a:blip r:embed="rId6" cstate="print"/>
+            <a:stretch>
+              <a:fillRect/>
+            </a:stretch>
+          </p:blipFill>
+          <p:spPr>
+            <a:xfrm>
+              <a:off x="2822538" y="2969137"/>
+              <a:ext cx="2536774" cy="5091469"/>
+            </a:xfrm>
+            <a:prstGeom prst="rect">
+              <a:avLst/>
+            </a:prstGeom>
+          </p:spPr>
+        </p:pic>
+      </p:grpSp>
       <p:sp>
         <p:nvSpPr>
-          <p:cNvPr id="14" name="모서리가 둥근 직사각형 13"/>
-          <p:cNvSpPr/>
+          <p:cNvPr id="22" name="TextBox 21"/>
+          <p:cNvSpPr txBox="1"/>
           <p:nvPr/>
         </p:nvSpPr>
         <p:spPr>
           <a:xfrm>
-            <a:off x="14994281" y="9274346"/>
-            <a:ext cx="1769719" cy="745954"/>
-          </a:xfrm>
-          <a:prstGeom prst="roundRect">
-            <a:avLst/>
-          </a:prstGeom>
-          <a:solidFill>
-            <a:schemeClr val="bg1">
-              <a:lumMod val="85000"/>
-            </a:schemeClr>
-          </a:solidFill>
-          <a:ln>
-            <a:solidFill>
-              <a:schemeClr val="bg1">
-                <a:lumMod val="65000"/>
-              </a:schemeClr>
-            </a:solidFill>
-          </a:ln>
-        </p:spPr>
-        <p:style>
-          <a:lnRef idx="2">
-            <a:schemeClr val="accent1">
-              <a:shade val="50000"/>
-            </a:schemeClr>
-          </a:lnRef>
-          <a:fillRef idx="1">
-            <a:schemeClr val="accent1"/>
-          </a:fillRef>
-          <a:effectRef idx="0">
-            <a:schemeClr val="accent1"/>
-          </a:effectRef>
-          <a:fontRef idx="minor">
-            <a:schemeClr val="lt1"/>
-          </a:fontRef>
-        </p:style>
-        <p:txBody>
-          <a:bodyPr rtlCol="0" anchor="ctr"/>
-          <a:lstStyle/>
-          <a:p>
-            <a:pPr algn="ctr"/>
-            <a:r>
-              <a:rPr lang="ko-KR" altLang="en-US" dirty="0" smtClean="0">
-                <a:solidFill>
-                  <a:schemeClr val="tx1">
-                    <a:lumMod val="50000"/>
-                    <a:lumOff val="50000"/>
-                  </a:schemeClr>
-                </a:solidFill>
-                <a:latin typeface="맑은 고딕" panose="020B0503020000020004" pitchFamily="50" charset="-127"/>
-                <a:ea typeface="맑은 고딕" panose="020B0503020000020004" pitchFamily="50" charset="-127"/>
-              </a:rPr>
-              <a:t>관리자 모드</a:t>
-            </a:r>
-            <a:endParaRPr lang="ko-KR" altLang="en-US" dirty="0">
-              <a:solidFill>
-                <a:schemeClr val="tx1">
-                  <a:lumMod val="50000"/>
-                  <a:lumOff val="50000"/>
-                </a:schemeClr>
-              </a:solidFill>
-              <a:latin typeface="맑은 고딕" panose="020B0503020000020004" pitchFamily="50" charset="-127"/>
-              <a:ea typeface="맑은 고딕" panose="020B0503020000020004" pitchFamily="50" charset="-127"/>
-            </a:endParaRPr>
-          </a:p>
-        </p:txBody>
-      </p:sp>
-      <p:pic>
-        <p:nvPicPr>
-          <p:cNvPr id="7" name="그림 6"/>
-          <p:cNvPicPr>
-            <a:picLocks noChangeAspect="1"/>
-          </p:cNvPicPr>
-          <p:nvPr/>
-        </p:nvPicPr>
-        <p:blipFill>
-          <a:blip r:embed="rId8">
-            <a:extLst>
-              <a:ext uri="{28A0092B-C50C-407E-A947-70E740481C1C}">
-                <a14:useLocalDpi xmlns:a14="http://schemas.microsoft.com/office/drawing/2010/main" val="0"/>
-              </a:ext>
-            </a:extLst>
-          </a:blip>
-          <a:stretch>
-            <a:fillRect/>
-          </a:stretch>
-        </p:blipFill>
-        <p:spPr>
-          <a:xfrm>
-            <a:off x="7010400" y="4076700"/>
-            <a:ext cx="4419600" cy="457200"/>
-          </a:xfrm>
-          <a:prstGeom prst="rect">
-            <a:avLst/>
-          </a:prstGeom>
-        </p:spPr>
-      </p:pic>
-      <p:sp>
-        <p:nvSpPr>
-          <p:cNvPr id="23" name="TextBox 22"/>
-          <p:cNvSpPr txBox="1"/>
-          <p:nvPr/>
-        </p:nvSpPr>
-        <p:spPr>
-          <a:xfrm>
-            <a:off x="5446131" y="9037099"/>
-            <a:ext cx="7584069" cy="923330"/>
+            <a:off x="1561938" y="5898833"/>
+            <a:ext cx="1714662" cy="553998"/>
           </a:xfrm>
           <a:prstGeom prst="rect">
             <a:avLst/>
@@ -22853,318 +25291,322 @@
           </a:bodyPr>
           <a:lstStyle/>
           <a:p>
-            <a:r>
-              <a:rPr lang="ko-KR" altLang="en-US" dirty="0">
-                <a:latin typeface="굴림체" panose="020B0609000101010101" pitchFamily="49" charset="-127"/>
-                <a:ea typeface="굴림체" panose="020B0609000101010101" pitchFamily="49" charset="-127"/>
-              </a:rPr>
-              <a:t/>
-            </a:r>
-            <a:br>
-              <a:rPr lang="ko-KR" altLang="en-US" dirty="0">
-                <a:latin typeface="굴림체" panose="020B0609000101010101" pitchFamily="49" charset="-127"/>
-                <a:ea typeface="굴림체" panose="020B0609000101010101" pitchFamily="49" charset="-127"/>
-              </a:rPr>
-            </a:br>
-            <a:r>
-              <a:rPr lang="ko-KR" altLang="en-US" b="1" dirty="0">
+            <a:pPr algn="ctr"/>
+            <a:r>
+              <a:rPr lang="ko-KR" altLang="en-US" sz="3000" b="1" dirty="0" smtClean="0">
+                <a:latin typeface="HY견고딕" panose="02030600000101010101" pitchFamily="18" charset="-127"/>
+                <a:ea typeface="HY견고딕" panose="02030600000101010101" pitchFamily="18" charset="-127"/>
+              </a:rPr>
+              <a:t>엄성용</a:t>
+            </a:r>
+            <a:endParaRPr lang="ko-KR" altLang="en-US" sz="3000" b="1" dirty="0">
+              <a:latin typeface="HY견고딕" panose="02030600000101010101" pitchFamily="18" charset="-127"/>
+              <a:ea typeface="HY견고딕" panose="02030600000101010101" pitchFamily="18" charset="-127"/>
+            </a:endParaRPr>
+          </a:p>
+        </p:txBody>
+      </p:sp>
+      <p:sp>
+        <p:nvSpPr>
+          <p:cNvPr id="23" name="TextBox 22"/>
+          <p:cNvSpPr txBox="1"/>
+          <p:nvPr/>
+        </p:nvSpPr>
+        <p:spPr>
+          <a:xfrm>
+            <a:off x="1561938" y="5462231"/>
+            <a:ext cx="1714662" cy="400110"/>
+          </a:xfrm>
+          <a:prstGeom prst="rect">
+            <a:avLst/>
+          </a:prstGeom>
+          <a:noFill/>
+        </p:spPr>
+        <p:txBody>
+          <a:bodyPr wrap="square" rtlCol="0">
+            <a:spAutoFit/>
+          </a:bodyPr>
+          <a:lstStyle/>
+          <a:p>
+            <a:pPr algn="ctr"/>
+            <a:r>
+              <a:rPr lang="en-US" altLang="ko-KR" sz="2000" b="1" dirty="0" smtClean="0">
                 <a:solidFill>
                   <a:schemeClr val="tx1">
                     <a:lumMod val="65000"/>
                     <a:lumOff val="35000"/>
                   </a:schemeClr>
                 </a:solidFill>
-                <a:latin typeface="굴림체" panose="020B0609000101010101" pitchFamily="49" charset="-127"/>
-                <a:ea typeface="굴림체" panose="020B0609000101010101" pitchFamily="49" charset="-127"/>
-              </a:rPr>
-              <a:t>서울특별시 서초구 서초동 </a:t>
-            </a:r>
-            <a:r>
-              <a:rPr lang="en-US" altLang="ko-KR" b="1" dirty="0">
-                <a:solidFill>
-                  <a:schemeClr val="tx1">
-                    <a:lumMod val="65000"/>
-                    <a:lumOff val="35000"/>
-                  </a:schemeClr>
-                </a:solidFill>
-                <a:latin typeface="굴림체" panose="020B0609000101010101" pitchFamily="49" charset="-127"/>
-                <a:ea typeface="굴림체" panose="020B0609000101010101" pitchFamily="49" charset="-127"/>
-              </a:rPr>
-              <a:t>1303-37 </a:t>
-            </a:r>
-            <a:r>
-              <a:rPr lang="ko-KR" altLang="en-US" b="1" dirty="0">
-                <a:solidFill>
-                  <a:schemeClr val="tx1">
-                    <a:lumMod val="65000"/>
-                    <a:lumOff val="35000"/>
-                  </a:schemeClr>
-                </a:solidFill>
-                <a:latin typeface="굴림체" panose="020B0609000101010101" pitchFamily="49" charset="-127"/>
-                <a:ea typeface="굴림체" panose="020B0609000101010101" pitchFamily="49" charset="-127"/>
-              </a:rPr>
-              <a:t>서초</a:t>
-            </a:r>
-            <a:r>
-              <a:rPr lang="en-US" altLang="ko-KR" b="1" dirty="0">
-                <a:solidFill>
-                  <a:schemeClr val="tx1">
-                    <a:lumMod val="65000"/>
-                    <a:lumOff val="35000"/>
-                  </a:schemeClr>
-                </a:solidFill>
-                <a:latin typeface="굴림체" panose="020B0609000101010101" pitchFamily="49" charset="-127"/>
-                <a:ea typeface="굴림체" panose="020B0609000101010101" pitchFamily="49" charset="-127"/>
-              </a:rPr>
-              <a:t>W</a:t>
-            </a:r>
-            <a:r>
-              <a:rPr lang="ko-KR" altLang="en-US" b="1" dirty="0">
-                <a:solidFill>
-                  <a:schemeClr val="tx1">
-                    <a:lumMod val="65000"/>
-                    <a:lumOff val="35000"/>
-                  </a:schemeClr>
-                </a:solidFill>
-                <a:latin typeface="굴림체" panose="020B0609000101010101" pitchFamily="49" charset="-127"/>
-                <a:ea typeface="굴림체" panose="020B0609000101010101" pitchFamily="49" charset="-127"/>
-              </a:rPr>
-              <a:t>타워 </a:t>
-            </a:r>
-            <a:r>
-              <a:rPr lang="en-US" altLang="ko-KR" b="1" dirty="0">
-                <a:solidFill>
-                  <a:schemeClr val="tx1">
-                    <a:lumMod val="65000"/>
-                    <a:lumOff val="35000"/>
-                  </a:schemeClr>
-                </a:solidFill>
-                <a:latin typeface="굴림체" panose="020B0609000101010101" pitchFamily="49" charset="-127"/>
-                <a:ea typeface="굴림체" panose="020B0609000101010101" pitchFamily="49" charset="-127"/>
-              </a:rPr>
-              <a:t>13</a:t>
-            </a:r>
-            <a:r>
-              <a:rPr lang="ko-KR" altLang="en-US" b="1" dirty="0">
-                <a:solidFill>
-                  <a:schemeClr val="tx1">
-                    <a:lumMod val="65000"/>
-                    <a:lumOff val="35000"/>
-                  </a:schemeClr>
-                </a:solidFill>
-                <a:latin typeface="굴림체" panose="020B0609000101010101" pitchFamily="49" charset="-127"/>
-                <a:ea typeface="굴림체" panose="020B0609000101010101" pitchFamily="49" charset="-127"/>
-              </a:rPr>
-              <a:t>층  </a:t>
-            </a:r>
-            <a:r>
-              <a:rPr lang="en-US" altLang="ko-KR" b="1" dirty="0">
-                <a:solidFill>
-                  <a:schemeClr val="tx1">
-                    <a:lumMod val="65000"/>
-                    <a:lumOff val="35000"/>
-                  </a:schemeClr>
-                </a:solidFill>
-                <a:latin typeface="굴림체" panose="020B0609000101010101" pitchFamily="49" charset="-127"/>
-                <a:ea typeface="굴림체" panose="020B0609000101010101" pitchFamily="49" charset="-127"/>
-              </a:rPr>
-              <a:t>T. 1544-8147</a:t>
-            </a:r>
-            <a:r>
-              <a:rPr lang="ko-KR" altLang="en-US" b="1" dirty="0">
-                <a:solidFill>
-                  <a:schemeClr val="tx1">
-                    <a:lumMod val="65000"/>
-                    <a:lumOff val="35000"/>
-                  </a:schemeClr>
-                </a:solidFill>
-                <a:latin typeface="굴림체" panose="020B0609000101010101" pitchFamily="49" charset="-127"/>
-                <a:ea typeface="굴림체" panose="020B0609000101010101" pitchFamily="49" charset="-127"/>
-              </a:rPr>
-              <a:t>     </a:t>
-            </a:r>
-            <a:endParaRPr lang="en-US" altLang="ko-KR" b="1" dirty="0">
+                <a:latin typeface="HY견고딕" panose="02030600000101010101" pitchFamily="18" charset="-127"/>
+                <a:ea typeface="HY견고딕" panose="02030600000101010101" pitchFamily="18" charset="-127"/>
+              </a:rPr>
+              <a:t>MEMBER</a:t>
+            </a:r>
+            <a:endParaRPr lang="ko-KR" altLang="en-US" sz="2000" b="1" dirty="0">
               <a:solidFill>
                 <a:schemeClr val="tx1">
                   <a:lumMod val="65000"/>
                   <a:lumOff val="35000"/>
                 </a:schemeClr>
               </a:solidFill>
-              <a:latin typeface="굴림체" panose="020B0609000101010101" pitchFamily="49" charset="-127"/>
-              <a:ea typeface="굴림체" panose="020B0609000101010101" pitchFamily="49" charset="-127"/>
+              <a:latin typeface="HY견고딕" panose="02030600000101010101" pitchFamily="18" charset="-127"/>
+              <a:ea typeface="HY견고딕" panose="02030600000101010101" pitchFamily="18" charset="-127"/>
             </a:endParaRPr>
           </a:p>
-          <a:p>
-            <a:r>
-              <a:rPr lang="en-US" altLang="ko-KR" b="1" dirty="0">
-                <a:solidFill>
-                  <a:schemeClr val="tx1">
-                    <a:lumMod val="65000"/>
-                    <a:lumOff val="35000"/>
-                  </a:schemeClr>
-                </a:solidFill>
-                <a:latin typeface="굴림체" panose="020B0609000101010101" pitchFamily="49" charset="-127"/>
-                <a:ea typeface="굴림체" panose="020B0609000101010101" pitchFamily="49" charset="-127"/>
-              </a:rPr>
-              <a:t>Copyright by EZEN. All rights reserved.</a:t>
-            </a:r>
-            <a:endParaRPr lang="ko-KR" altLang="en-US" b="1" dirty="0">
-              <a:solidFill>
-                <a:schemeClr val="tx1">
-                  <a:lumMod val="65000"/>
-                  <a:lumOff val="35000"/>
-                </a:schemeClr>
-              </a:solidFill>
-              <a:latin typeface="굴림체" panose="020B0609000101010101" pitchFamily="49" charset="-127"/>
-              <a:ea typeface="굴림체" panose="020B0609000101010101" pitchFamily="49" charset="-127"/>
+        </p:txBody>
+      </p:sp>
+      <p:grpSp>
+        <p:nvGrpSpPr>
+          <p:cNvPr id="29" name="그룹 1008"/>
+          <p:cNvGrpSpPr/>
+          <p:nvPr/>
+        </p:nvGrpSpPr>
+        <p:grpSpPr>
+          <a:xfrm>
+            <a:off x="5569498" y="4637015"/>
+            <a:ext cx="10268868" cy="63216"/>
+            <a:chOff x="4998069" y="3855779"/>
+            <a:chExt cx="10268868" cy="63216"/>
+          </a:xfrm>
+        </p:grpSpPr>
+        <p:pic>
+          <p:nvPicPr>
+            <p:cNvPr id="30" name="Object 30"/>
+            <p:cNvPicPr>
+              <a:picLocks noChangeAspect="1"/>
+            </p:cNvPicPr>
+            <p:nvPr/>
+          </p:nvPicPr>
+          <p:blipFill>
+            <a:blip r:embed="rId7" cstate="print"/>
+            <a:stretch>
+              <a:fillRect/>
+            </a:stretch>
+          </p:blipFill>
+          <p:spPr>
+            <a:xfrm>
+              <a:off x="4998069" y="3855779"/>
+              <a:ext cx="10268868" cy="63216"/>
+            </a:xfrm>
+            <a:prstGeom prst="rect">
+              <a:avLst/>
+            </a:prstGeom>
+          </p:spPr>
+        </p:pic>
+      </p:grpSp>
+      <p:grpSp>
+        <p:nvGrpSpPr>
+          <p:cNvPr id="31" name="그룹 1009"/>
+          <p:cNvGrpSpPr/>
+          <p:nvPr/>
+        </p:nvGrpSpPr>
+        <p:grpSpPr>
+          <a:xfrm>
+            <a:off x="5569498" y="6529031"/>
+            <a:ext cx="10268868" cy="63216"/>
+            <a:chOff x="5569498" y="5327260"/>
+            <a:chExt cx="10268868" cy="63216"/>
+          </a:xfrm>
+        </p:grpSpPr>
+        <p:pic>
+          <p:nvPicPr>
+            <p:cNvPr id="32" name="Object 33"/>
+            <p:cNvPicPr>
+              <a:picLocks noChangeAspect="1"/>
+            </p:cNvPicPr>
+            <p:nvPr/>
+          </p:nvPicPr>
+          <p:blipFill>
+            <a:blip r:embed="rId7" cstate="print"/>
+            <a:stretch>
+              <a:fillRect/>
+            </a:stretch>
+          </p:blipFill>
+          <p:spPr>
+            <a:xfrm>
+              <a:off x="5569498" y="5327260"/>
+              <a:ext cx="10268868" cy="63216"/>
+            </a:xfrm>
+            <a:prstGeom prst="rect">
+              <a:avLst/>
+            </a:prstGeom>
+          </p:spPr>
+        </p:pic>
+      </p:grpSp>
+      <p:sp>
+        <p:nvSpPr>
+          <p:cNvPr id="2" name="TextBox 1"/>
+          <p:cNvSpPr txBox="1"/>
+          <p:nvPr/>
+        </p:nvSpPr>
+        <p:spPr>
+          <a:xfrm>
+            <a:off x="5542284" y="3710182"/>
+            <a:ext cx="10051502" cy="553998"/>
+          </a:xfrm>
+          <a:prstGeom prst="rect">
+            <a:avLst/>
+          </a:prstGeom>
+          <a:noFill/>
+        </p:spPr>
+        <p:txBody>
+          <a:bodyPr wrap="square" rtlCol="0">
+            <a:spAutoFit/>
+          </a:bodyPr>
+          <a:lstStyle/>
+          <a:p>
+            <a:r>
+              <a:rPr lang="ko-KR" altLang="en-US" sz="3000" dirty="0" smtClean="0">
+                <a:latin typeface="바탕" panose="02030600000101010101" pitchFamily="18" charset="-127"/>
+                <a:ea typeface="바탕" panose="02030600000101010101" pitchFamily="18" charset="-127"/>
+              </a:rPr>
+              <a:t>◆ </a:t>
+            </a:r>
+            <a:r>
+              <a:rPr lang="ko-KR" altLang="en-US" sz="3000" dirty="0">
+                <a:latin typeface="HY견고딕" panose="02030600000101010101" pitchFamily="18" charset="-127"/>
+                <a:ea typeface="HY견고딕" panose="02030600000101010101" pitchFamily="18" charset="-127"/>
+              </a:rPr>
+              <a:t>유저</a:t>
+            </a:r>
+            <a:r>
+              <a:rPr lang="en-US" altLang="ko-KR" sz="3000" dirty="0">
+                <a:latin typeface="HY견고딕" panose="02030600000101010101" pitchFamily="18" charset="-127"/>
+                <a:ea typeface="HY견고딕" panose="02030600000101010101" pitchFamily="18" charset="-127"/>
+              </a:rPr>
+              <a:t> </a:t>
+            </a:r>
+            <a:r>
+              <a:rPr lang="ko-KR" altLang="en-US" sz="3000" dirty="0">
+                <a:latin typeface="HY견고딕" panose="02030600000101010101" pitchFamily="18" charset="-127"/>
+                <a:ea typeface="HY견고딕" panose="02030600000101010101" pitchFamily="18" charset="-127"/>
+              </a:rPr>
+              <a:t>페이지 </a:t>
+            </a:r>
+            <a:r>
+              <a:rPr lang="ko-KR" altLang="en-US" sz="3000" dirty="0" smtClean="0">
+                <a:latin typeface="HY견고딕" panose="02030600000101010101" pitchFamily="18" charset="-127"/>
+                <a:ea typeface="HY견고딕" panose="02030600000101010101" pitchFamily="18" charset="-127"/>
+              </a:rPr>
+              <a:t>회원 관리</a:t>
+            </a:r>
+            <a:endParaRPr lang="en-US" altLang="ko-KR" sz="3000" dirty="0">
+              <a:latin typeface="HY견고딕" panose="02030600000101010101" pitchFamily="18" charset="-127"/>
+              <a:ea typeface="HY견고딕" panose="02030600000101010101" pitchFamily="18" charset="-127"/>
             </a:endParaRPr>
           </a:p>
         </p:txBody>
       </p:sp>
       <p:sp>
         <p:nvSpPr>
-          <p:cNvPr id="16" name="모서리가 둥근 직사각형 15"/>
-          <p:cNvSpPr/>
+          <p:cNvPr id="34" name="TextBox 33"/>
+          <p:cNvSpPr txBox="1"/>
           <p:nvPr/>
         </p:nvSpPr>
         <p:spPr>
           <a:xfrm>
-            <a:off x="15146679" y="564967"/>
-            <a:ext cx="1464922" cy="454220"/>
-          </a:xfrm>
-          <a:prstGeom prst="roundRect">
-            <a:avLst/>
-          </a:prstGeom>
-          <a:solidFill>
-            <a:schemeClr val="bg1">
-              <a:lumMod val="85000"/>
-            </a:schemeClr>
-          </a:solidFill>
-          <a:ln>
-            <a:solidFill>
-              <a:schemeClr val="bg1">
-                <a:lumMod val="65000"/>
-              </a:schemeClr>
-            </a:solidFill>
-          </a:ln>
-        </p:spPr>
-        <p:style>
-          <a:lnRef idx="2">
-            <a:schemeClr val="accent1">
-              <a:shade val="50000"/>
-            </a:schemeClr>
-          </a:lnRef>
-          <a:fillRef idx="1">
-            <a:schemeClr val="accent1"/>
-          </a:fillRef>
-          <a:effectRef idx="0">
-            <a:schemeClr val="accent1"/>
-          </a:effectRef>
-          <a:fontRef idx="minor">
-            <a:schemeClr val="lt1"/>
-          </a:fontRef>
-        </p:style>
+            <a:off x="5542284" y="5445902"/>
+            <a:ext cx="10051502" cy="553998"/>
+          </a:xfrm>
+          <a:prstGeom prst="rect">
+            <a:avLst/>
+          </a:prstGeom>
+          <a:noFill/>
+        </p:spPr>
         <p:txBody>
-          <a:bodyPr rtlCol="0" anchor="ctr"/>
+          <a:bodyPr wrap="square" rtlCol="0">
+            <a:spAutoFit/>
+          </a:bodyPr>
           <a:lstStyle/>
           <a:p>
-            <a:pPr algn="ctr"/>
-            <a:r>
-              <a:rPr lang="ko-KR" altLang="en-US" dirty="0" smtClean="0">
-                <a:solidFill>
-                  <a:schemeClr val="tx1">
-                    <a:lumMod val="50000"/>
-                    <a:lumOff val="50000"/>
-                  </a:schemeClr>
-                </a:solidFill>
-                <a:latin typeface="맑은 고딕" panose="020B0503020000020004" pitchFamily="50" charset="-127"/>
-                <a:ea typeface="맑은 고딕" panose="020B0503020000020004" pitchFamily="50" charset="-127"/>
-              </a:rPr>
-              <a:t>회원가입</a:t>
-            </a:r>
-            <a:endParaRPr lang="ko-KR" altLang="en-US" dirty="0">
-              <a:solidFill>
-                <a:schemeClr val="tx1">
-                  <a:lumMod val="50000"/>
-                  <a:lumOff val="50000"/>
-                </a:schemeClr>
-              </a:solidFill>
-              <a:latin typeface="맑은 고딕" panose="020B0503020000020004" pitchFamily="50" charset="-127"/>
-              <a:ea typeface="맑은 고딕" panose="020B0503020000020004" pitchFamily="50" charset="-127"/>
+            <a:r>
+              <a:rPr lang="ko-KR" altLang="en-US" sz="3000" dirty="0">
+                <a:latin typeface="바탕" panose="02030600000101010101" pitchFamily="18" charset="-127"/>
+                <a:ea typeface="바탕" panose="02030600000101010101" pitchFamily="18" charset="-127"/>
+              </a:rPr>
+              <a:t>◆</a:t>
+            </a:r>
+            <a:r>
+              <a:rPr lang="ko-KR" altLang="en-US" sz="3000" dirty="0" smtClean="0">
+                <a:latin typeface="HY견고딕" panose="02030600000101010101" pitchFamily="18" charset="-127"/>
+                <a:ea typeface="HY견고딕" panose="02030600000101010101" pitchFamily="18" charset="-127"/>
+              </a:rPr>
+              <a:t> </a:t>
+            </a:r>
+            <a:r>
+              <a:rPr lang="ko-KR" altLang="en-US" sz="3000" dirty="0">
+                <a:latin typeface="HY견고딕" panose="02030600000101010101" pitchFamily="18" charset="-127"/>
+                <a:ea typeface="HY견고딕" panose="02030600000101010101" pitchFamily="18" charset="-127"/>
+              </a:rPr>
+              <a:t>관리자 페이지 회원 관리</a:t>
+            </a:r>
+            <a:endParaRPr lang="en-US" altLang="ko-KR" sz="3000" dirty="0">
+              <a:latin typeface="HY견고딕" panose="02030600000101010101" pitchFamily="18" charset="-127"/>
+              <a:ea typeface="HY견고딕" panose="02030600000101010101" pitchFamily="18" charset="-127"/>
             </a:endParaRPr>
           </a:p>
         </p:txBody>
       </p:sp>
       <p:sp>
         <p:nvSpPr>
-          <p:cNvPr id="18" name="모서리가 둥근 직사각형 17"/>
-          <p:cNvSpPr/>
+          <p:cNvPr id="35" name="TextBox 34"/>
+          <p:cNvSpPr txBox="1"/>
           <p:nvPr/>
         </p:nvSpPr>
         <p:spPr>
           <a:xfrm>
-            <a:off x="13145291" y="564967"/>
-            <a:ext cx="1485110" cy="454220"/>
-          </a:xfrm>
-          <a:prstGeom prst="roundRect">
-            <a:avLst/>
-          </a:prstGeom>
-          <a:solidFill>
-            <a:schemeClr val="bg1">
-              <a:lumMod val="85000"/>
-            </a:schemeClr>
-          </a:solidFill>
-          <a:ln>
-            <a:solidFill>
-              <a:schemeClr val="bg1">
-                <a:lumMod val="65000"/>
-              </a:schemeClr>
-            </a:solidFill>
-          </a:ln>
-        </p:spPr>
-        <p:style>
-          <a:lnRef idx="2">
-            <a:schemeClr val="accent1">
-              <a:shade val="50000"/>
-            </a:schemeClr>
-          </a:lnRef>
-          <a:fillRef idx="1">
-            <a:schemeClr val="accent1"/>
-          </a:fillRef>
-          <a:effectRef idx="0">
-            <a:schemeClr val="accent1"/>
-          </a:effectRef>
-          <a:fontRef idx="minor">
-            <a:schemeClr val="lt1"/>
-          </a:fontRef>
-        </p:style>
+            <a:off x="5569498" y="7274702"/>
+            <a:ext cx="10051502" cy="553998"/>
+          </a:xfrm>
+          <a:prstGeom prst="rect">
+            <a:avLst/>
+          </a:prstGeom>
+          <a:noFill/>
+        </p:spPr>
         <p:txBody>
-          <a:bodyPr rtlCol="0" anchor="ctr"/>
+          <a:bodyPr wrap="square" rtlCol="0">
+            <a:spAutoFit/>
+          </a:bodyPr>
           <a:lstStyle/>
           <a:p>
-            <a:pPr algn="ctr"/>
-            <a:r>
-              <a:rPr lang="ko-KR" altLang="en-US" dirty="0" smtClean="0">
-                <a:solidFill>
-                  <a:schemeClr val="tx1">
-                    <a:lumMod val="50000"/>
-                    <a:lumOff val="50000"/>
-                  </a:schemeClr>
-                </a:solidFill>
-                <a:latin typeface="맑은 고딕" panose="020B0503020000020004" pitchFamily="50" charset="-127"/>
-                <a:ea typeface="맑은 고딕" panose="020B0503020000020004" pitchFamily="50" charset="-127"/>
-              </a:rPr>
-              <a:t>로그인</a:t>
-            </a:r>
-            <a:endParaRPr lang="ko-KR" altLang="en-US" dirty="0">
-              <a:solidFill>
-                <a:schemeClr val="tx1">
-                  <a:lumMod val="50000"/>
-                  <a:lumOff val="50000"/>
-                </a:schemeClr>
-              </a:solidFill>
-              <a:latin typeface="맑은 고딕" panose="020B0503020000020004" pitchFamily="50" charset="-127"/>
-              <a:ea typeface="맑은 고딕" panose="020B0503020000020004" pitchFamily="50" charset="-127"/>
+            <a:r>
+              <a:rPr lang="ko-KR" altLang="en-US" sz="3000" dirty="0">
+                <a:latin typeface="바탕" panose="02030600000101010101" pitchFamily="18" charset="-127"/>
+                <a:ea typeface="바탕" panose="02030600000101010101" pitchFamily="18" charset="-127"/>
+              </a:rPr>
+              <a:t>◆ </a:t>
+            </a:r>
+            <a:r>
+              <a:rPr lang="ko-KR" altLang="en-US" sz="3000" dirty="0">
+                <a:latin typeface="HY견고딕" panose="02030600000101010101" pitchFamily="18" charset="-127"/>
+                <a:ea typeface="HY견고딕" panose="02030600000101010101" pitchFamily="18" charset="-127"/>
+              </a:rPr>
+              <a:t>공통 </a:t>
+            </a:r>
+            <a:r>
+              <a:rPr lang="ko-KR" altLang="en-US" sz="3000" dirty="0" err="1">
+                <a:latin typeface="HY견고딕" panose="02030600000101010101" pitchFamily="18" charset="-127"/>
+                <a:ea typeface="HY견고딕" panose="02030600000101010101" pitchFamily="18" charset="-127"/>
+              </a:rPr>
+              <a:t>이클립스</a:t>
+            </a:r>
+            <a:r>
+              <a:rPr lang="ko-KR" altLang="en-US" sz="3000" dirty="0">
+                <a:latin typeface="HY견고딕" panose="02030600000101010101" pitchFamily="18" charset="-127"/>
+                <a:ea typeface="HY견고딕" panose="02030600000101010101" pitchFamily="18" charset="-127"/>
+              </a:rPr>
+              <a:t> 개발환경 </a:t>
+            </a:r>
+            <a:r>
+              <a:rPr lang="ko-KR" altLang="en-US" sz="3000" dirty="0" err="1">
+                <a:latin typeface="HY견고딕" panose="02030600000101010101" pitchFamily="18" charset="-127"/>
+                <a:ea typeface="HY견고딕" panose="02030600000101010101" pitchFamily="18" charset="-127"/>
+              </a:rPr>
+              <a:t>세팅</a:t>
+            </a:r>
+            <a:endParaRPr lang="ko-KR" altLang="en-US" sz="3000" dirty="0">
+              <a:latin typeface="HY견고딕" panose="02030600000101010101" pitchFamily="18" charset="-127"/>
+              <a:ea typeface="HY견고딕" panose="02030600000101010101" pitchFamily="18" charset="-127"/>
             </a:endParaRPr>
           </a:p>
         </p:txBody>
@@ -23172,16 +25614,25 @@
     </p:spTree>
     <p:extLst>
       <p:ext uri="{BB962C8B-B14F-4D97-AF65-F5344CB8AC3E}">
-        <p14:creationId xmlns:p14="http://schemas.microsoft.com/office/powerpoint/2010/main" val="4249157043"/>
+        <p14:creationId xmlns:p14="http://schemas.microsoft.com/office/powerpoint/2010/main" val="2725794782"/>
       </p:ext>
     </p:extLst>
   </p:cSld>
   <p:clrMapOvr>
     <a:masterClrMapping/>
   </p:clrMapOvr>
-  <p:transition spd="slow">
-    <p:wipe dir="r"/>
-  </p:transition>
+  <mc:AlternateContent xmlns:mc="http://schemas.openxmlformats.org/markup-compatibility/2006" xmlns:p14="http://schemas.microsoft.com/office/powerpoint/2010/main">
+    <mc:Choice Requires="p14">
+      <p:transition spd="slow" p14:dur="1500">
+        <p:wipe dir="r"/>
+      </p:transition>
+    </mc:Choice>
+    <mc:Fallback xmlns="">
+      <p:transition spd="slow">
+        <p:wipe dir="r"/>
+      </p:transition>
+    </mc:Fallback>
+  </mc:AlternateContent>
   <p:timing>
     <p:tnLst>
       <p:par>
@@ -23283,7 +25734,7 @@
                 <a:latin typeface="HY견고딕" panose="02030600000101010101" pitchFamily="18" charset="-127"/>
                 <a:ea typeface="HY견고딕" panose="02030600000101010101" pitchFamily="18" charset="-127"/>
               </a:rPr>
-              <a:t>예상 </a:t>
+              <a:t>페이지 </a:t>
             </a:r>
             <a:r>
               <a:rPr lang="ko-KR" altLang="en-US" sz="6000" dirty="0" smtClean="0">
@@ -23293,7 +25744,7 @@
                 <a:latin typeface="HY견고딕" panose="02030600000101010101" pitchFamily="18" charset="-127"/>
                 <a:ea typeface="HY견고딕" panose="02030600000101010101" pitchFamily="18" charset="-127"/>
               </a:rPr>
-              <a:t>디자인</a:t>
+              <a:t>구성</a:t>
             </a:r>
             <a:endParaRPr lang="ko-KR" altLang="en-US" sz="6000" dirty="0">
               <a:solidFill>
@@ -23359,121 +25810,588 @@
           </a:prstGeom>
         </p:spPr>
       </p:pic>
-      <p:pic>
-        <p:nvPicPr>
-          <p:cNvPr id="2" name="그림 1"/>
-          <p:cNvPicPr>
-            <a:picLocks noChangeAspect="1"/>
-          </p:cNvPicPr>
-          <p:nvPr/>
-        </p:nvPicPr>
-        <p:blipFill>
-          <a:blip r:embed="rId5">
-            <a:extLst>
-              <a:ext uri="{28A0092B-C50C-407E-A947-70E740481C1C}">
-                <a14:useLocalDpi xmlns:a14="http://schemas.microsoft.com/office/drawing/2010/main" val="0"/>
-              </a:ext>
-            </a:extLst>
-          </a:blip>
-          <a:stretch>
-            <a:fillRect/>
-          </a:stretch>
-        </p:blipFill>
-        <p:spPr>
-          <a:xfrm>
-            <a:off x="0" y="0"/>
-            <a:ext cx="18288000" cy="10286999"/>
-          </a:xfrm>
-          <a:prstGeom prst="rect">
-            <a:avLst/>
-          </a:prstGeom>
-        </p:spPr>
-      </p:pic>
-      <p:pic>
-        <p:nvPicPr>
-          <p:cNvPr id="9" name="그림 8"/>
-          <p:cNvPicPr>
-            <a:picLocks noChangeAspect="1"/>
-          </p:cNvPicPr>
-          <p:nvPr/>
-        </p:nvPicPr>
-        <p:blipFill>
-          <a:blip r:embed="rId6">
-            <a:extLst>
-              <a:ext uri="{28A0092B-C50C-407E-A947-70E740481C1C}">
-                <a14:useLocalDpi xmlns:a14="http://schemas.microsoft.com/office/drawing/2010/main" val="0"/>
-              </a:ext>
-            </a:extLst>
-          </a:blip>
-          <a:stretch>
-            <a:fillRect/>
-          </a:stretch>
-        </p:blipFill>
-        <p:spPr>
-          <a:xfrm>
-            <a:off x="1504501" y="419100"/>
-            <a:ext cx="2229299" cy="600087"/>
-          </a:xfrm>
-          <a:prstGeom prst="rect">
-            <a:avLst/>
-          </a:prstGeom>
-        </p:spPr>
-      </p:pic>
-      <p:pic>
-        <p:nvPicPr>
-          <p:cNvPr id="13" name="그림 12"/>
-          <p:cNvPicPr>
-            <a:picLocks noChangeAspect="1"/>
-          </p:cNvPicPr>
-          <p:nvPr/>
-        </p:nvPicPr>
-        <p:blipFill>
-          <a:blip r:embed="rId7">
-            <a:extLst>
-              <a:ext uri="{28A0092B-C50C-407E-A947-70E740481C1C}">
-                <a14:useLocalDpi xmlns:a14="http://schemas.microsoft.com/office/drawing/2010/main" val="0"/>
-              </a:ext>
-            </a:extLst>
-          </a:blip>
-          <a:stretch>
-            <a:fillRect/>
-          </a:stretch>
-        </p:blipFill>
-        <p:spPr>
-          <a:xfrm>
-            <a:off x="1521831" y="9274346"/>
-            <a:ext cx="15470769" cy="745954"/>
-          </a:xfrm>
-          <a:prstGeom prst="rect">
-            <a:avLst/>
-          </a:prstGeom>
-        </p:spPr>
-      </p:pic>
+      <p:grpSp>
+        <p:nvGrpSpPr>
+          <p:cNvPr id="10" name="그룹 1003"/>
+          <p:cNvGrpSpPr/>
+          <p:nvPr/>
+        </p:nvGrpSpPr>
+        <p:grpSpPr>
+          <a:xfrm>
+            <a:off x="2819400" y="2839046"/>
+            <a:ext cx="6324600" cy="5962054"/>
+            <a:chOff x="10344615" y="2009430"/>
+            <a:chExt cx="6631591" cy="6266854"/>
+          </a:xfrm>
+        </p:grpSpPr>
+        <p:pic>
+          <p:nvPicPr>
+            <p:cNvPr id="11" name="Object 12"/>
+            <p:cNvPicPr>
+              <a:picLocks noChangeAspect="1"/>
+            </p:cNvPicPr>
+            <p:nvPr/>
+          </p:nvPicPr>
+          <p:blipFill>
+            <a:blip r:embed="rId5" cstate="print"/>
+            <a:stretch>
+              <a:fillRect/>
+            </a:stretch>
+          </p:blipFill>
+          <p:spPr>
+            <a:xfrm>
+              <a:off x="10344615" y="2009430"/>
+              <a:ext cx="6631591" cy="6266854"/>
+            </a:xfrm>
+            <a:prstGeom prst="rect">
+              <a:avLst/>
+            </a:prstGeom>
+          </p:spPr>
+        </p:pic>
+      </p:grpSp>
+      <p:grpSp>
+        <p:nvGrpSpPr>
+          <p:cNvPr id="14" name="그룹 1005"/>
+          <p:cNvGrpSpPr/>
+          <p:nvPr/>
+        </p:nvGrpSpPr>
+        <p:grpSpPr>
+          <a:xfrm>
+            <a:off x="4952999" y="4300420"/>
+            <a:ext cx="2212923" cy="165865"/>
+            <a:chOff x="12517755" y="3470804"/>
+            <a:chExt cx="2320336" cy="174345"/>
+          </a:xfrm>
+        </p:grpSpPr>
+        <p:pic>
+          <p:nvPicPr>
+            <p:cNvPr id="16" name="Object 17"/>
+            <p:cNvPicPr>
+              <a:picLocks noChangeAspect="1"/>
+            </p:cNvPicPr>
+            <p:nvPr/>
+          </p:nvPicPr>
+          <p:blipFill>
+            <a:blip r:embed="rId6" cstate="print"/>
+            <a:stretch>
+              <a:fillRect/>
+            </a:stretch>
+          </p:blipFill>
+          <p:spPr>
+            <a:xfrm>
+              <a:off x="12517755" y="3470804"/>
+              <a:ext cx="2320336" cy="174345"/>
+            </a:xfrm>
+            <a:prstGeom prst="rect">
+              <a:avLst/>
+            </a:prstGeom>
+          </p:spPr>
+        </p:pic>
+      </p:grpSp>
+      <p:grpSp>
+        <p:nvGrpSpPr>
+          <p:cNvPr id="21" name="그룹 1007"/>
+          <p:cNvGrpSpPr/>
+          <p:nvPr/>
+        </p:nvGrpSpPr>
+        <p:grpSpPr>
+          <a:xfrm>
+            <a:off x="3286509" y="7201615"/>
+            <a:ext cx="2246975" cy="153306"/>
+            <a:chOff x="10727737" y="6372165"/>
+            <a:chExt cx="2320336" cy="174345"/>
+          </a:xfrm>
+        </p:grpSpPr>
+        <p:pic>
+          <p:nvPicPr>
+            <p:cNvPr id="23" name="Object 24"/>
+            <p:cNvPicPr>
+              <a:picLocks noChangeAspect="1"/>
+            </p:cNvPicPr>
+            <p:nvPr/>
+          </p:nvPicPr>
+          <p:blipFill>
+            <a:blip r:embed="rId6" cstate="print"/>
+            <a:stretch>
+              <a:fillRect/>
+            </a:stretch>
+          </p:blipFill>
+          <p:spPr>
+            <a:xfrm>
+              <a:off x="10727737" y="6372165"/>
+              <a:ext cx="2320336" cy="174345"/>
+            </a:xfrm>
+            <a:prstGeom prst="rect">
+              <a:avLst/>
+            </a:prstGeom>
+          </p:spPr>
+        </p:pic>
+      </p:grpSp>
       <p:sp>
         <p:nvSpPr>
-          <p:cNvPr id="14" name="모서리가 둥근 직사각형 13"/>
+          <p:cNvPr id="5" name="TextBox 4"/>
+          <p:cNvSpPr txBox="1"/>
+          <p:nvPr/>
+        </p:nvSpPr>
+        <p:spPr>
+          <a:xfrm>
+            <a:off x="6553199" y="6156384"/>
+            <a:ext cx="1962158" cy="938719"/>
+          </a:xfrm>
+          <a:prstGeom prst="rect">
+            <a:avLst/>
+          </a:prstGeom>
+          <a:noFill/>
+        </p:spPr>
+        <p:txBody>
+          <a:bodyPr wrap="square" rtlCol="0">
+            <a:spAutoFit/>
+          </a:bodyPr>
+          <a:lstStyle/>
+          <a:p>
+            <a:pPr algn="ctr"/>
+            <a:r>
+              <a:rPr lang="en-US" altLang="ko-KR" sz="3000" dirty="0" smtClean="0">
+                <a:solidFill>
+                  <a:schemeClr val="bg1"/>
+                </a:solidFill>
+                <a:latin typeface="HY견고딕" panose="02030600000101010101" pitchFamily="18" charset="-127"/>
+                <a:ea typeface="HY견고딕" panose="02030600000101010101" pitchFamily="18" charset="-127"/>
+              </a:rPr>
+              <a:t>03</a:t>
+            </a:r>
+          </a:p>
+          <a:p>
+            <a:pPr algn="ctr"/>
+            <a:r>
+              <a:rPr lang="ko-KR" altLang="en-US" sz="2500" dirty="0" smtClean="0">
+                <a:solidFill>
+                  <a:schemeClr val="bg1"/>
+                </a:solidFill>
+                <a:latin typeface="HY견고딕" panose="02030600000101010101" pitchFamily="18" charset="-127"/>
+                <a:ea typeface="HY견고딕" panose="02030600000101010101" pitchFamily="18" charset="-127"/>
+              </a:rPr>
+              <a:t>예약 리스트</a:t>
+            </a:r>
+            <a:endParaRPr lang="ko-KR" altLang="en-US" sz="2500" dirty="0">
+              <a:solidFill>
+                <a:schemeClr val="bg1"/>
+              </a:solidFill>
+              <a:latin typeface="HY견고딕" panose="02030600000101010101" pitchFamily="18" charset="-127"/>
+              <a:ea typeface="HY견고딕" panose="02030600000101010101" pitchFamily="18" charset="-127"/>
+            </a:endParaRPr>
+          </a:p>
+        </p:txBody>
+      </p:sp>
+      <p:grpSp>
+        <p:nvGrpSpPr>
+          <p:cNvPr id="29" name="그룹 1007"/>
+          <p:cNvGrpSpPr/>
+          <p:nvPr/>
+        </p:nvGrpSpPr>
+        <p:grpSpPr>
+          <a:xfrm>
+            <a:off x="6400799" y="7201615"/>
+            <a:ext cx="2246975" cy="153306"/>
+            <a:chOff x="10727737" y="6372165"/>
+            <a:chExt cx="2320336" cy="174345"/>
+          </a:xfrm>
+        </p:grpSpPr>
+        <p:pic>
+          <p:nvPicPr>
+            <p:cNvPr id="30" name="Object 24"/>
+            <p:cNvPicPr>
+              <a:picLocks noChangeAspect="1"/>
+            </p:cNvPicPr>
+            <p:nvPr/>
+          </p:nvPicPr>
+          <p:blipFill>
+            <a:blip r:embed="rId6" cstate="print"/>
+            <a:stretch>
+              <a:fillRect/>
+            </a:stretch>
+          </p:blipFill>
+          <p:spPr>
+            <a:xfrm>
+              <a:off x="10727737" y="6372165"/>
+              <a:ext cx="2320336" cy="174345"/>
+            </a:xfrm>
+            <a:prstGeom prst="rect">
+              <a:avLst/>
+            </a:prstGeom>
+          </p:spPr>
+        </p:pic>
+      </p:grpSp>
+      <p:sp>
+        <p:nvSpPr>
+          <p:cNvPr id="31" name="TextBox 30"/>
+          <p:cNvSpPr txBox="1"/>
+          <p:nvPr/>
+        </p:nvSpPr>
+        <p:spPr>
+          <a:xfrm>
+            <a:off x="3132043" y="6156384"/>
+            <a:ext cx="2611632" cy="938719"/>
+          </a:xfrm>
+          <a:prstGeom prst="rect">
+            <a:avLst/>
+          </a:prstGeom>
+          <a:noFill/>
+        </p:spPr>
+        <p:txBody>
+          <a:bodyPr wrap="square" rtlCol="0">
+            <a:spAutoFit/>
+          </a:bodyPr>
+          <a:lstStyle/>
+          <a:p>
+            <a:pPr algn="ctr"/>
+            <a:r>
+              <a:rPr lang="en-US" altLang="ko-KR" sz="3000" dirty="0" smtClean="0">
+                <a:solidFill>
+                  <a:schemeClr val="bg1"/>
+                </a:solidFill>
+                <a:latin typeface="HY견고딕" panose="02030600000101010101" pitchFamily="18" charset="-127"/>
+                <a:ea typeface="HY견고딕" panose="02030600000101010101" pitchFamily="18" charset="-127"/>
+              </a:rPr>
+              <a:t>02</a:t>
+            </a:r>
+          </a:p>
+          <a:p>
+            <a:pPr algn="ctr"/>
+            <a:r>
+              <a:rPr lang="ko-KR" altLang="en-US" sz="2500" dirty="0" smtClean="0">
+                <a:solidFill>
+                  <a:schemeClr val="bg1"/>
+                </a:solidFill>
+                <a:latin typeface="HY견고딕" panose="02030600000101010101" pitchFamily="18" charset="-127"/>
+                <a:ea typeface="HY견고딕" panose="02030600000101010101" pitchFamily="18" charset="-127"/>
+              </a:rPr>
+              <a:t>예약 페이지</a:t>
+            </a:r>
+            <a:endParaRPr lang="ko-KR" altLang="en-US" sz="2500" dirty="0">
+              <a:solidFill>
+                <a:schemeClr val="bg1"/>
+              </a:solidFill>
+              <a:latin typeface="HY견고딕" panose="02030600000101010101" pitchFamily="18" charset="-127"/>
+              <a:ea typeface="HY견고딕" panose="02030600000101010101" pitchFamily="18" charset="-127"/>
+            </a:endParaRPr>
+          </a:p>
+        </p:txBody>
+      </p:sp>
+      <p:sp>
+        <p:nvSpPr>
+          <p:cNvPr id="32" name="TextBox 31"/>
+          <p:cNvSpPr txBox="1"/>
+          <p:nvPr/>
+        </p:nvSpPr>
+        <p:spPr>
+          <a:xfrm>
+            <a:off x="4938485" y="3235624"/>
+            <a:ext cx="2253893" cy="1015663"/>
+          </a:xfrm>
+          <a:prstGeom prst="rect">
+            <a:avLst/>
+          </a:prstGeom>
+          <a:noFill/>
+        </p:spPr>
+        <p:txBody>
+          <a:bodyPr wrap="square" rtlCol="0">
+            <a:spAutoFit/>
+          </a:bodyPr>
+          <a:lstStyle/>
+          <a:p>
+            <a:pPr algn="ctr"/>
+            <a:r>
+              <a:rPr lang="en-US" altLang="ko-KR" sz="3000" dirty="0" smtClean="0">
+                <a:solidFill>
+                  <a:schemeClr val="bg1"/>
+                </a:solidFill>
+                <a:latin typeface="HY견고딕" panose="02030600000101010101" pitchFamily="18" charset="-127"/>
+                <a:ea typeface="HY견고딕" panose="02030600000101010101" pitchFamily="18" charset="-127"/>
+              </a:rPr>
+              <a:t>01</a:t>
+            </a:r>
+            <a:endParaRPr lang="en-US" altLang="ko-KR" sz="2500" dirty="0" smtClean="0">
+              <a:solidFill>
+                <a:schemeClr val="bg1"/>
+              </a:solidFill>
+              <a:latin typeface="HY견고딕" panose="02030600000101010101" pitchFamily="18" charset="-127"/>
+              <a:ea typeface="HY견고딕" panose="02030600000101010101" pitchFamily="18" charset="-127"/>
+            </a:endParaRPr>
+          </a:p>
+          <a:p>
+            <a:pPr algn="ctr"/>
+            <a:r>
+              <a:rPr lang="ko-KR" altLang="en-US" sz="3000" dirty="0" smtClean="0">
+                <a:solidFill>
+                  <a:schemeClr val="bg1"/>
+                </a:solidFill>
+                <a:latin typeface="HY견고딕" panose="02030600000101010101" pitchFamily="18" charset="-127"/>
+                <a:ea typeface="HY견고딕" panose="02030600000101010101" pitchFamily="18" charset="-127"/>
+              </a:rPr>
+              <a:t>메인 페이지</a:t>
+            </a:r>
+            <a:endParaRPr lang="en-US" altLang="ko-KR" sz="3000" dirty="0" smtClean="0">
+              <a:solidFill>
+                <a:schemeClr val="bg1"/>
+              </a:solidFill>
+              <a:latin typeface="HY견고딕" panose="02030600000101010101" pitchFamily="18" charset="-127"/>
+              <a:ea typeface="HY견고딕" panose="02030600000101010101" pitchFamily="18" charset="-127"/>
+            </a:endParaRPr>
+          </a:p>
+        </p:txBody>
+      </p:sp>
+      <p:sp>
+        <p:nvSpPr>
+          <p:cNvPr id="2" name="TextBox 1"/>
+          <p:cNvSpPr txBox="1"/>
+          <p:nvPr/>
+        </p:nvSpPr>
+        <p:spPr>
+          <a:xfrm>
+            <a:off x="4938485" y="4505665"/>
+            <a:ext cx="2253893" cy="646331"/>
+          </a:xfrm>
+          <a:prstGeom prst="rect">
+            <a:avLst/>
+          </a:prstGeom>
+          <a:noFill/>
+        </p:spPr>
+        <p:txBody>
+          <a:bodyPr wrap="square" rtlCol="0">
+            <a:spAutoFit/>
+          </a:bodyPr>
+          <a:lstStyle/>
+          <a:p>
+            <a:pPr algn="ctr"/>
+            <a:r>
+              <a:rPr lang="ko-KR" altLang="en-US" dirty="0" smtClean="0">
+                <a:solidFill>
+                  <a:schemeClr val="bg1"/>
+                </a:solidFill>
+                <a:latin typeface="HY견고딕" panose="02030600000101010101" pitchFamily="18" charset="-127"/>
+                <a:ea typeface="HY견고딕" panose="02030600000101010101" pitchFamily="18" charset="-127"/>
+              </a:rPr>
+              <a:t>로그인</a:t>
+            </a:r>
+            <a:endParaRPr lang="en-US" altLang="ko-KR" dirty="0" smtClean="0">
+              <a:solidFill>
+                <a:schemeClr val="bg1"/>
+              </a:solidFill>
+              <a:latin typeface="HY견고딕" panose="02030600000101010101" pitchFamily="18" charset="-127"/>
+              <a:ea typeface="HY견고딕" panose="02030600000101010101" pitchFamily="18" charset="-127"/>
+            </a:endParaRPr>
+          </a:p>
+          <a:p>
+            <a:pPr algn="ctr"/>
+            <a:r>
+              <a:rPr lang="ko-KR" altLang="en-US" dirty="0" smtClean="0">
+                <a:solidFill>
+                  <a:schemeClr val="bg1"/>
+                </a:solidFill>
+                <a:latin typeface="HY견고딕" panose="02030600000101010101" pitchFamily="18" charset="-127"/>
+                <a:ea typeface="HY견고딕" panose="02030600000101010101" pitchFamily="18" charset="-127"/>
+              </a:rPr>
+              <a:t>회원가입</a:t>
+            </a:r>
+            <a:endParaRPr lang="ko-KR" altLang="en-US" dirty="0">
+              <a:solidFill>
+                <a:schemeClr val="bg1"/>
+              </a:solidFill>
+              <a:latin typeface="HY견고딕" panose="02030600000101010101" pitchFamily="18" charset="-127"/>
+              <a:ea typeface="HY견고딕" panose="02030600000101010101" pitchFamily="18" charset="-127"/>
+            </a:endParaRPr>
+          </a:p>
+        </p:txBody>
+      </p:sp>
+      <p:sp>
+        <p:nvSpPr>
+          <p:cNvPr id="20" name="TextBox 19"/>
+          <p:cNvSpPr txBox="1"/>
+          <p:nvPr/>
+        </p:nvSpPr>
+        <p:spPr>
+          <a:xfrm>
+            <a:off x="3276599" y="7429500"/>
+            <a:ext cx="2253893" cy="1200329"/>
+          </a:xfrm>
+          <a:prstGeom prst="rect">
+            <a:avLst/>
+          </a:prstGeom>
+          <a:noFill/>
+        </p:spPr>
+        <p:txBody>
+          <a:bodyPr wrap="square" rtlCol="0">
+            <a:spAutoFit/>
+          </a:bodyPr>
+          <a:lstStyle/>
+          <a:p>
+            <a:pPr algn="ctr"/>
+            <a:r>
+              <a:rPr lang="ko-KR" altLang="en-US" dirty="0" smtClean="0">
+                <a:solidFill>
+                  <a:schemeClr val="bg1"/>
+                </a:solidFill>
+                <a:latin typeface="HY견고딕" panose="02030600000101010101" pitchFamily="18" charset="-127"/>
+                <a:ea typeface="HY견고딕" panose="02030600000101010101" pitchFamily="18" charset="-127"/>
+              </a:rPr>
+              <a:t>예약 하기</a:t>
+            </a:r>
+            <a:endParaRPr lang="en-US" altLang="ko-KR" dirty="0" smtClean="0">
+              <a:solidFill>
+                <a:schemeClr val="bg1"/>
+              </a:solidFill>
+              <a:latin typeface="HY견고딕" panose="02030600000101010101" pitchFamily="18" charset="-127"/>
+              <a:ea typeface="HY견고딕" panose="02030600000101010101" pitchFamily="18" charset="-127"/>
+            </a:endParaRPr>
+          </a:p>
+          <a:p>
+            <a:pPr algn="ctr"/>
+            <a:r>
+              <a:rPr lang="ko-KR" altLang="en-US" dirty="0">
+                <a:solidFill>
+                  <a:schemeClr val="bg1"/>
+                </a:solidFill>
+                <a:latin typeface="HY견고딕" panose="02030600000101010101" pitchFamily="18" charset="-127"/>
+                <a:ea typeface="HY견고딕" panose="02030600000101010101" pitchFamily="18" charset="-127"/>
+              </a:rPr>
+              <a:t>강의실 보기</a:t>
+            </a:r>
+            <a:endParaRPr lang="en-US" altLang="ko-KR" dirty="0">
+              <a:solidFill>
+                <a:schemeClr val="bg1"/>
+              </a:solidFill>
+              <a:latin typeface="HY견고딕" panose="02030600000101010101" pitchFamily="18" charset="-127"/>
+              <a:ea typeface="HY견고딕" panose="02030600000101010101" pitchFamily="18" charset="-127"/>
+            </a:endParaRPr>
+          </a:p>
+          <a:p>
+            <a:pPr algn="ctr"/>
+            <a:endParaRPr lang="en-US" altLang="ko-KR" dirty="0" smtClean="0">
+              <a:solidFill>
+                <a:schemeClr val="bg1"/>
+              </a:solidFill>
+              <a:latin typeface="HY견고딕" panose="02030600000101010101" pitchFamily="18" charset="-127"/>
+              <a:ea typeface="HY견고딕" panose="02030600000101010101" pitchFamily="18" charset="-127"/>
+            </a:endParaRPr>
+          </a:p>
+          <a:p>
+            <a:pPr algn="ctr"/>
+            <a:endParaRPr lang="ko-KR" altLang="en-US" dirty="0">
+              <a:solidFill>
+                <a:schemeClr val="bg1"/>
+              </a:solidFill>
+              <a:latin typeface="HY견고딕" panose="02030600000101010101" pitchFamily="18" charset="-127"/>
+              <a:ea typeface="HY견고딕" panose="02030600000101010101" pitchFamily="18" charset="-127"/>
+            </a:endParaRPr>
+          </a:p>
+        </p:txBody>
+      </p:sp>
+      <p:sp>
+        <p:nvSpPr>
+          <p:cNvPr id="22" name="TextBox 21"/>
+          <p:cNvSpPr txBox="1"/>
+          <p:nvPr/>
+        </p:nvSpPr>
+        <p:spPr>
+          <a:xfrm>
+            <a:off x="6393881" y="7394301"/>
+            <a:ext cx="2253893" cy="646331"/>
+          </a:xfrm>
+          <a:prstGeom prst="rect">
+            <a:avLst/>
+          </a:prstGeom>
+          <a:noFill/>
+        </p:spPr>
+        <p:txBody>
+          <a:bodyPr wrap="square" rtlCol="0">
+            <a:spAutoFit/>
+          </a:bodyPr>
+          <a:lstStyle/>
+          <a:p>
+            <a:pPr algn="ctr"/>
+            <a:r>
+              <a:rPr lang="ko-KR" altLang="en-US" dirty="0" smtClean="0">
+                <a:solidFill>
+                  <a:schemeClr val="bg1"/>
+                </a:solidFill>
+                <a:latin typeface="HY견고딕" panose="02030600000101010101" pitchFamily="18" charset="-127"/>
+                <a:ea typeface="HY견고딕" panose="02030600000101010101" pitchFamily="18" charset="-127"/>
+              </a:rPr>
+              <a:t>지점별 예약 현황</a:t>
+            </a:r>
+            <a:endParaRPr lang="en-US" altLang="ko-KR" dirty="0" smtClean="0">
+              <a:solidFill>
+                <a:schemeClr val="bg1"/>
+              </a:solidFill>
+              <a:latin typeface="HY견고딕" panose="02030600000101010101" pitchFamily="18" charset="-127"/>
+              <a:ea typeface="HY견고딕" panose="02030600000101010101" pitchFamily="18" charset="-127"/>
+            </a:endParaRPr>
+          </a:p>
+          <a:p>
+            <a:pPr algn="ctr"/>
+            <a:r>
+              <a:rPr lang="ko-KR" altLang="en-US" dirty="0" smtClean="0">
+                <a:solidFill>
+                  <a:schemeClr val="bg1"/>
+                </a:solidFill>
+                <a:latin typeface="HY견고딕" panose="02030600000101010101" pitchFamily="18" charset="-127"/>
+                <a:ea typeface="HY견고딕" panose="02030600000101010101" pitchFamily="18" charset="-127"/>
+              </a:rPr>
+              <a:t>강의실 보기</a:t>
+            </a:r>
+            <a:endParaRPr lang="ko-KR" altLang="en-US" dirty="0">
+              <a:solidFill>
+                <a:schemeClr val="bg1"/>
+              </a:solidFill>
+              <a:latin typeface="HY견고딕" panose="02030600000101010101" pitchFamily="18" charset="-127"/>
+              <a:ea typeface="HY견고딕" panose="02030600000101010101" pitchFamily="18" charset="-127"/>
+            </a:endParaRPr>
+          </a:p>
+        </p:txBody>
+      </p:sp>
+      <p:sp>
+        <p:nvSpPr>
+          <p:cNvPr id="9" name="타원 8"/>
           <p:cNvSpPr/>
           <p:nvPr/>
         </p:nvSpPr>
         <p:spPr>
           <a:xfrm>
-            <a:off x="14994281" y="9274346"/>
-            <a:ext cx="1769719" cy="745954"/>
-          </a:xfrm>
-          <a:prstGeom prst="roundRect">
-            <a:avLst/>
-          </a:prstGeom>
-          <a:solidFill>
-            <a:schemeClr val="bg1">
-              <a:lumMod val="85000"/>
-            </a:schemeClr>
-          </a:solidFill>
+            <a:off x="11811000" y="3589903"/>
+            <a:ext cx="3505200" cy="3505200"/>
+          </a:xfrm>
+          <a:prstGeom prst="ellipse">
+            <a:avLst/>
+          </a:prstGeom>
+          <a:gradFill flip="none" rotWithShape="1">
+            <a:gsLst>
+              <a:gs pos="75000">
+                <a:schemeClr val="accent1">
+                  <a:shade val="30000"/>
+                  <a:satMod val="115000"/>
+                </a:schemeClr>
+              </a:gs>
+              <a:gs pos="44000">
+                <a:schemeClr val="accent1">
+                  <a:shade val="67500"/>
+                  <a:satMod val="115000"/>
+                </a:schemeClr>
+              </a:gs>
+              <a:gs pos="100000">
+                <a:schemeClr val="accent1">
+                  <a:shade val="100000"/>
+                  <a:satMod val="115000"/>
+                </a:schemeClr>
+              </a:gs>
+            </a:gsLst>
+            <a:path path="circle">
+              <a:fillToRect l="50000" t="50000" r="50000" b="50000"/>
+            </a:path>
+            <a:tileRect/>
+          </a:gradFill>
           <a:ln>
-            <a:solidFill>
-              <a:schemeClr val="bg1">
-                <a:lumMod val="65000"/>
-              </a:schemeClr>
-            </a:solidFill>
+            <a:noFill/>
           </a:ln>
         </p:spPr>
         <p:style>
@@ -23498,349 +26416,21 @@
           <a:p>
             <a:pPr algn="ctr"/>
             <a:r>
-              <a:rPr lang="ko-KR" altLang="en-US" dirty="0" smtClean="0">
-                <a:solidFill>
-                  <a:schemeClr val="tx1">
-                    <a:lumMod val="50000"/>
-                    <a:lumOff val="50000"/>
-                  </a:schemeClr>
-                </a:solidFill>
-                <a:latin typeface="맑은 고딕" panose="020B0503020000020004" pitchFamily="50" charset="-127"/>
-                <a:ea typeface="맑은 고딕" panose="020B0503020000020004" pitchFamily="50" charset="-127"/>
-              </a:rPr>
-              <a:t>관리자 모드</a:t>
-            </a:r>
-            <a:endParaRPr lang="ko-KR" altLang="en-US" dirty="0">
-              <a:solidFill>
-                <a:schemeClr val="tx1">
-                  <a:lumMod val="50000"/>
-                  <a:lumOff val="50000"/>
-                </a:schemeClr>
-              </a:solidFill>
-              <a:latin typeface="맑은 고딕" panose="020B0503020000020004" pitchFamily="50" charset="-127"/>
-              <a:ea typeface="맑은 고딕" panose="020B0503020000020004" pitchFamily="50" charset="-127"/>
-            </a:endParaRPr>
-          </a:p>
-        </p:txBody>
-      </p:sp>
-      <p:pic>
-        <p:nvPicPr>
-          <p:cNvPr id="7" name="그림 6"/>
-          <p:cNvPicPr>
-            <a:picLocks noChangeAspect="1"/>
-          </p:cNvPicPr>
-          <p:nvPr/>
-        </p:nvPicPr>
-        <p:blipFill>
-          <a:blip r:embed="rId8">
-            <a:extLst>
-              <a:ext uri="{28A0092B-C50C-407E-A947-70E740481C1C}">
-                <a14:useLocalDpi xmlns:a14="http://schemas.microsoft.com/office/drawing/2010/main" val="0"/>
-              </a:ext>
-            </a:extLst>
-          </a:blip>
-          <a:stretch>
-            <a:fillRect/>
-          </a:stretch>
-        </p:blipFill>
-        <p:spPr>
-          <a:xfrm>
-            <a:off x="7010400" y="4076700"/>
-            <a:ext cx="4419600" cy="457200"/>
-          </a:xfrm>
-          <a:prstGeom prst="rect">
-            <a:avLst/>
-          </a:prstGeom>
-        </p:spPr>
-      </p:pic>
-      <p:sp>
-        <p:nvSpPr>
-          <p:cNvPr id="23" name="TextBox 22"/>
-          <p:cNvSpPr txBox="1"/>
-          <p:nvPr/>
-        </p:nvSpPr>
-        <p:spPr>
-          <a:xfrm>
-            <a:off x="5446131" y="9029700"/>
-            <a:ext cx="7584069" cy="923330"/>
-          </a:xfrm>
-          <a:prstGeom prst="rect">
-            <a:avLst/>
-          </a:prstGeom>
-          <a:noFill/>
-        </p:spPr>
-        <p:txBody>
-          <a:bodyPr wrap="square" rtlCol="0">
-            <a:spAutoFit/>
-          </a:bodyPr>
-          <a:lstStyle/>
-          <a:p>
-            <a:r>
-              <a:rPr lang="ko-KR" altLang="en-US" dirty="0">
-                <a:latin typeface="굴림체" panose="020B0609000101010101" pitchFamily="49" charset="-127"/>
-                <a:ea typeface="굴림체" panose="020B0609000101010101" pitchFamily="49" charset="-127"/>
-              </a:rPr>
-              <a:t/>
-            </a:r>
-            <a:br>
-              <a:rPr lang="ko-KR" altLang="en-US" dirty="0">
-                <a:latin typeface="굴림체" panose="020B0609000101010101" pitchFamily="49" charset="-127"/>
-                <a:ea typeface="굴림체" panose="020B0609000101010101" pitchFamily="49" charset="-127"/>
-              </a:rPr>
-            </a:br>
-            <a:r>
-              <a:rPr lang="ko-KR" altLang="en-US" b="1" dirty="0">
-                <a:solidFill>
-                  <a:schemeClr val="tx1">
-                    <a:lumMod val="65000"/>
-                    <a:lumOff val="35000"/>
-                  </a:schemeClr>
-                </a:solidFill>
-                <a:latin typeface="굴림체" panose="020B0609000101010101" pitchFamily="49" charset="-127"/>
-                <a:ea typeface="굴림체" panose="020B0609000101010101" pitchFamily="49" charset="-127"/>
-              </a:rPr>
-              <a:t>서울특별시 서초구 서초동 </a:t>
-            </a:r>
-            <a:r>
-              <a:rPr lang="en-US" altLang="ko-KR" b="1" dirty="0">
-                <a:solidFill>
-                  <a:schemeClr val="tx1">
-                    <a:lumMod val="65000"/>
-                    <a:lumOff val="35000"/>
-                  </a:schemeClr>
-                </a:solidFill>
-                <a:latin typeface="굴림체" panose="020B0609000101010101" pitchFamily="49" charset="-127"/>
-                <a:ea typeface="굴림체" panose="020B0609000101010101" pitchFamily="49" charset="-127"/>
-              </a:rPr>
-              <a:t>1303-37 </a:t>
-            </a:r>
-            <a:r>
-              <a:rPr lang="ko-KR" altLang="en-US" b="1" dirty="0">
-                <a:solidFill>
-                  <a:schemeClr val="tx1">
-                    <a:lumMod val="65000"/>
-                    <a:lumOff val="35000"/>
-                  </a:schemeClr>
-                </a:solidFill>
-                <a:latin typeface="굴림체" panose="020B0609000101010101" pitchFamily="49" charset="-127"/>
-                <a:ea typeface="굴림체" panose="020B0609000101010101" pitchFamily="49" charset="-127"/>
-              </a:rPr>
-              <a:t>서초</a:t>
-            </a:r>
-            <a:r>
-              <a:rPr lang="en-US" altLang="ko-KR" b="1" dirty="0">
-                <a:solidFill>
-                  <a:schemeClr val="tx1">
-                    <a:lumMod val="65000"/>
-                    <a:lumOff val="35000"/>
-                  </a:schemeClr>
-                </a:solidFill>
-                <a:latin typeface="굴림체" panose="020B0609000101010101" pitchFamily="49" charset="-127"/>
-                <a:ea typeface="굴림체" panose="020B0609000101010101" pitchFamily="49" charset="-127"/>
-              </a:rPr>
-              <a:t>W</a:t>
-            </a:r>
-            <a:r>
-              <a:rPr lang="ko-KR" altLang="en-US" b="1" dirty="0">
-                <a:solidFill>
-                  <a:schemeClr val="tx1">
-                    <a:lumMod val="65000"/>
-                    <a:lumOff val="35000"/>
-                  </a:schemeClr>
-                </a:solidFill>
-                <a:latin typeface="굴림체" panose="020B0609000101010101" pitchFamily="49" charset="-127"/>
-                <a:ea typeface="굴림체" panose="020B0609000101010101" pitchFamily="49" charset="-127"/>
-              </a:rPr>
-              <a:t>타워 </a:t>
-            </a:r>
-            <a:r>
-              <a:rPr lang="en-US" altLang="ko-KR" b="1" dirty="0">
-                <a:solidFill>
-                  <a:schemeClr val="tx1">
-                    <a:lumMod val="65000"/>
-                    <a:lumOff val="35000"/>
-                  </a:schemeClr>
-                </a:solidFill>
-                <a:latin typeface="굴림체" panose="020B0609000101010101" pitchFamily="49" charset="-127"/>
-                <a:ea typeface="굴림체" panose="020B0609000101010101" pitchFamily="49" charset="-127"/>
-              </a:rPr>
-              <a:t>13</a:t>
-            </a:r>
-            <a:r>
-              <a:rPr lang="ko-KR" altLang="en-US" b="1" dirty="0">
-                <a:solidFill>
-                  <a:schemeClr val="tx1">
-                    <a:lumMod val="65000"/>
-                    <a:lumOff val="35000"/>
-                  </a:schemeClr>
-                </a:solidFill>
-                <a:latin typeface="굴림체" panose="020B0609000101010101" pitchFamily="49" charset="-127"/>
-                <a:ea typeface="굴림체" panose="020B0609000101010101" pitchFamily="49" charset="-127"/>
-              </a:rPr>
-              <a:t>층  </a:t>
-            </a:r>
-            <a:r>
-              <a:rPr lang="en-US" altLang="ko-KR" b="1" dirty="0">
-                <a:solidFill>
-                  <a:schemeClr val="tx1">
-                    <a:lumMod val="65000"/>
-                    <a:lumOff val="35000"/>
-                  </a:schemeClr>
-                </a:solidFill>
-                <a:latin typeface="굴림체" panose="020B0609000101010101" pitchFamily="49" charset="-127"/>
-                <a:ea typeface="굴림체" panose="020B0609000101010101" pitchFamily="49" charset="-127"/>
-              </a:rPr>
-              <a:t>T. 1544-8147</a:t>
-            </a:r>
-            <a:r>
-              <a:rPr lang="ko-KR" altLang="en-US" b="1" dirty="0">
-                <a:solidFill>
-                  <a:schemeClr val="tx1">
-                    <a:lumMod val="65000"/>
-                    <a:lumOff val="35000"/>
-                  </a:schemeClr>
-                </a:solidFill>
-                <a:latin typeface="굴림체" panose="020B0609000101010101" pitchFamily="49" charset="-127"/>
-                <a:ea typeface="굴림체" panose="020B0609000101010101" pitchFamily="49" charset="-127"/>
-              </a:rPr>
-              <a:t>     </a:t>
-            </a:r>
-            <a:endParaRPr lang="en-US" altLang="ko-KR" b="1" dirty="0">
-              <a:solidFill>
-                <a:schemeClr val="tx1">
-                  <a:lumMod val="65000"/>
-                  <a:lumOff val="35000"/>
-                </a:schemeClr>
-              </a:solidFill>
-              <a:latin typeface="굴림체" panose="020B0609000101010101" pitchFamily="49" charset="-127"/>
-              <a:ea typeface="굴림체" panose="020B0609000101010101" pitchFamily="49" charset="-127"/>
-            </a:endParaRPr>
-          </a:p>
-          <a:p>
-            <a:r>
-              <a:rPr lang="en-US" altLang="ko-KR" b="1" dirty="0">
-                <a:solidFill>
-                  <a:schemeClr val="tx1">
-                    <a:lumMod val="65000"/>
-                    <a:lumOff val="35000"/>
-                  </a:schemeClr>
-                </a:solidFill>
-                <a:latin typeface="굴림체" panose="020B0609000101010101" pitchFamily="49" charset="-127"/>
-                <a:ea typeface="굴림체" panose="020B0609000101010101" pitchFamily="49" charset="-127"/>
-              </a:rPr>
-              <a:t>Copyright by EZEN. All rights reserved.</a:t>
-            </a:r>
-            <a:endParaRPr lang="ko-KR" altLang="en-US" b="1" dirty="0">
-              <a:solidFill>
-                <a:schemeClr val="tx1">
-                  <a:lumMod val="65000"/>
-                  <a:lumOff val="35000"/>
-                </a:schemeClr>
-              </a:solidFill>
-              <a:latin typeface="굴림체" panose="020B0609000101010101" pitchFamily="49" charset="-127"/>
-              <a:ea typeface="굴림체" panose="020B0609000101010101" pitchFamily="49" charset="-127"/>
-            </a:endParaRPr>
-          </a:p>
-        </p:txBody>
-      </p:sp>
-      <p:sp>
-        <p:nvSpPr>
-          <p:cNvPr id="15" name="TextBox 14"/>
-          <p:cNvSpPr txBox="1"/>
-          <p:nvPr/>
-        </p:nvSpPr>
-        <p:spPr>
-          <a:xfrm>
-            <a:off x="13411200" y="610969"/>
-            <a:ext cx="1170710" cy="646331"/>
-          </a:xfrm>
-          <a:prstGeom prst="rect">
-            <a:avLst/>
-          </a:prstGeom>
-          <a:noFill/>
-        </p:spPr>
-        <p:txBody>
-          <a:bodyPr wrap="square" rtlCol="0">
-            <a:spAutoFit/>
-          </a:bodyPr>
-          <a:lstStyle/>
-          <a:p>
-            <a:r>
-              <a:rPr lang="ko-KR" altLang="en-US" b="1" dirty="0" smtClean="0"/>
-              <a:t>장동진님</a:t>
-            </a:r>
-            <a:r>
-              <a:rPr lang="ko-KR" altLang="en-US" dirty="0" smtClean="0"/>
-              <a:t> </a:t>
-            </a:r>
-            <a:r>
-              <a:rPr lang="en-US" altLang="ko-KR" dirty="0" smtClean="0"/>
-              <a:t>	</a:t>
-            </a:r>
-            <a:endParaRPr lang="ko-KR" altLang="en-US" dirty="0"/>
-          </a:p>
-        </p:txBody>
-      </p:sp>
-      <p:sp>
-        <p:nvSpPr>
-          <p:cNvPr id="20" name="모서리가 둥근 직사각형 19"/>
-          <p:cNvSpPr/>
-          <p:nvPr/>
-        </p:nvSpPr>
-        <p:spPr>
-          <a:xfrm>
-            <a:off x="15480957" y="637741"/>
-            <a:ext cx="1295400" cy="304800"/>
-          </a:xfrm>
-          <a:prstGeom prst="roundRect">
-            <a:avLst/>
-          </a:prstGeom>
-          <a:solidFill>
-            <a:schemeClr val="bg1">
-              <a:lumMod val="85000"/>
-            </a:schemeClr>
-          </a:solidFill>
-          <a:ln>
-            <a:noFill/>
-          </a:ln>
-        </p:spPr>
-        <p:style>
-          <a:lnRef idx="2">
-            <a:schemeClr val="accent1">
-              <a:shade val="50000"/>
-            </a:schemeClr>
-          </a:lnRef>
-          <a:fillRef idx="1">
-            <a:schemeClr val="accent1"/>
-          </a:fillRef>
-          <a:effectRef idx="0">
-            <a:schemeClr val="accent1"/>
-          </a:effectRef>
-          <a:fontRef idx="minor">
-            <a:schemeClr val="lt1"/>
-          </a:fontRef>
-        </p:style>
-        <p:txBody>
-          <a:bodyPr rtlCol="0" anchor="ctr"/>
-          <a:lstStyle/>
-          <a:p>
-            <a:pPr algn="ctr"/>
-            <a:r>
-              <a:rPr lang="ko-KR" altLang="en-US" dirty="0" smtClean="0">
+              <a:rPr lang="ko-KR" altLang="en-US" sz="2400" dirty="0" smtClean="0">
                 <a:solidFill>
                   <a:schemeClr val="bg1"/>
                 </a:solidFill>
-                <a:latin typeface="맑은 고딕" panose="020B0503020000020004" pitchFamily="50" charset="-127"/>
-                <a:ea typeface="맑은 고딕" panose="020B0503020000020004" pitchFamily="50" charset="-127"/>
-              </a:rPr>
-              <a:t>로그아웃</a:t>
-            </a:r>
-            <a:endParaRPr lang="ko-KR" altLang="en-US" dirty="0">
+                <a:latin typeface="HY견고딕" panose="02030600000101010101" pitchFamily="18" charset="-127"/>
+                <a:ea typeface="HY견고딕" panose="02030600000101010101" pitchFamily="18" charset="-127"/>
+              </a:rPr>
+              <a:t>관리자 페이지</a:t>
+            </a:r>
+            <a:endParaRPr lang="ko-KR" altLang="en-US" sz="2400" dirty="0">
               <a:solidFill>
                 <a:schemeClr val="bg1"/>
               </a:solidFill>
-              <a:latin typeface="맑은 고딕" panose="020B0503020000020004" pitchFamily="50" charset="-127"/>
-              <a:ea typeface="맑은 고딕" panose="020B0503020000020004" pitchFamily="50" charset="-127"/>
+              <a:latin typeface="HY견고딕" panose="02030600000101010101" pitchFamily="18" charset="-127"/>
+              <a:ea typeface="HY견고딕" panose="02030600000101010101" pitchFamily="18" charset="-127"/>
             </a:endParaRPr>
           </a:p>
         </p:txBody>
@@ -23848,16 +26438,25 @@
     </p:spTree>
     <p:extLst>
       <p:ext uri="{BB962C8B-B14F-4D97-AF65-F5344CB8AC3E}">
-        <p14:creationId xmlns:p14="http://schemas.microsoft.com/office/powerpoint/2010/main" val="2478336286"/>
+        <p14:creationId xmlns:p14="http://schemas.microsoft.com/office/powerpoint/2010/main" val="163001951"/>
       </p:ext>
     </p:extLst>
   </p:cSld>
   <p:clrMapOvr>
     <a:masterClrMapping/>
   </p:clrMapOvr>
-  <p:transition spd="slow">
-    <p:wipe dir="r"/>
-  </p:transition>
+  <mc:AlternateContent xmlns:mc="http://schemas.openxmlformats.org/markup-compatibility/2006" xmlns:p14="http://schemas.microsoft.com/office/powerpoint/2010/main">
+    <mc:Choice Requires="p14">
+      <p:transition spd="med" p14:dur="700">
+        <p:fade/>
+      </p:transition>
+    </mc:Choice>
+    <mc:Fallback xmlns="">
+      <p:transition spd="med">
+        <p:fade/>
+      </p:transition>
+    </mc:Fallback>
+  </mc:AlternateContent>
   <p:timing>
     <p:tnLst>
       <p:par>
@@ -23871,6 +26470,14 @@
 <file path=ppt/slides/slide9.xml><?xml version="1.0" encoding="utf-8"?>
 <p:sld xmlns:a="http://schemas.openxmlformats.org/drawingml/2006/main" xmlns:r="http://schemas.openxmlformats.org/officeDocument/2006/relationships" xmlns:p="http://schemas.openxmlformats.org/presentationml/2006/main">
   <p:cSld>
+    <p:bg>
+      <p:bgPr>
+        <a:solidFill>
+          <a:srgbClr val="F6F6F6"/>
+        </a:solidFill>
+        <a:effectLst/>
+      </p:bgPr>
+    </p:bg>
     <p:spTree>
       <p:nvGrpSpPr>
         <p:cNvPr id="1" name=""/>
@@ -23885,16 +26492,104 @@
           <a:chExt cx="0" cy="0"/>
         </a:xfrm>
       </p:grpSpPr>
+      <p:grpSp>
+        <p:nvGrpSpPr>
+          <p:cNvPr id="1002" name="그룹 1002"/>
+          <p:cNvGrpSpPr/>
+          <p:nvPr/>
+        </p:nvGrpSpPr>
+        <p:grpSpPr>
+          <a:xfrm>
+            <a:off x="1248279" y="2918150"/>
+            <a:ext cx="512444" cy="91380"/>
+            <a:chOff x="1248279" y="2918150"/>
+            <a:chExt cx="512444" cy="91380"/>
+          </a:xfrm>
+        </p:grpSpPr>
+        <p:pic>
+          <p:nvPicPr>
+            <p:cNvPr id="8" name="Object 7"/>
+            <p:cNvPicPr>
+              <a:picLocks noChangeAspect="1"/>
+            </p:cNvPicPr>
+            <p:nvPr/>
+          </p:nvPicPr>
+          <p:blipFill>
+            <a:blip r:embed="rId2" cstate="print"/>
+            <a:stretch>
+              <a:fillRect/>
+            </a:stretch>
+          </p:blipFill>
+          <p:spPr>
+            <a:xfrm>
+              <a:off x="1248279" y="2918150"/>
+              <a:ext cx="512444" cy="91380"/>
+            </a:xfrm>
+            <a:prstGeom prst="rect">
+              <a:avLst/>
+            </a:prstGeom>
+          </p:spPr>
+        </p:pic>
+      </p:grpSp>
+      <p:sp>
+        <p:nvSpPr>
+          <p:cNvPr id="3" name="TextBox 2"/>
+          <p:cNvSpPr txBox="1"/>
+          <p:nvPr/>
+        </p:nvSpPr>
+        <p:spPr>
+          <a:xfrm>
+            <a:off x="1102864" y="1460837"/>
+            <a:ext cx="7050536" cy="1015663"/>
+          </a:xfrm>
+          <a:prstGeom prst="rect">
+            <a:avLst/>
+          </a:prstGeom>
+          <a:noFill/>
+        </p:spPr>
+        <p:txBody>
+          <a:bodyPr wrap="square" rtlCol="0">
+            <a:spAutoFit/>
+          </a:bodyPr>
+          <a:lstStyle/>
+          <a:p>
+            <a:r>
+              <a:rPr lang="ko-KR" altLang="en-US" sz="6000" dirty="0" smtClean="0">
+                <a:latin typeface="HY견고딕" panose="02030600000101010101" pitchFamily="18" charset="-127"/>
+                <a:ea typeface="HY견고딕" panose="02030600000101010101" pitchFamily="18" charset="-127"/>
+              </a:rPr>
+              <a:t>예상 </a:t>
+            </a:r>
+            <a:r>
+              <a:rPr lang="ko-KR" altLang="en-US" sz="6000" dirty="0" smtClean="0">
+                <a:solidFill>
+                  <a:srgbClr val="8DCD47"/>
+                </a:solidFill>
+                <a:latin typeface="HY견고딕" panose="02030600000101010101" pitchFamily="18" charset="-127"/>
+                <a:ea typeface="HY견고딕" panose="02030600000101010101" pitchFamily="18" charset="-127"/>
+              </a:rPr>
+              <a:t>디자인</a:t>
+            </a:r>
+            <a:endParaRPr lang="ko-KR" altLang="en-US" sz="6000" dirty="0">
+              <a:solidFill>
+                <a:srgbClr val="8DCD47"/>
+              </a:solidFill>
+              <a:latin typeface="HY견고딕" panose="02030600000101010101" pitchFamily="18" charset="-127"/>
+              <a:ea typeface="HY견고딕" panose="02030600000101010101" pitchFamily="18" charset="-127"/>
+            </a:endParaRPr>
+          </a:p>
+        </p:txBody>
+      </p:sp>
       <p:pic>
         <p:nvPicPr>
-          <p:cNvPr id="4" name="그림 3"/>
+          <p:cNvPr id="17" name="그림 16"/>
           <p:cNvPicPr>
             <a:picLocks noChangeAspect="1"/>
           </p:cNvPicPr>
           <p:nvPr/>
         </p:nvPicPr>
         <p:blipFill>
-          <a:blip r:embed="rId2">
+          <a:blip r:embed="rId3">
             <a:extLst>
               <a:ext uri="{28A0092B-C50C-407E-A947-70E740481C1C}">
                 <a14:useLocalDpi xmlns:a14="http://schemas.microsoft.com/office/drawing/2010/main" val="0"/>
@@ -23907,8 +26602,32 @@
         </p:blipFill>
         <p:spPr>
           <a:xfrm>
-            <a:off x="-14514" y="5956"/>
-            <a:ext cx="18440400" cy="10295558"/>
+            <a:off x="14630400" y="9029700"/>
+            <a:ext cx="2895600" cy="489292"/>
+          </a:xfrm>
+          <a:prstGeom prst="rect">
+            <a:avLst/>
+          </a:prstGeom>
+        </p:spPr>
+      </p:pic>
+      <p:pic>
+        <p:nvPicPr>
+          <p:cNvPr id="19" name="Object 6"/>
+          <p:cNvPicPr>
+            <a:picLocks noChangeAspect="1"/>
+          </p:cNvPicPr>
+          <p:nvPr/>
+        </p:nvPicPr>
+        <p:blipFill>
+          <a:blip r:embed="rId4" cstate="print"/>
+          <a:stretch>
+            <a:fillRect/>
+          </a:stretch>
+        </p:blipFill>
+        <p:spPr>
+          <a:xfrm>
+            <a:off x="1247795" y="1247814"/>
+            <a:ext cx="1457143" cy="314286"/>
           </a:xfrm>
           <a:prstGeom prst="rect">
             <a:avLst/>
@@ -23918,7 +26637,7 @@
     </p:spTree>
     <p:extLst>
       <p:ext uri="{BB962C8B-B14F-4D97-AF65-F5344CB8AC3E}">
-        <p14:creationId xmlns:p14="http://schemas.microsoft.com/office/powerpoint/2010/main" val="2754220231"/>
+        <p14:creationId xmlns:p14="http://schemas.microsoft.com/office/powerpoint/2010/main" val="3892931467"/>
       </p:ext>
     </p:extLst>
   </p:cSld>
